--- a/diapos/CPP_Intro.pptx
+++ b/diapos/CPP_Intro.pptx
@@ -2966,7 +2966,7 @@
             <a:pPr rtl="0"/>
             <a:fld id="{44067F72-4B43-4EB2-81AF-1356A084F97D}" type="datetime1">
               <a:rPr lang="fr-FR" smtClean="0"/>
-              <a:t>06/05/2021</a:t>
+              <a:t>15/06/2021</a:t>
             </a:fld>
             <a:endParaRPr lang="fr-FR" dirty="0"/>
           </a:p>
@@ -3148,7 +3148,7 @@
             <a:pPr rtl="0"/>
             <a:fld id="{18E2C9A5-1936-47C6-ADD2-56E91A3B7AD6}" type="datetime1">
               <a:rPr lang="fr-FR" noProof="0" smtClean="0"/>
-              <a:t>06/05/2021</a:t>
+              <a:t>15/06/2021</a:t>
             </a:fld>
             <a:endParaRPr lang="fr-FR" noProof="0" dirty="0"/>
           </a:p>
@@ -4025,7 +4025,7 @@
             <a:pPr rtl="0"/>
             <a:fld id="{95F14979-C768-4E40-879A-113D767D7598}" type="datetime1">
               <a:rPr lang="fr-FR" noProof="0" smtClean="0"/>
-              <a:t>06/05/2021</a:t>
+              <a:t>15/06/2021</a:t>
             </a:fld>
             <a:endParaRPr lang="fr-FR" noProof="0" dirty="0"/>
           </a:p>
@@ -4291,7 +4291,7 @@
             <a:pPr rtl="0"/>
             <a:fld id="{46AEB7E8-48A7-4B84-88AE-D5102810498A}" type="datetime1">
               <a:rPr lang="fr-FR" noProof="0" smtClean="0"/>
-              <a:t>06/05/2021</a:t>
+              <a:t>15/06/2021</a:t>
             </a:fld>
             <a:endParaRPr lang="fr-FR" noProof="0" dirty="0"/>
           </a:p>
@@ -4530,7 +4530,7 @@
             <a:pPr rtl="0"/>
             <a:fld id="{2FE4E01A-DB78-4E32-A009-59CFADEF770C}" type="datetime1">
               <a:rPr lang="fr-FR" noProof="0" smtClean="0"/>
-              <a:t>06/05/2021</a:t>
+              <a:t>15/06/2021</a:t>
             </a:fld>
             <a:endParaRPr lang="fr-FR" noProof="0" dirty="0"/>
           </a:p>
@@ -4779,7 +4779,7 @@
             <a:pPr rtl="0"/>
             <a:fld id="{3921C42B-897E-4F7D-9F30-7A616D683282}" type="datetime1">
               <a:rPr lang="fr-FR" noProof="0" smtClean="0"/>
-              <a:t>06/05/2021</a:t>
+              <a:t>15/06/2021</a:t>
             </a:fld>
             <a:endParaRPr lang="fr-FR" noProof="0" dirty="0"/>
           </a:p>
@@ -5098,7 +5098,7 @@
             <a:pPr rtl="0"/>
             <a:fld id="{666FD31E-62FB-4209-A7A6-BACD423FD1B9}" type="datetime1">
               <a:rPr lang="fr-FR" noProof="0" smtClean="0"/>
-              <a:t>06/05/2021</a:t>
+              <a:t>15/06/2021</a:t>
             </a:fld>
             <a:endParaRPr lang="fr-FR" noProof="0" dirty="0"/>
           </a:p>
@@ -5404,7 +5404,7 @@
             <a:pPr rtl="0"/>
             <a:fld id="{1F492094-CEAF-41CC-AA41-3DEA4E8B9F9C}" type="datetime1">
               <a:rPr lang="fr-FR" noProof="0" smtClean="0"/>
-              <a:t>06/05/2021</a:t>
+              <a:t>15/06/2021</a:t>
             </a:fld>
             <a:endParaRPr lang="fr-FR" noProof="0" dirty="0"/>
           </a:p>
@@ -5830,7 +5830,7 @@
             <a:pPr rtl="0"/>
             <a:fld id="{D1282008-B726-4AFB-BF47-1F66C441C4D1}" type="datetime1">
               <a:rPr lang="fr-FR" noProof="0" smtClean="0"/>
-              <a:t>06/05/2021</a:t>
+              <a:t>15/06/2021</a:t>
             </a:fld>
             <a:endParaRPr lang="fr-FR" noProof="0" dirty="0"/>
           </a:p>
@@ -5929,7 +5929,7 @@
             <a:pPr rtl="0"/>
             <a:fld id="{60565547-EAE3-42AF-9F0E-6706655F4F8F}" type="datetime1">
               <a:rPr lang="fr-FR" noProof="0" smtClean="0"/>
-              <a:t>06/05/2021</a:t>
+              <a:t>15/06/2021</a:t>
             </a:fld>
             <a:endParaRPr lang="fr-FR" noProof="0" dirty="0"/>
           </a:p>
@@ -6095,7 +6095,7 @@
             <a:pPr rtl="0"/>
             <a:fld id="{9D7570F7-C3C9-44B3-A009-658E4E9B6AED}" type="datetime1">
               <a:rPr lang="fr-FR" noProof="0" smtClean="0"/>
-              <a:t>06/05/2021</a:t>
+              <a:t>15/06/2021</a:t>
             </a:fld>
             <a:endParaRPr lang="fr-FR" noProof="0" dirty="0"/>
           </a:p>
@@ -6477,7 +6477,7 @@
             <a:pPr rtl="0"/>
             <a:fld id="{F981DFD8-7CC7-492D-8F3E-634F16593128}" type="datetime1">
               <a:rPr lang="fr-FR" noProof="0" smtClean="0"/>
-              <a:t>06/05/2021</a:t>
+              <a:t>15/06/2021</a:t>
             </a:fld>
             <a:endParaRPr lang="fr-FR" noProof="0" dirty="0"/>
           </a:p>
@@ -6770,7 +6770,7 @@
             <a:pPr rtl="0"/>
             <a:fld id="{097575A0-E176-45FF-AB41-901BA96C2E0F}" type="datetime1">
               <a:rPr lang="fr-FR" noProof="0" smtClean="0"/>
-              <a:t>06/05/2021</a:t>
+              <a:t>15/06/2021</a:t>
             </a:fld>
             <a:endParaRPr lang="fr-FR" noProof="0" dirty="0"/>
           </a:p>
@@ -6985,7 +6985,7 @@
             <a:pPr rtl="0"/>
             <a:fld id="{10358767-58E0-4259-BE08-C44246876B43}" type="datetime1">
               <a:rPr lang="fr-FR" noProof="0" smtClean="0"/>
-              <a:t>06/05/2021</a:t>
+              <a:t>15/06/2021</a:t>
             </a:fld>
             <a:endParaRPr lang="fr-FR" noProof="0" dirty="0"/>
           </a:p>
@@ -8717,7 +8717,6 @@
               <a:rPr lang="fr-FR" sz="2000" dirty="0" smtClean="0"/>
               <a:t>++ moderne</a:t>
             </a:r>
-            <a:endParaRPr lang="fr-FR" sz="2000" dirty="0" smtClean="0"/>
           </a:p>
           <a:p>
             <a:pPr marL="342900" lvl="1" indent="-342900">
@@ -8741,7 +8740,6 @@
               <a:rPr lang="fr-FR" sz="2000" dirty="0" smtClean="0"/>
               <a:t>Savoir produire un code propre, sûr, clair et maintenable</a:t>
             </a:r>
-            <a:endParaRPr lang="fr-FR" sz="2000" dirty="0" smtClean="0"/>
           </a:p>
           <a:p>
             <a:pPr marL="342900" lvl="1" indent="-342900">
@@ -8765,7 +8763,6 @@
               <a:rPr lang="fr-FR" sz="2000" dirty="0" smtClean="0"/>
               <a:t>Comprendre la chaine de compilation</a:t>
             </a:r>
-            <a:endParaRPr lang="fr-FR" sz="2000" dirty="0" smtClean="0"/>
           </a:p>
           <a:p>
             <a:pPr marL="342900" lvl="1" indent="-342900">
@@ -10884,8 +10881,26 @@
           <a:lstStyle/>
           <a:p>
             <a:r>
+              <a:rPr lang="fr-FR" sz="1400" dirty="0" smtClean="0"/>
+              <a:t>Connectez-vous au réseau WIFI « STORM R » avec vos </a:t>
+            </a:r>
+            <a:r>
+              <a:rPr lang="fr-FR" sz="1400" dirty="0" err="1" smtClean="0"/>
+              <a:t>credentials</a:t>
+            </a:r>
+            <a:r>
+              <a:rPr lang="fr-FR" sz="1400" dirty="0" smtClean="0"/>
+              <a:t> habituels</a:t>
+            </a:r>
+          </a:p>
+          <a:p>
+            <a:r>
+              <a:rPr lang="fr-FR" sz="1400" dirty="0" smtClean="0"/>
+              <a:t>Code </a:t>
+            </a:r>
+            <a:r>
               <a:rPr lang="fr-FR" sz="1400" dirty="0"/>
-              <a:t>Code et planches à récupérer sur GitHub</a:t>
+              <a:t>et planches à récupérer sur GitHub</a:t>
             </a:r>
             <a:br>
               <a:rPr lang="fr-FR" sz="1400" dirty="0"/>
@@ -10895,9 +10910,32 @@
               <a:t>git clone </a:t>
             </a:r>
             <a:r>
-              <a:rPr lang="fr-FR" sz="1100" dirty="0"/>
-              <a:t>https://github.com/franckginguene/hpc_formation_scalian.git</a:t>
-            </a:r>
+              <a:rPr lang="fr-FR" sz="1400" dirty="0" smtClean="0"/>
+              <a:t/>
+            </a:r>
+            <a:br>
+              <a:rPr lang="fr-FR" sz="1400" dirty="0" smtClean="0"/>
+            </a:br>
+            <a:r>
+              <a:rPr lang="fr-FR" sz="1600" dirty="0" smtClean="0"/>
+              <a:t>https</a:t>
+            </a:r>
+            <a:r>
+              <a:rPr lang="fr-FR" sz="1600" dirty="0"/>
+              <a:t>://github.com/franckginguene</a:t>
+            </a:r>
+            <a:r>
+              <a:rPr lang="fr-FR" sz="1600" dirty="0" smtClean="0"/>
+              <a:t>/</a:t>
+            </a:r>
+            <a:br>
+              <a:rPr lang="fr-FR" sz="1600" dirty="0" smtClean="0"/>
+            </a:br>
+            <a:r>
+              <a:rPr lang="fr-FR" sz="1600" dirty="0" err="1" smtClean="0"/>
+              <a:t>hpc_formation_scalian.git</a:t>
+            </a:r>
+            <a:endParaRPr lang="fr-FR" sz="1600" dirty="0"/>
           </a:p>
           <a:p>
             <a:endParaRPr lang="fr-FR" sz="1400" dirty="0"/>
@@ -11257,7 +11295,7 @@
         </p:blipFill>
         <p:spPr>
           <a:xfrm>
-            <a:off x="1409626" y="3739470"/>
+            <a:off x="1409626" y="3840433"/>
             <a:ext cx="2274751" cy="1112194"/>
           </a:xfrm>
           <a:prstGeom prst="rect">
@@ -12399,6 +12437,15 @@
 </file>
 
 <file path=customXml/item1.xml><?xml version="1.0" encoding="utf-8"?>
+<?mso-contentType ?>
+<FormTemplates xmlns="http://schemas.microsoft.com/sharepoint/v3/contenttype/forms">
+  <Display>DocumentLibraryForm</Display>
+  <Edit>DocumentLibraryForm</Edit>
+  <New>DocumentLibraryForm</New>
+</FormTemplates>
+</file>
+
+<file path=customXml/item2.xml><?xml version="1.0" encoding="utf-8"?>
 <ct:contentTypeSchema xmlns:ct="http://schemas.microsoft.com/office/2006/metadata/contentType" xmlns:ma="http://schemas.microsoft.com/office/2006/metadata/properties/metaAttributes" ct:_="" ma:_="" ma:contentTypeName="Document" ma:contentTypeID="0x01010079F111ED35F8CC479449609E8A0923A6" ma:contentTypeVersion="11" ma:contentTypeDescription="Create a new document." ma:contentTypeScope="" ma:versionID="9677210f24a1be23c92c90fd886aa0aa">
   <xsd:schema xmlns:xsd="http://www.w3.org/2001/XMLSchema" xmlns:xs="http://www.w3.org/2001/XMLSchema" xmlns:p="http://schemas.microsoft.com/office/2006/metadata/properties" xmlns:ns2="71af3243-3dd4-4a8d-8c0d-dd76da1f02a5" xmlns:ns3="16c05727-aa75-4e4a-9b5f-8a80a1165891" targetNamespace="http://schemas.microsoft.com/office/2006/metadata/properties" ma:root="true" ma:fieldsID="60e05723c5c1908df1a1a4ebf11d344e" ns2:_="" ns3:_="">
     <xsd:import namespace="71af3243-3dd4-4a8d-8c0d-dd76da1f02a5"/>
@@ -12609,15 +12656,6 @@
 </ct:contentTypeSchema>
 </file>
 
-<file path=customXml/item2.xml><?xml version="1.0" encoding="utf-8"?>
-<?mso-contentType ?>
-<FormTemplates xmlns="http://schemas.microsoft.com/sharepoint/v3/contenttype/forms">
-  <Display>DocumentLibraryForm</Display>
-  <Edit>DocumentLibraryForm</Edit>
-  <New>DocumentLibraryForm</New>
-</FormTemplates>
-</file>
-
 <file path=customXml/item3.xml><?xml version="1.0" encoding="utf-8"?>
 <p:properties xmlns:p="http://schemas.microsoft.com/office/2006/metadata/properties" xmlns:xsi="http://www.w3.org/2001/XMLSchema-instance" xmlns:pc="http://schemas.microsoft.com/office/infopath/2007/PartnerControls">
   <documentManagement>
@@ -12627,6 +12665,14 @@
 </file>
 
 <file path=customXml/itemProps1.xml><?xml version="1.0" encoding="utf-8"?>
+<ds:datastoreItem xmlns:ds="http://schemas.openxmlformats.org/officeDocument/2006/customXml" ds:itemID="{2B21BF1A-59D3-4E19-9B95-2FD4309AC3AF}">
+  <ds:schemaRefs>
+    <ds:schemaRef ds:uri="http://schemas.microsoft.com/sharepoint/v3/contenttype/forms"/>
+  </ds:schemaRefs>
+</ds:datastoreItem>
+</file>
+
+<file path=customXml/itemProps2.xml><?xml version="1.0" encoding="utf-8"?>
 <ds:datastoreItem xmlns:ds="http://schemas.openxmlformats.org/officeDocument/2006/customXml" ds:itemID="{1EED214C-B51A-4B75-8B08-0E0DBD2305BE}">
   <ds:schemaRefs>
     <ds:schemaRef ds:uri="http://schemas.microsoft.com/office/2006/metadata/contentType"/>
@@ -12641,14 +12687,6 @@
     <ds:schemaRef ds:uri="http://purl.org/dc/elements/1.1/"/>
     <ds:schemaRef ds:uri="http://purl.org/dc/terms/"/>
     <ds:schemaRef ds:uri="http://schemas.microsoft.com/internal/obd"/>
-  </ds:schemaRefs>
-</ds:datastoreItem>
-</file>
-
-<file path=customXml/itemProps2.xml><?xml version="1.0" encoding="utf-8"?>
-<ds:datastoreItem xmlns:ds="http://schemas.openxmlformats.org/officeDocument/2006/customXml" ds:itemID="{2B21BF1A-59D3-4E19-9B95-2FD4309AC3AF}">
-  <ds:schemaRefs>
-    <ds:schemaRef ds:uri="http://schemas.microsoft.com/sharepoint/v3/contenttype/forms"/>
   </ds:schemaRefs>
 </ds:datastoreItem>
 </file>

--- a/diapos/CPP_Intro.pptx
+++ b/diapos/CPP_Intro.pptx
@@ -5,10 +5,10 @@
     <p:sldMasterId id="2147483684" r:id="rId4"/>
   </p:sldMasterIdLst>
   <p:notesMasterIdLst>
-    <p:notesMasterId r:id="rId14"/>
+    <p:notesMasterId r:id="rId15"/>
   </p:notesMasterIdLst>
   <p:handoutMasterIdLst>
-    <p:handoutMasterId r:id="rId15"/>
+    <p:handoutMasterId r:id="rId16"/>
   </p:handoutMasterIdLst>
   <p:sldIdLst>
     <p:sldId id="256" r:id="rId5"/>
@@ -16,10 +16,11 @@
     <p:sldId id="266" r:id="rId7"/>
     <p:sldId id="267" r:id="rId8"/>
     <p:sldId id="262" r:id="rId9"/>
-    <p:sldId id="268" r:id="rId10"/>
-    <p:sldId id="271" r:id="rId11"/>
-    <p:sldId id="274" r:id="rId12"/>
-    <p:sldId id="270" r:id="rId13"/>
+    <p:sldId id="276" r:id="rId10"/>
+    <p:sldId id="275" r:id="rId11"/>
+    <p:sldId id="271" r:id="rId12"/>
+    <p:sldId id="274" r:id="rId13"/>
+    <p:sldId id="270" r:id="rId14"/>
   </p:sldIdLst>
   <p:sldSz cx="9144000" cy="5715000" type="screen16x10"/>
   <p:notesSz cx="6858000" cy="9144000"/>
@@ -886,6 +887,755 @@
 </dgm:colorsDef>
 </file>
 
+<file path=ppt/diagrams/colors2.xml><?xml version="1.0" encoding="utf-8"?>
+<dgm:colorsDef xmlns:dgm="http://schemas.openxmlformats.org/drawingml/2006/diagram" xmlns:a="http://schemas.openxmlformats.org/drawingml/2006/main" uniqueId="urn:microsoft.com/office/officeart/2018/5/colors/Iconchunking_neutralbg_accent2_2">
+  <dgm:title val=""/>
+  <dgm:desc val=""/>
+  <dgm:catLst>
+    <dgm:cat type="accent2" pri="11200"/>
+  </dgm:catLst>
+  <dgm:styleLbl name="node0">
+    <dgm:fillClrLst meth="repeat">
+      <a:schemeClr val="accent2"/>
+    </dgm:fillClrLst>
+    <dgm:linClrLst meth="repeat">
+      <a:schemeClr val="lt1"/>
+    </dgm:linClrLst>
+    <dgm:effectClrLst/>
+    <dgm:txLinClrLst/>
+    <dgm:txFillClrLst/>
+    <dgm:txEffectClrLst/>
+  </dgm:styleLbl>
+  <dgm:styleLbl name="node1">
+    <dgm:fillClrLst meth="repeat">
+      <a:schemeClr val="accent2"/>
+    </dgm:fillClrLst>
+    <dgm:linClrLst meth="repeat">
+      <a:schemeClr val="lt1">
+        <a:alpha val="0"/>
+      </a:schemeClr>
+    </dgm:linClrLst>
+    <dgm:effectClrLst/>
+    <dgm:txLinClrLst/>
+    <dgm:txFillClrLst/>
+    <dgm:txEffectClrLst/>
+  </dgm:styleLbl>
+  <dgm:styleLbl name="alignNode1">
+    <dgm:fillClrLst meth="repeat">
+      <a:schemeClr val="accent2"/>
+    </dgm:fillClrLst>
+    <dgm:linClrLst meth="repeat">
+      <a:schemeClr val="accent2"/>
+    </dgm:linClrLst>
+    <dgm:effectClrLst/>
+    <dgm:txLinClrLst/>
+    <dgm:txFillClrLst/>
+    <dgm:txEffectClrLst/>
+  </dgm:styleLbl>
+  <dgm:styleLbl name="lnNode1">
+    <dgm:fillClrLst meth="repeat">
+      <a:schemeClr val="accent2"/>
+    </dgm:fillClrLst>
+    <dgm:linClrLst meth="repeat">
+      <a:schemeClr val="lt1"/>
+    </dgm:linClrLst>
+    <dgm:effectClrLst/>
+    <dgm:txLinClrLst/>
+    <dgm:txFillClrLst/>
+    <dgm:txEffectClrLst/>
+  </dgm:styleLbl>
+  <dgm:styleLbl name="vennNode1">
+    <dgm:fillClrLst meth="repeat">
+      <a:schemeClr val="accent2">
+        <a:alpha val="50000"/>
+      </a:schemeClr>
+    </dgm:fillClrLst>
+    <dgm:linClrLst meth="repeat">
+      <a:schemeClr val="lt1"/>
+    </dgm:linClrLst>
+    <dgm:effectClrLst/>
+    <dgm:txLinClrLst/>
+    <dgm:txFillClrLst/>
+    <dgm:txEffectClrLst/>
+  </dgm:styleLbl>
+  <dgm:styleLbl name="node2">
+    <dgm:fillClrLst meth="repeat">
+      <a:schemeClr val="accent2"/>
+    </dgm:fillClrLst>
+    <dgm:linClrLst meth="repeat">
+      <a:schemeClr val="lt1"/>
+    </dgm:linClrLst>
+    <dgm:effectClrLst/>
+    <dgm:txLinClrLst/>
+    <dgm:txFillClrLst/>
+    <dgm:txEffectClrLst/>
+  </dgm:styleLbl>
+  <dgm:styleLbl name="node3">
+    <dgm:fillClrLst meth="repeat">
+      <a:schemeClr val="accent2"/>
+    </dgm:fillClrLst>
+    <dgm:linClrLst meth="repeat">
+      <a:schemeClr val="lt1"/>
+    </dgm:linClrLst>
+    <dgm:effectClrLst/>
+    <dgm:txLinClrLst/>
+    <dgm:txFillClrLst/>
+    <dgm:txEffectClrLst/>
+  </dgm:styleLbl>
+  <dgm:styleLbl name="node4">
+    <dgm:fillClrLst meth="repeat">
+      <a:schemeClr val="accent2"/>
+    </dgm:fillClrLst>
+    <dgm:linClrLst meth="repeat">
+      <a:schemeClr val="lt1"/>
+    </dgm:linClrLst>
+    <dgm:effectClrLst/>
+    <dgm:txLinClrLst/>
+    <dgm:txFillClrLst/>
+    <dgm:txEffectClrLst/>
+  </dgm:styleLbl>
+  <dgm:styleLbl name="fgImgPlace1">
+    <dgm:fillClrLst meth="repeat">
+      <a:schemeClr val="accent2">
+        <a:tint val="50000"/>
+      </a:schemeClr>
+    </dgm:fillClrLst>
+    <dgm:linClrLst meth="repeat">
+      <a:schemeClr val="lt1"/>
+    </dgm:linClrLst>
+    <dgm:effectClrLst/>
+    <dgm:txLinClrLst/>
+    <dgm:txFillClrLst meth="repeat">
+      <a:schemeClr val="lt1"/>
+    </dgm:txFillClrLst>
+    <dgm:txEffectClrLst/>
+  </dgm:styleLbl>
+  <dgm:styleLbl name="alignImgPlace1">
+    <dgm:fillClrLst meth="repeat">
+      <a:schemeClr val="accent2">
+        <a:tint val="50000"/>
+      </a:schemeClr>
+    </dgm:fillClrLst>
+    <dgm:linClrLst meth="repeat">
+      <a:schemeClr val="lt1"/>
+    </dgm:linClrLst>
+    <dgm:effectClrLst/>
+    <dgm:txLinClrLst/>
+    <dgm:txFillClrLst meth="repeat">
+      <a:schemeClr val="lt1"/>
+    </dgm:txFillClrLst>
+    <dgm:txEffectClrLst/>
+  </dgm:styleLbl>
+  <dgm:styleLbl name="bgImgPlace1">
+    <dgm:fillClrLst meth="repeat">
+      <a:schemeClr val="accent2">
+        <a:tint val="50000"/>
+      </a:schemeClr>
+    </dgm:fillClrLst>
+    <dgm:linClrLst meth="repeat">
+      <a:schemeClr val="lt1"/>
+    </dgm:linClrLst>
+    <dgm:effectClrLst/>
+    <dgm:txLinClrLst/>
+    <dgm:txFillClrLst meth="repeat">
+      <a:schemeClr val="lt1"/>
+    </dgm:txFillClrLst>
+    <dgm:txEffectClrLst/>
+  </dgm:styleLbl>
+  <dgm:styleLbl name="sibTrans2D1">
+    <dgm:fillClrLst meth="repeat">
+      <a:schemeClr val="accent2">
+        <a:tint val="60000"/>
+      </a:schemeClr>
+    </dgm:fillClrLst>
+    <dgm:linClrLst meth="repeat">
+      <a:schemeClr val="accent2">
+        <a:tint val="60000"/>
+      </a:schemeClr>
+    </dgm:linClrLst>
+    <dgm:effectClrLst/>
+    <dgm:txLinClrLst/>
+    <dgm:txFillClrLst/>
+    <dgm:txEffectClrLst/>
+  </dgm:styleLbl>
+  <dgm:styleLbl name="fgSibTrans2D1">
+    <dgm:fillClrLst meth="repeat">
+      <a:schemeClr val="accent2">
+        <a:tint val="60000"/>
+      </a:schemeClr>
+    </dgm:fillClrLst>
+    <dgm:linClrLst meth="repeat">
+      <a:schemeClr val="accent2">
+        <a:tint val="60000"/>
+      </a:schemeClr>
+    </dgm:linClrLst>
+    <dgm:effectClrLst/>
+    <dgm:txLinClrLst/>
+    <dgm:txFillClrLst/>
+    <dgm:txEffectClrLst/>
+  </dgm:styleLbl>
+  <dgm:styleLbl name="bgSibTrans2D1">
+    <dgm:fillClrLst meth="repeat">
+      <a:schemeClr val="accent2">
+        <a:tint val="60000"/>
+      </a:schemeClr>
+    </dgm:fillClrLst>
+    <dgm:linClrLst meth="repeat">
+      <a:schemeClr val="accent2">
+        <a:tint val="60000"/>
+      </a:schemeClr>
+    </dgm:linClrLst>
+    <dgm:effectClrLst/>
+    <dgm:txLinClrLst/>
+    <dgm:txFillClrLst/>
+    <dgm:txEffectClrLst/>
+  </dgm:styleLbl>
+  <dgm:styleLbl name="sibTrans1D1">
+    <dgm:fillClrLst meth="repeat">
+      <a:schemeClr val="accent2"/>
+    </dgm:fillClrLst>
+    <dgm:linClrLst meth="repeat">
+      <a:schemeClr val="accent2"/>
+    </dgm:linClrLst>
+    <dgm:effectClrLst/>
+    <dgm:txLinClrLst/>
+    <dgm:txFillClrLst meth="repeat">
+      <a:schemeClr val="tx1"/>
+    </dgm:txFillClrLst>
+    <dgm:txEffectClrLst/>
+  </dgm:styleLbl>
+  <dgm:styleLbl name="callout">
+    <dgm:fillClrLst meth="repeat">
+      <a:schemeClr val="accent2"/>
+    </dgm:fillClrLst>
+    <dgm:linClrLst meth="repeat">
+      <a:schemeClr val="accent2">
+        <a:tint val="50000"/>
+      </a:schemeClr>
+    </dgm:linClrLst>
+    <dgm:effectClrLst/>
+    <dgm:txLinClrLst/>
+    <dgm:txFillClrLst meth="repeat">
+      <a:schemeClr val="tx1"/>
+    </dgm:txFillClrLst>
+    <dgm:txEffectClrLst/>
+  </dgm:styleLbl>
+  <dgm:styleLbl name="asst0">
+    <dgm:fillClrLst meth="repeat">
+      <a:schemeClr val="accent2"/>
+    </dgm:fillClrLst>
+    <dgm:linClrLst meth="repeat">
+      <a:schemeClr val="lt1"/>
+    </dgm:linClrLst>
+    <dgm:effectClrLst/>
+    <dgm:txLinClrLst/>
+    <dgm:txFillClrLst/>
+    <dgm:txEffectClrLst/>
+  </dgm:styleLbl>
+  <dgm:styleLbl name="asst1">
+    <dgm:fillClrLst meth="repeat">
+      <a:schemeClr val="accent2"/>
+    </dgm:fillClrLst>
+    <dgm:linClrLst meth="repeat">
+      <a:schemeClr val="lt1"/>
+    </dgm:linClrLst>
+    <dgm:effectClrLst/>
+    <dgm:txLinClrLst/>
+    <dgm:txFillClrLst/>
+    <dgm:txEffectClrLst/>
+  </dgm:styleLbl>
+  <dgm:styleLbl name="asst2">
+    <dgm:fillClrLst meth="repeat">
+      <a:schemeClr val="accent2"/>
+    </dgm:fillClrLst>
+    <dgm:linClrLst meth="repeat">
+      <a:schemeClr val="lt1"/>
+    </dgm:linClrLst>
+    <dgm:effectClrLst/>
+    <dgm:txLinClrLst/>
+    <dgm:txFillClrLst/>
+    <dgm:txEffectClrLst/>
+  </dgm:styleLbl>
+  <dgm:styleLbl name="asst3">
+    <dgm:fillClrLst meth="repeat">
+      <a:schemeClr val="accent2"/>
+    </dgm:fillClrLst>
+    <dgm:linClrLst meth="repeat">
+      <a:schemeClr val="lt1"/>
+    </dgm:linClrLst>
+    <dgm:effectClrLst/>
+    <dgm:txLinClrLst/>
+    <dgm:txFillClrLst/>
+    <dgm:txEffectClrLst/>
+  </dgm:styleLbl>
+  <dgm:styleLbl name="asst4">
+    <dgm:fillClrLst meth="repeat">
+      <a:schemeClr val="accent2"/>
+    </dgm:fillClrLst>
+    <dgm:linClrLst meth="repeat">
+      <a:schemeClr val="lt1"/>
+    </dgm:linClrLst>
+    <dgm:effectClrLst/>
+    <dgm:txLinClrLst/>
+    <dgm:txFillClrLst/>
+    <dgm:txEffectClrLst/>
+  </dgm:styleLbl>
+  <dgm:styleLbl name="parChTrans2D1">
+    <dgm:fillClrLst meth="repeat">
+      <a:schemeClr val="accent2">
+        <a:tint val="60000"/>
+      </a:schemeClr>
+    </dgm:fillClrLst>
+    <dgm:linClrLst meth="repeat">
+      <a:schemeClr val="accent2">
+        <a:tint val="60000"/>
+      </a:schemeClr>
+    </dgm:linClrLst>
+    <dgm:effectClrLst/>
+    <dgm:txLinClrLst/>
+    <dgm:txFillClrLst meth="repeat">
+      <a:schemeClr val="lt1"/>
+    </dgm:txFillClrLst>
+    <dgm:txEffectClrLst/>
+  </dgm:styleLbl>
+  <dgm:styleLbl name="parChTrans2D2">
+    <dgm:fillClrLst meth="repeat">
+      <a:schemeClr val="accent2"/>
+    </dgm:fillClrLst>
+    <dgm:linClrLst meth="repeat">
+      <a:schemeClr val="accent2"/>
+    </dgm:linClrLst>
+    <dgm:effectClrLst/>
+    <dgm:txLinClrLst/>
+    <dgm:txFillClrLst meth="repeat">
+      <a:schemeClr val="lt1"/>
+    </dgm:txFillClrLst>
+    <dgm:txEffectClrLst/>
+  </dgm:styleLbl>
+  <dgm:styleLbl name="parChTrans2D3">
+    <dgm:fillClrLst meth="repeat">
+      <a:schemeClr val="accent2"/>
+    </dgm:fillClrLst>
+    <dgm:linClrLst meth="repeat">
+      <a:schemeClr val="accent2"/>
+    </dgm:linClrLst>
+    <dgm:effectClrLst/>
+    <dgm:txLinClrLst/>
+    <dgm:txFillClrLst meth="repeat">
+      <a:schemeClr val="lt1"/>
+    </dgm:txFillClrLst>
+    <dgm:txEffectClrLst/>
+  </dgm:styleLbl>
+  <dgm:styleLbl name="parChTrans2D4">
+    <dgm:fillClrLst meth="repeat">
+      <a:schemeClr val="accent2"/>
+    </dgm:fillClrLst>
+    <dgm:linClrLst meth="repeat">
+      <a:schemeClr val="accent2"/>
+    </dgm:linClrLst>
+    <dgm:effectClrLst/>
+    <dgm:txLinClrLst/>
+    <dgm:txFillClrLst meth="repeat">
+      <a:schemeClr val="lt1"/>
+    </dgm:txFillClrLst>
+    <dgm:txEffectClrLst/>
+  </dgm:styleLbl>
+  <dgm:styleLbl name="parChTrans1D1">
+    <dgm:fillClrLst meth="repeat">
+      <a:schemeClr val="accent2"/>
+    </dgm:fillClrLst>
+    <dgm:linClrLst meth="repeat">
+      <a:schemeClr val="accent2">
+        <a:shade val="60000"/>
+      </a:schemeClr>
+    </dgm:linClrLst>
+    <dgm:effectClrLst/>
+    <dgm:txLinClrLst/>
+    <dgm:txFillClrLst meth="repeat">
+      <a:schemeClr val="tx1"/>
+    </dgm:txFillClrLst>
+    <dgm:txEffectClrLst/>
+  </dgm:styleLbl>
+  <dgm:styleLbl name="parChTrans1D2">
+    <dgm:fillClrLst meth="repeat">
+      <a:schemeClr val="accent2"/>
+    </dgm:fillClrLst>
+    <dgm:linClrLst meth="repeat">
+      <a:schemeClr val="accent2">
+        <a:shade val="60000"/>
+      </a:schemeClr>
+    </dgm:linClrLst>
+    <dgm:effectClrLst/>
+    <dgm:txLinClrLst/>
+    <dgm:txFillClrLst meth="repeat">
+      <a:schemeClr val="tx1"/>
+    </dgm:txFillClrLst>
+    <dgm:txEffectClrLst/>
+  </dgm:styleLbl>
+  <dgm:styleLbl name="parChTrans1D3">
+    <dgm:fillClrLst meth="repeat">
+      <a:schemeClr val="accent2"/>
+    </dgm:fillClrLst>
+    <dgm:linClrLst meth="repeat">
+      <a:schemeClr val="accent2">
+        <a:shade val="80000"/>
+      </a:schemeClr>
+    </dgm:linClrLst>
+    <dgm:effectClrLst/>
+    <dgm:txLinClrLst/>
+    <dgm:txFillClrLst meth="repeat">
+      <a:schemeClr val="tx1"/>
+    </dgm:txFillClrLst>
+    <dgm:txEffectClrLst/>
+  </dgm:styleLbl>
+  <dgm:styleLbl name="parChTrans1D4">
+    <dgm:fillClrLst meth="repeat">
+      <a:schemeClr val="accent2"/>
+    </dgm:fillClrLst>
+    <dgm:linClrLst meth="repeat">
+      <a:schemeClr val="accent2">
+        <a:shade val="80000"/>
+      </a:schemeClr>
+    </dgm:linClrLst>
+    <dgm:effectClrLst/>
+    <dgm:txLinClrLst/>
+    <dgm:txFillClrLst meth="repeat">
+      <a:schemeClr val="tx1"/>
+    </dgm:txFillClrLst>
+    <dgm:txEffectClrLst/>
+  </dgm:styleLbl>
+  <dgm:styleLbl name="fgAcc1">
+    <dgm:fillClrLst meth="repeat">
+      <a:schemeClr val="lt1">
+        <a:alpha val="90000"/>
+      </a:schemeClr>
+    </dgm:fillClrLst>
+    <dgm:linClrLst meth="repeat">
+      <a:schemeClr val="accent2"/>
+    </dgm:linClrLst>
+    <dgm:effectClrLst/>
+    <dgm:txLinClrLst/>
+    <dgm:txFillClrLst meth="repeat">
+      <a:schemeClr val="dk1"/>
+    </dgm:txFillClrLst>
+    <dgm:txEffectClrLst/>
+  </dgm:styleLbl>
+  <dgm:styleLbl name="conFgAcc1">
+    <dgm:fillClrLst meth="repeat">
+      <a:schemeClr val="lt1">
+        <a:alpha val="90000"/>
+      </a:schemeClr>
+    </dgm:fillClrLst>
+    <dgm:linClrLst meth="repeat">
+      <a:schemeClr val="accent2"/>
+    </dgm:linClrLst>
+    <dgm:effectClrLst/>
+    <dgm:txLinClrLst/>
+    <dgm:txFillClrLst meth="repeat">
+      <a:schemeClr val="dk1"/>
+    </dgm:txFillClrLst>
+    <dgm:txEffectClrLst/>
+  </dgm:styleLbl>
+  <dgm:styleLbl name="alignAcc1">
+    <dgm:fillClrLst meth="repeat">
+      <a:schemeClr val="lt1">
+        <a:alpha val="90000"/>
+      </a:schemeClr>
+    </dgm:fillClrLst>
+    <dgm:linClrLst meth="repeat">
+      <a:schemeClr val="accent2"/>
+    </dgm:linClrLst>
+    <dgm:effectClrLst/>
+    <dgm:txLinClrLst/>
+    <dgm:txFillClrLst meth="repeat">
+      <a:schemeClr val="dk1"/>
+    </dgm:txFillClrLst>
+    <dgm:txEffectClrLst/>
+  </dgm:styleLbl>
+  <dgm:styleLbl name="trAlignAcc1">
+    <dgm:fillClrLst meth="repeat">
+      <a:schemeClr val="lt1">
+        <a:alpha val="40000"/>
+      </a:schemeClr>
+    </dgm:fillClrLst>
+    <dgm:linClrLst meth="repeat">
+      <a:schemeClr val="accent2"/>
+    </dgm:linClrLst>
+    <dgm:effectClrLst/>
+    <dgm:txLinClrLst/>
+    <dgm:txFillClrLst meth="repeat">
+      <a:schemeClr val="dk1"/>
+    </dgm:txFillClrLst>
+    <dgm:txEffectClrLst/>
+  </dgm:styleLbl>
+  <dgm:styleLbl name="bgAcc1">
+    <dgm:fillClrLst meth="repeat">
+      <a:schemeClr val="lt1">
+        <a:alpha val="90000"/>
+      </a:schemeClr>
+    </dgm:fillClrLst>
+    <dgm:linClrLst meth="repeat">
+      <a:schemeClr val="accent2"/>
+    </dgm:linClrLst>
+    <dgm:effectClrLst/>
+    <dgm:txLinClrLst/>
+    <dgm:txFillClrLst meth="repeat">
+      <a:schemeClr val="dk1"/>
+    </dgm:txFillClrLst>
+    <dgm:txEffectClrLst/>
+  </dgm:styleLbl>
+  <dgm:styleLbl name="solidFgAcc1">
+    <dgm:fillClrLst meth="repeat">
+      <a:schemeClr val="lt1"/>
+    </dgm:fillClrLst>
+    <dgm:linClrLst meth="repeat">
+      <a:schemeClr val="accent2"/>
+    </dgm:linClrLst>
+    <dgm:effectClrLst/>
+    <dgm:txLinClrLst/>
+    <dgm:txFillClrLst meth="repeat">
+      <a:schemeClr val="dk1"/>
+    </dgm:txFillClrLst>
+    <dgm:txEffectClrLst/>
+  </dgm:styleLbl>
+  <dgm:styleLbl name="solidAlignAcc1">
+    <dgm:fillClrLst meth="repeat">
+      <a:schemeClr val="lt1"/>
+    </dgm:fillClrLst>
+    <dgm:linClrLst meth="repeat">
+      <a:schemeClr val="accent2"/>
+    </dgm:linClrLst>
+    <dgm:effectClrLst/>
+    <dgm:txLinClrLst/>
+    <dgm:txFillClrLst meth="repeat">
+      <a:schemeClr val="dk1"/>
+    </dgm:txFillClrLst>
+    <dgm:txEffectClrLst/>
+  </dgm:styleLbl>
+  <dgm:styleLbl name="solidBgAcc1">
+    <dgm:fillClrLst meth="repeat">
+      <a:schemeClr val="lt1"/>
+    </dgm:fillClrLst>
+    <dgm:linClrLst meth="repeat">
+      <a:schemeClr val="accent2"/>
+    </dgm:linClrLst>
+    <dgm:effectClrLst/>
+    <dgm:txLinClrLst/>
+    <dgm:txFillClrLst meth="repeat">
+      <a:schemeClr val="dk1"/>
+    </dgm:txFillClrLst>
+    <dgm:txEffectClrLst/>
+  </dgm:styleLbl>
+  <dgm:styleLbl name="fgAccFollowNode1">
+    <dgm:fillClrLst meth="repeat">
+      <a:schemeClr val="accent2">
+        <a:alpha val="90000"/>
+        <a:tint val="40000"/>
+      </a:schemeClr>
+    </dgm:fillClrLst>
+    <dgm:linClrLst meth="repeat">
+      <a:schemeClr val="accent2">
+        <a:alpha val="90000"/>
+        <a:tint val="40000"/>
+      </a:schemeClr>
+    </dgm:linClrLst>
+    <dgm:effectClrLst/>
+    <dgm:txLinClrLst/>
+    <dgm:txFillClrLst meth="repeat">
+      <a:schemeClr val="dk1"/>
+    </dgm:txFillClrLst>
+    <dgm:txEffectClrLst/>
+  </dgm:styleLbl>
+  <dgm:styleLbl name="alignAccFollowNode1">
+    <dgm:fillClrLst meth="repeat">
+      <a:schemeClr val="accent2">
+        <a:alpha val="90000"/>
+        <a:tint val="40000"/>
+      </a:schemeClr>
+    </dgm:fillClrLst>
+    <dgm:linClrLst meth="repeat">
+      <a:schemeClr val="accent2">
+        <a:alpha val="90000"/>
+        <a:tint val="40000"/>
+      </a:schemeClr>
+    </dgm:linClrLst>
+    <dgm:effectClrLst/>
+    <dgm:txLinClrLst/>
+    <dgm:txFillClrLst meth="repeat">
+      <a:schemeClr val="dk1"/>
+    </dgm:txFillClrLst>
+    <dgm:txEffectClrLst/>
+  </dgm:styleLbl>
+  <dgm:styleLbl name="bgAccFollowNode1">
+    <dgm:fillClrLst meth="repeat">
+      <a:schemeClr val="accent2">
+        <a:alpha val="90000"/>
+        <a:tint val="40000"/>
+      </a:schemeClr>
+    </dgm:fillClrLst>
+    <dgm:linClrLst meth="repeat">
+      <a:schemeClr val="accent2">
+        <a:alpha val="90000"/>
+        <a:tint val="40000"/>
+      </a:schemeClr>
+    </dgm:linClrLst>
+    <dgm:effectClrLst/>
+    <dgm:txLinClrLst/>
+    <dgm:txFillClrLst meth="repeat">
+      <a:schemeClr val="dk1"/>
+    </dgm:txFillClrLst>
+    <dgm:txEffectClrLst/>
+  </dgm:styleLbl>
+  <dgm:styleLbl name="fgAcc0">
+    <dgm:fillClrLst meth="repeat">
+      <a:schemeClr val="lt1">
+        <a:alpha val="90000"/>
+      </a:schemeClr>
+    </dgm:fillClrLst>
+    <dgm:linClrLst meth="repeat">
+      <a:schemeClr val="accent2"/>
+    </dgm:linClrLst>
+    <dgm:effectClrLst/>
+    <dgm:txLinClrLst/>
+    <dgm:txFillClrLst meth="repeat">
+      <a:schemeClr val="dk1"/>
+    </dgm:txFillClrLst>
+    <dgm:txEffectClrLst/>
+  </dgm:styleLbl>
+  <dgm:styleLbl name="fgAcc2">
+    <dgm:fillClrLst meth="repeat">
+      <a:schemeClr val="lt1">
+        <a:alpha val="90000"/>
+      </a:schemeClr>
+    </dgm:fillClrLst>
+    <dgm:linClrLst meth="repeat">
+      <a:schemeClr val="accent2"/>
+    </dgm:linClrLst>
+    <dgm:effectClrLst/>
+    <dgm:txLinClrLst/>
+    <dgm:txFillClrLst meth="repeat">
+      <a:schemeClr val="dk1"/>
+    </dgm:txFillClrLst>
+    <dgm:txEffectClrLst/>
+  </dgm:styleLbl>
+  <dgm:styleLbl name="fgAcc3">
+    <dgm:fillClrLst meth="repeat">
+      <a:schemeClr val="lt1">
+        <a:alpha val="90000"/>
+      </a:schemeClr>
+    </dgm:fillClrLst>
+    <dgm:linClrLst meth="repeat">
+      <a:schemeClr val="accent2"/>
+    </dgm:linClrLst>
+    <dgm:effectClrLst/>
+    <dgm:txLinClrLst/>
+    <dgm:txFillClrLst meth="repeat">
+      <a:schemeClr val="dk1"/>
+    </dgm:txFillClrLst>
+    <dgm:txEffectClrLst/>
+  </dgm:styleLbl>
+  <dgm:styleLbl name="fgAcc4">
+    <dgm:fillClrLst meth="repeat">
+      <a:schemeClr val="lt1">
+        <a:alpha val="90000"/>
+      </a:schemeClr>
+    </dgm:fillClrLst>
+    <dgm:linClrLst meth="repeat">
+      <a:schemeClr val="accent2"/>
+    </dgm:linClrLst>
+    <dgm:effectClrLst/>
+    <dgm:txLinClrLst/>
+    <dgm:txFillClrLst meth="repeat">
+      <a:schemeClr val="dk1"/>
+    </dgm:txFillClrLst>
+    <dgm:txEffectClrLst/>
+  </dgm:styleLbl>
+  <dgm:styleLbl name="bgShp">
+    <dgm:fillClrLst meth="repeat">
+      <a:schemeClr val="bg1">
+        <a:lumMod val="95000"/>
+      </a:schemeClr>
+    </dgm:fillClrLst>
+    <dgm:linClrLst meth="repeat">
+      <a:schemeClr val="accent2"/>
+    </dgm:linClrLst>
+    <dgm:effectClrLst/>
+    <dgm:txLinClrLst/>
+    <dgm:txFillClrLst meth="repeat">
+      <a:schemeClr val="dk1"/>
+    </dgm:txFillClrLst>
+    <dgm:txEffectClrLst/>
+  </dgm:styleLbl>
+  <dgm:styleLbl name="dkBgShp">
+    <dgm:fillClrLst meth="repeat">
+      <a:schemeClr val="accent2">
+        <a:shade val="80000"/>
+      </a:schemeClr>
+    </dgm:fillClrLst>
+    <dgm:linClrLst meth="repeat">
+      <a:schemeClr val="accent2"/>
+    </dgm:linClrLst>
+    <dgm:effectClrLst/>
+    <dgm:txLinClrLst/>
+    <dgm:txFillClrLst meth="repeat">
+      <a:schemeClr val="lt1"/>
+    </dgm:txFillClrLst>
+    <dgm:txEffectClrLst/>
+  </dgm:styleLbl>
+  <dgm:styleLbl name="trBgShp">
+    <dgm:fillClrLst meth="repeat">
+      <a:schemeClr val="accent2">
+        <a:tint val="50000"/>
+        <a:alpha val="40000"/>
+      </a:schemeClr>
+    </dgm:fillClrLst>
+    <dgm:linClrLst meth="repeat">
+      <a:schemeClr val="accent2"/>
+    </dgm:linClrLst>
+    <dgm:effectClrLst/>
+    <dgm:txLinClrLst/>
+    <dgm:txFillClrLst meth="repeat">
+      <a:schemeClr val="lt1"/>
+    </dgm:txFillClrLst>
+    <dgm:txEffectClrLst/>
+  </dgm:styleLbl>
+  <dgm:styleLbl name="fgShp">
+    <dgm:fillClrLst meth="repeat">
+      <a:schemeClr val="accent2">
+        <a:tint val="60000"/>
+      </a:schemeClr>
+    </dgm:fillClrLst>
+    <dgm:linClrLst meth="repeat">
+      <a:schemeClr val="lt1"/>
+    </dgm:linClrLst>
+    <dgm:effectClrLst/>
+    <dgm:txLinClrLst/>
+    <dgm:txFillClrLst meth="repeat">
+      <a:schemeClr val="dk1"/>
+    </dgm:txFillClrLst>
+    <dgm:txEffectClrLst/>
+  </dgm:styleLbl>
+  <dgm:styleLbl name="revTx">
+    <dgm:fillClrLst meth="repeat">
+      <a:schemeClr val="lt1">
+        <a:alpha val="0"/>
+      </a:schemeClr>
+    </dgm:fillClrLst>
+    <dgm:linClrLst meth="repeat">
+      <a:schemeClr val="dk1">
+        <a:alpha val="0"/>
+      </a:schemeClr>
+    </dgm:linClrLst>
+    <dgm:effectClrLst/>
+    <dgm:txLinClrLst/>
+    <dgm:txFillClrLst meth="repeat">
+      <a:schemeClr val="tx1"/>
+    </dgm:txFillClrLst>
+    <dgm:txEffectClrLst/>
+  </dgm:styleLbl>
+</dgm:colorsDef>
+</file>
+
 <file path=ppt/diagrams/data1.xml><?xml version="1.0" encoding="utf-8"?>
 <dgm:dataModel xmlns:dgm="http://schemas.openxmlformats.org/drawingml/2006/diagram" xmlns:a="http://schemas.openxmlformats.org/drawingml/2006/main">
   <dgm:ptLst>
@@ -903,7 +1653,7 @@
           <a:pPr rtl="0"/>
           <a:r>
             <a:rPr lang="fr-FR" noProof="0" dirty="0" smtClean="0"/>
-            <a:t>Erreur / exception</a:t>
+            <a:t>Lambda</a:t>
           </a:r>
           <a:endParaRPr lang="fr-FR" noProof="0" dirty="0"/>
         </a:p>
@@ -943,7 +1693,7 @@
           <a:pPr rtl="0"/>
           <a:r>
             <a:rPr lang="fr-FR" noProof="0" dirty="0" smtClean="0"/>
-            <a:t>Algorithmes standards</a:t>
+            <a:t>Chaine de compilation</a:t>
           </a:r>
           <a:endParaRPr lang="fr-FR" noProof="0" dirty="0"/>
         </a:p>
@@ -983,7 +1733,7 @@
           <a:pPr rtl="0"/>
           <a:r>
             <a:rPr lang="fr-FR" noProof="0" dirty="0" smtClean="0"/>
-            <a:t>Chaine de compilation</a:t>
+            <a:t>Entêtes précompilées</a:t>
           </a:r>
           <a:endParaRPr lang="fr-FR" noProof="0" dirty="0"/>
         </a:p>
@@ -1013,6 +1763,44 @@
         </a:p>
       </dgm:t>
     </dgm:pt>
+    <dgm:pt modelId="{B3835E06-AD46-49BF-BE3E-9364442969CC}">
+      <dgm:prSet phldrT="[Text]"/>
+      <dgm:spPr/>
+      <dgm:t>
+        <a:bodyPr rtlCol="0"/>
+        <a:lstStyle/>
+        <a:p>
+          <a:pPr rtl="0"/>
+          <a:r>
+            <a:rPr lang="fr-FR" noProof="0" dirty="0" smtClean="0"/>
+            <a:t>Options de compilation</a:t>
+          </a:r>
+          <a:endParaRPr lang="fr-FR" noProof="0" dirty="0"/>
+        </a:p>
+      </dgm:t>
+    </dgm:pt>
+    <dgm:pt modelId="{BB696336-0E0D-40CA-AA3F-120C95A08CD7}" type="parTrans" cxnId="{45DCBF96-78D7-446F-972D-294271A0D284}">
+      <dgm:prSet/>
+      <dgm:spPr/>
+      <dgm:t>
+        <a:bodyPr/>
+        <a:lstStyle/>
+        <a:p>
+          <a:endParaRPr lang="fr-FR"/>
+        </a:p>
+      </dgm:t>
+    </dgm:pt>
+    <dgm:pt modelId="{EFCD65F4-3F3D-4C27-88AD-F9332D9DF0B6}" type="sibTrans" cxnId="{45DCBF96-78D7-446F-972D-294271A0D284}">
+      <dgm:prSet/>
+      <dgm:spPr/>
+      <dgm:t>
+        <a:bodyPr/>
+        <a:lstStyle/>
+        <a:p>
+          <a:endParaRPr lang="fr-FR"/>
+        </a:p>
+      </dgm:t>
+    </dgm:pt>
     <dgm:pt modelId="{8994D886-A75F-411A-A9D7-D31991FF12BD}" type="pres">
       <dgm:prSet presAssocID="{7D9C16A6-8C48-4165-8DAF-8C957C12A8FA}" presName="root" presStyleCnt="0">
         <dgm:presLayoutVars>
@@ -1027,7 +1815,7 @@
       <dgm:spPr/>
     </dgm:pt>
     <dgm:pt modelId="{19A8DC21-3E65-409D-AD53-DA51BB9198A0}" type="pres">
-      <dgm:prSet presAssocID="{701D68F5-42F8-47BC-8FED-84C50F595DF0}" presName="iconRect" presStyleLbl="node1" presStyleIdx="0" presStyleCnt="3" custScaleX="157625" custScaleY="157625" custLinFactNeighborX="870" custLinFactNeighborY="-22632"/>
+      <dgm:prSet presAssocID="{701D68F5-42F8-47BC-8FED-84C50F595DF0}" presName="iconRect" presStyleLbl="node1" presStyleIdx="0" presStyleCnt="4" custScaleX="157625" custScaleY="157625" custLinFactNeighborX="870" custLinFactNeighborY="-22632"/>
       <dgm:spPr>
         <a:blipFill>
           <a:blip xmlns:r="http://schemas.openxmlformats.org/officeDocument/2006/relationships" r:embed="rId1">
@@ -1057,7 +1845,7 @@
           </a:blip>
           <a:srcRect/>
           <a:stretch>
-            <a:fillRect l="-33000" r="-33000"/>
+            <a:fillRect/>
           </a:stretch>
         </a:blipFill>
         <a:ln>
@@ -1071,7 +1859,7 @@
       <dgm:spPr/>
     </dgm:pt>
     <dgm:pt modelId="{A99B5DD6-89E9-4537-B415-4205CEB9323A}" type="pres">
-      <dgm:prSet presAssocID="{701D68F5-42F8-47BC-8FED-84C50F595DF0}" presName="textRect" presStyleLbl="revTx" presStyleIdx="0" presStyleCnt="3">
+      <dgm:prSet presAssocID="{701D68F5-42F8-47BC-8FED-84C50F595DF0}" presName="textRect" presStyleLbl="revTx" presStyleIdx="0" presStyleCnt="4">
         <dgm:presLayoutVars>
           <dgm:chMax val="1"/>
           <dgm:chPref val="1"/>
@@ -1095,7 +1883,7 @@
       <dgm:spPr/>
     </dgm:pt>
     <dgm:pt modelId="{CE9DF0E8-B0DE-4E1E-9FF4-6006AD8428DB}" type="pres">
-      <dgm:prSet presAssocID="{91A66877-AC1C-46D9-BF2C-6024B638DEA9}" presName="iconRect" presStyleLbl="node1" presStyleIdx="1" presStyleCnt="3" custScaleX="200208" custScaleY="157625" custLinFactNeighborX="0" custLinFactNeighborY="-22048"/>
+      <dgm:prSet presAssocID="{91A66877-AC1C-46D9-BF2C-6024B638DEA9}" presName="iconRect" presStyleLbl="node1" presStyleIdx="1" presStyleCnt="4" custScaleX="200208" custScaleY="157625" custLinFactNeighborX="0" custLinFactNeighborY="-22048"/>
       <dgm:spPr>
         <a:blipFill>
           <a:blip xmlns:r="http://schemas.openxmlformats.org/officeDocument/2006/relationships" r:embed="rId2">
@@ -1125,7 +1913,7 @@
           </a:blip>
           <a:srcRect/>
           <a:stretch>
-            <a:fillRect l="-74000" r="-74000"/>
+            <a:fillRect l="-12000" r="-12000"/>
           </a:stretch>
         </a:blipFill>
         <a:ln>
@@ -1139,7 +1927,7 @@
       <dgm:spPr/>
     </dgm:pt>
     <dgm:pt modelId="{55120873-6F5C-4053-8EAD-6287A7F1097E}" type="pres">
-      <dgm:prSet presAssocID="{91A66877-AC1C-46D9-BF2C-6024B638DEA9}" presName="textRect" presStyleLbl="revTx" presStyleIdx="1" presStyleCnt="3">
+      <dgm:prSet presAssocID="{91A66877-AC1C-46D9-BF2C-6024B638DEA9}" presName="textRect" presStyleLbl="revTx" presStyleIdx="1" presStyleCnt="4">
         <dgm:presLayoutVars>
           <dgm:chMax val="1"/>
           <dgm:chPref val="1"/>
@@ -1163,7 +1951,7 @@
       <dgm:spPr/>
     </dgm:pt>
     <dgm:pt modelId="{6DB1FE51-13D0-4A38-AD6E-48D4371A1AF3}" type="pres">
-      <dgm:prSet presAssocID="{76CC3289-2662-43F0-A3C6-BA04A135F08C}" presName="iconRect" presStyleLbl="node1" presStyleIdx="2" presStyleCnt="3" custScaleX="157625" custScaleY="157625" custLinFactNeighborX="870" custLinFactNeighborY="-21761"/>
+      <dgm:prSet presAssocID="{76CC3289-2662-43F0-A3C6-BA04A135F08C}" presName="iconRect" presStyleLbl="node1" presStyleIdx="2" presStyleCnt="4" custScaleX="157625" custScaleY="157625" custLinFactNeighborX="870" custLinFactNeighborY="-21761"/>
       <dgm:spPr>
         <a:blipFill>
           <a:blip xmlns:r="http://schemas.openxmlformats.org/officeDocument/2006/relationships" r:embed="rId3">
@@ -1193,7 +1981,7 @@
           </a:blip>
           <a:srcRect/>
           <a:stretch>
-            <a:fillRect l="-19000" r="-19000"/>
+            <a:fillRect/>
           </a:stretch>
         </a:blipFill>
         <a:ln>
@@ -1207,7 +1995,71 @@
       <dgm:spPr/>
     </dgm:pt>
     <dgm:pt modelId="{133097FC-B1F8-4953-B0AB-E8E73D968D1C}" type="pres">
-      <dgm:prSet presAssocID="{76CC3289-2662-43F0-A3C6-BA04A135F08C}" presName="textRect" presStyleLbl="revTx" presStyleIdx="2" presStyleCnt="3">
+      <dgm:prSet presAssocID="{76CC3289-2662-43F0-A3C6-BA04A135F08C}" presName="textRect" presStyleLbl="revTx" presStyleIdx="2" presStyleCnt="4">
+        <dgm:presLayoutVars>
+          <dgm:chMax val="1"/>
+          <dgm:chPref val="1"/>
+        </dgm:presLayoutVars>
+      </dgm:prSet>
+      <dgm:spPr/>
+      <dgm:t>
+        <a:bodyPr/>
+        <a:lstStyle/>
+        <a:p>
+          <a:endParaRPr lang="fr-FR"/>
+        </a:p>
+      </dgm:t>
+    </dgm:pt>
+    <dgm:pt modelId="{29FBFD5D-DF59-4346-AEED-2C9418603B80}" type="pres">
+      <dgm:prSet presAssocID="{FA28C9D6-476E-43CD-BA23-D6D990FD78D0}" presName="sibTrans" presStyleCnt="0"/>
+      <dgm:spPr/>
+    </dgm:pt>
+    <dgm:pt modelId="{C3DFAF31-BDFD-4B3D-9F2A-65E24EFAC0CF}" type="pres">
+      <dgm:prSet presAssocID="{B3835E06-AD46-49BF-BE3E-9364442969CC}" presName="compNode" presStyleCnt="0"/>
+      <dgm:spPr/>
+    </dgm:pt>
+    <dgm:pt modelId="{D926812A-E61D-44AE-8E38-A3D0C7DB636F}" type="pres">
+      <dgm:prSet presAssocID="{B3835E06-AD46-49BF-BE3E-9364442969CC}" presName="iconRect" presStyleLbl="node1" presStyleIdx="3" presStyleCnt="4" custScaleX="149350" custScaleY="149350" custLinFactNeighborX="1055" custLinFactNeighborY="-16880"/>
+      <dgm:spPr>
+        <a:blipFill>
+          <a:blip xmlns:r="http://schemas.openxmlformats.org/officeDocument/2006/relationships" r:embed="rId4">
+            <a:duotone>
+              <a:schemeClr val="accent2">
+                <a:hueOff val="0"/>
+                <a:satOff val="0"/>
+                <a:lumOff val="0"/>
+                <a:alphaOff val="0"/>
+                <a:shade val="20000"/>
+                <a:satMod val="200000"/>
+              </a:schemeClr>
+              <a:schemeClr val="accent2">
+                <a:hueOff val="0"/>
+                <a:satOff val="0"/>
+                <a:lumOff val="0"/>
+                <a:alphaOff val="0"/>
+                <a:tint val="12000"/>
+                <a:satMod val="190000"/>
+              </a:schemeClr>
+            </a:duotone>
+            <a:extLst>
+              <a:ext uri="{28A0092B-C50C-407E-A947-70E740481C1C}">
+                <a14:useLocalDpi xmlns:a14="http://schemas.microsoft.com/office/drawing/2010/main" val="0"/>
+              </a:ext>
+            </a:extLst>
+          </a:blip>
+          <a:srcRect/>
+          <a:stretch>
+            <a:fillRect t="-9000" b="-9000"/>
+          </a:stretch>
+        </a:blipFill>
+      </dgm:spPr>
+    </dgm:pt>
+    <dgm:pt modelId="{9ACB2D0F-52AE-47F7-8C1B-036943D0B015}" type="pres">
+      <dgm:prSet presAssocID="{B3835E06-AD46-49BF-BE3E-9364442969CC}" presName="spaceRect" presStyleCnt="0"/>
+      <dgm:spPr/>
+    </dgm:pt>
+    <dgm:pt modelId="{399A7AD5-4E6A-4ED5-B905-7F8EACCFFA4A}" type="pres">
+      <dgm:prSet presAssocID="{B3835E06-AD46-49BF-BE3E-9364442969CC}" presName="textRect" presStyleLbl="revTx" presStyleIdx="3" presStyleCnt="4">
         <dgm:presLayoutVars>
           <dgm:chMax val="1"/>
           <dgm:chPref val="1"/>
@@ -1225,12 +2077,14 @@
   </dgm:ptLst>
   <dgm:cxnLst>
     <dgm:cxn modelId="{7F0DAB6F-9257-4F2D-B31A-3418F73F6952}" srcId="{7D9C16A6-8C48-4165-8DAF-8C957C12A8FA}" destId="{91A66877-AC1C-46D9-BF2C-6024B638DEA9}" srcOrd="1" destOrd="0" parTransId="{913FED05-DF41-48A7-B1F8-81937A468EF9}" sibTransId="{BFCE4A28-C381-46FF-935A-B11534EF7D87}"/>
+    <dgm:cxn modelId="{45DCBF96-78D7-446F-972D-294271A0D284}" srcId="{7D9C16A6-8C48-4165-8DAF-8C957C12A8FA}" destId="{B3835E06-AD46-49BF-BE3E-9364442969CC}" srcOrd="3" destOrd="0" parTransId="{BB696336-0E0D-40CA-AA3F-120C95A08CD7}" sibTransId="{EFCD65F4-3F3D-4C27-88AD-F9332D9DF0B6}"/>
     <dgm:cxn modelId="{C4BA385D-31ED-40EF-A5D6-98DFBA64E71A}" srcId="{7D9C16A6-8C48-4165-8DAF-8C957C12A8FA}" destId="{701D68F5-42F8-47BC-8FED-84C50F595DF0}" srcOrd="0" destOrd="0" parTransId="{9617668C-C38C-4017-8DDF-37855B15D110}" sibTransId="{0C95B389-AC0C-4055-9AA3-38815EFC8B0A}"/>
     <dgm:cxn modelId="{0400886E-8A1A-44C2-95A7-DB0EF4911494}" srcId="{7D9C16A6-8C48-4165-8DAF-8C957C12A8FA}" destId="{76CC3289-2662-43F0-A3C6-BA04A135F08C}" srcOrd="2" destOrd="0" parTransId="{D46DB4DA-1442-4ECE-89FE-BBB1E3489E3D}" sibTransId="{FA28C9D6-476E-43CD-BA23-D6D990FD78D0}"/>
     <dgm:cxn modelId="{EC5C6E85-C523-4B60-976B-342F12E3A6CB}" type="presOf" srcId="{91A66877-AC1C-46D9-BF2C-6024B638DEA9}" destId="{55120873-6F5C-4053-8EAD-6287A7F1097E}" srcOrd="0" destOrd="0" presId="urn:microsoft.com/office/officeart/2018/2/layout/IconLabelList"/>
     <dgm:cxn modelId="{1B8CB22C-9648-419B-97E9-4AA6C3555723}" type="presOf" srcId="{701D68F5-42F8-47BC-8FED-84C50F595DF0}" destId="{A99B5DD6-89E9-4537-B415-4205CEB9323A}" srcOrd="0" destOrd="0" presId="urn:microsoft.com/office/officeart/2018/2/layout/IconLabelList"/>
     <dgm:cxn modelId="{5574CC64-4BF2-43BE-BABC-6DF1E58A4C74}" type="presOf" srcId="{7D9C16A6-8C48-4165-8DAF-8C957C12A8FA}" destId="{8994D886-A75F-411A-A9D7-D31991FF12BD}" srcOrd="0" destOrd="0" presId="urn:microsoft.com/office/officeart/2018/2/layout/IconLabelList"/>
     <dgm:cxn modelId="{6E31C6AB-C9E6-448F-A8CC-566A63619D4D}" type="presOf" srcId="{76CC3289-2662-43F0-A3C6-BA04A135F08C}" destId="{133097FC-B1F8-4953-B0AB-E8E73D968D1C}" srcOrd="0" destOrd="0" presId="urn:microsoft.com/office/officeart/2018/2/layout/IconLabelList"/>
+    <dgm:cxn modelId="{FFC7D87F-EF5C-4D1A-B5D7-F843320C74A8}" type="presOf" srcId="{B3835E06-AD46-49BF-BE3E-9364442969CC}" destId="{399A7AD5-4E6A-4ED5-B905-7F8EACCFFA4A}" srcOrd="0" destOrd="0" presId="urn:microsoft.com/office/officeart/2018/2/layout/IconLabelList"/>
     <dgm:cxn modelId="{2AD6E781-3ED2-484E-B438-73386D2C583D}" type="presParOf" srcId="{8994D886-A75F-411A-A9D7-D31991FF12BD}" destId="{E1DBA6D5-BD14-4CD2-A0CC-80F867FEFA81}" srcOrd="0" destOrd="0" presId="urn:microsoft.com/office/officeart/2018/2/layout/IconLabelList"/>
     <dgm:cxn modelId="{10B2B212-528C-471D-ABD0-D66ED992B833}" type="presParOf" srcId="{E1DBA6D5-BD14-4CD2-A0CC-80F867FEFA81}" destId="{19A8DC21-3E65-409D-AD53-DA51BB9198A0}" srcOrd="0" destOrd="0" presId="urn:microsoft.com/office/officeart/2018/2/layout/IconLabelList"/>
     <dgm:cxn modelId="{2A8FB3D0-F98B-4F5A-BACA-4315E38776FB}" type="presParOf" srcId="{E1DBA6D5-BD14-4CD2-A0CC-80F867FEFA81}" destId="{B9F90A48-FF94-4C94-A587-0190406F6FD3}" srcOrd="1" destOrd="0" presId="urn:microsoft.com/office/officeart/2018/2/layout/IconLabelList"/>
@@ -1245,6 +2099,602 @@
     <dgm:cxn modelId="{2BDADB1C-15B1-4763-9B35-3792147F8F87}" type="presParOf" srcId="{2EC2FDE3-8908-45C7-A3FD-EB370213FE69}" destId="{6DB1FE51-13D0-4A38-AD6E-48D4371A1AF3}" srcOrd="0" destOrd="0" presId="urn:microsoft.com/office/officeart/2018/2/layout/IconLabelList"/>
     <dgm:cxn modelId="{F692F1E6-C6EC-4391-8432-EB6C34194240}" type="presParOf" srcId="{2EC2FDE3-8908-45C7-A3FD-EB370213FE69}" destId="{0928538A-05CC-4A79-BD5D-92F985D1EEE5}" srcOrd="1" destOrd="0" presId="urn:microsoft.com/office/officeart/2018/2/layout/IconLabelList"/>
     <dgm:cxn modelId="{0E6AF6C4-A4E5-4234-9E16-F9F2334264CD}" type="presParOf" srcId="{2EC2FDE3-8908-45C7-A3FD-EB370213FE69}" destId="{133097FC-B1F8-4953-B0AB-E8E73D968D1C}" srcOrd="2" destOrd="0" presId="urn:microsoft.com/office/officeart/2018/2/layout/IconLabelList"/>
+    <dgm:cxn modelId="{A19B1AFE-45DD-4651-A7F0-C828233A45BD}" type="presParOf" srcId="{8994D886-A75F-411A-A9D7-D31991FF12BD}" destId="{29FBFD5D-DF59-4346-AEED-2C9418603B80}" srcOrd="5" destOrd="0" presId="urn:microsoft.com/office/officeart/2018/2/layout/IconLabelList"/>
+    <dgm:cxn modelId="{2EEB3C36-E700-42CE-BCE2-F07FBC84C728}" type="presParOf" srcId="{8994D886-A75F-411A-A9D7-D31991FF12BD}" destId="{C3DFAF31-BDFD-4B3D-9F2A-65E24EFAC0CF}" srcOrd="6" destOrd="0" presId="urn:microsoft.com/office/officeart/2018/2/layout/IconLabelList"/>
+    <dgm:cxn modelId="{D3D6B243-9F21-4EBE-B2BB-94F7B757A31A}" type="presParOf" srcId="{C3DFAF31-BDFD-4B3D-9F2A-65E24EFAC0CF}" destId="{D926812A-E61D-44AE-8E38-A3D0C7DB636F}" srcOrd="0" destOrd="0" presId="urn:microsoft.com/office/officeart/2018/2/layout/IconLabelList"/>
+    <dgm:cxn modelId="{F83E438C-2921-444E-8DBC-A272B0460751}" type="presParOf" srcId="{C3DFAF31-BDFD-4B3D-9F2A-65E24EFAC0CF}" destId="{9ACB2D0F-52AE-47F7-8C1B-036943D0B015}" srcOrd="1" destOrd="0" presId="urn:microsoft.com/office/officeart/2018/2/layout/IconLabelList"/>
+    <dgm:cxn modelId="{8F1D8E98-182F-499C-B91A-E2DFA78B7530}" type="presParOf" srcId="{C3DFAF31-BDFD-4B3D-9F2A-65E24EFAC0CF}" destId="{399A7AD5-4E6A-4ED5-B905-7F8EACCFFA4A}" srcOrd="2" destOrd="0" presId="urn:microsoft.com/office/officeart/2018/2/layout/IconLabelList"/>
+  </dgm:cxnLst>
+  <dgm:bg/>
+  <dgm:whole/>
+  <dgm:extLst>
+    <a:ext uri="http://schemas.microsoft.com/office/drawing/2008/diagram">
+      <dsp:dataModelExt xmlns:dsp="http://schemas.microsoft.com/office/drawing/2008/diagram" relId="rId6" minVer="http://schemas.openxmlformats.org/drawingml/2006/diagram"/>
+    </a:ext>
+    <a:ext uri="{C62137D5-CB1D-491B-B009-E17868A290BF}">
+      <dgm14:recolorImg xmlns:dgm14="http://schemas.microsoft.com/office/drawing/2010/diagram" val="1"/>
+    </a:ext>
+  </dgm:extLst>
+</dgm:dataModel>
+</file>
+
+<file path=ppt/diagrams/data2.xml><?xml version="1.0" encoding="utf-8"?>
+<dgm:dataModel xmlns:dgm="http://schemas.openxmlformats.org/drawingml/2006/diagram" xmlns:a="http://schemas.openxmlformats.org/drawingml/2006/main">
+  <dgm:ptLst>
+    <dgm:pt modelId="{7D9C16A6-8C48-4165-8DAF-8C957C12A8FA}" type="doc">
+      <dgm:prSet loTypeId="urn:microsoft.com/office/officeart/2018/2/layout/IconLabelList" loCatId="icon" qsTypeId="urn:microsoft.com/office/officeart/2005/8/quickstyle/simple1" qsCatId="simple" csTypeId="urn:microsoft.com/office/officeart/2018/5/colors/Iconchunking_neutralbg_accent2_2" csCatId="accent2" phldr="1"/>
+      <dgm:spPr/>
+    </dgm:pt>
+    <dgm:pt modelId="{701D68F5-42F8-47BC-8FED-84C50F595DF0}">
+      <dgm:prSet phldrT="[Text]"/>
+      <dgm:spPr/>
+      <dgm:t>
+        <a:bodyPr rtlCol="0"/>
+        <a:lstStyle/>
+        <a:p>
+          <a:pPr rtl="0"/>
+          <a:r>
+            <a:rPr lang="fr-FR" noProof="0" dirty="0" smtClean="0"/>
+            <a:t>KISS</a:t>
+          </a:r>
+          <a:endParaRPr lang="fr-FR" noProof="0" dirty="0"/>
+        </a:p>
+      </dgm:t>
+    </dgm:pt>
+    <dgm:pt modelId="{9617668C-C38C-4017-8DDF-37855B15D110}" type="parTrans" cxnId="{C4BA385D-31ED-40EF-A5D6-98DFBA64E71A}">
+      <dgm:prSet/>
+      <dgm:spPr/>
+      <dgm:t>
+        <a:bodyPr rtlCol="0"/>
+        <a:lstStyle/>
+        <a:p>
+          <a:pPr rtl="0"/>
+          <a:endParaRPr lang="fr-FR" noProof="0" dirty="0"/>
+        </a:p>
+      </dgm:t>
+    </dgm:pt>
+    <dgm:pt modelId="{0C95B389-AC0C-4055-9AA3-38815EFC8B0A}" type="sibTrans" cxnId="{C4BA385D-31ED-40EF-A5D6-98DFBA64E71A}">
+      <dgm:prSet/>
+      <dgm:spPr/>
+      <dgm:t>
+        <a:bodyPr rtlCol="0"/>
+        <a:lstStyle/>
+        <a:p>
+          <a:pPr rtl="0"/>
+          <a:endParaRPr lang="fr-FR" noProof="0" dirty="0"/>
+        </a:p>
+      </dgm:t>
+    </dgm:pt>
+    <dgm:pt modelId="{91A66877-AC1C-46D9-BF2C-6024B638DEA9}">
+      <dgm:prSet phldrT="[Text]"/>
+      <dgm:spPr/>
+      <dgm:t>
+        <a:bodyPr rtlCol="0"/>
+        <a:lstStyle/>
+        <a:p>
+          <a:pPr rtl="0"/>
+          <a:r>
+            <a:rPr lang="fr-FR" noProof="0" dirty="0" smtClean="0"/>
+            <a:t>Niveaux d’abstraction</a:t>
+          </a:r>
+          <a:endParaRPr lang="fr-FR" noProof="0" dirty="0"/>
+        </a:p>
+      </dgm:t>
+    </dgm:pt>
+    <dgm:pt modelId="{913FED05-DF41-48A7-B1F8-81937A468EF9}" type="parTrans" cxnId="{7F0DAB6F-9257-4F2D-B31A-3418F73F6952}">
+      <dgm:prSet/>
+      <dgm:spPr/>
+      <dgm:t>
+        <a:bodyPr rtlCol="0"/>
+        <a:lstStyle/>
+        <a:p>
+          <a:pPr rtl="0"/>
+          <a:endParaRPr lang="fr-FR" noProof="0" dirty="0"/>
+        </a:p>
+      </dgm:t>
+    </dgm:pt>
+    <dgm:pt modelId="{BFCE4A28-C381-46FF-935A-B11534EF7D87}" type="sibTrans" cxnId="{7F0DAB6F-9257-4F2D-B31A-3418F73F6952}">
+      <dgm:prSet/>
+      <dgm:spPr/>
+      <dgm:t>
+        <a:bodyPr rtlCol="0"/>
+        <a:lstStyle/>
+        <a:p>
+          <a:pPr rtl="0"/>
+          <a:endParaRPr lang="fr-FR" noProof="0" dirty="0"/>
+        </a:p>
+      </dgm:t>
+    </dgm:pt>
+    <dgm:pt modelId="{76CC3289-2662-43F0-A3C6-BA04A135F08C}">
+      <dgm:prSet phldrT="[Text]"/>
+      <dgm:spPr/>
+      <dgm:t>
+        <a:bodyPr rtlCol="0"/>
+        <a:lstStyle/>
+        <a:p>
+          <a:pPr rtl="0"/>
+          <a:r>
+            <a:rPr lang="fr-FR" noProof="0" dirty="0" err="1" smtClean="0"/>
+            <a:t>Templates</a:t>
+          </a:r>
+          <a:endParaRPr lang="fr-FR" noProof="0" dirty="0"/>
+        </a:p>
+      </dgm:t>
+    </dgm:pt>
+    <dgm:pt modelId="{D46DB4DA-1442-4ECE-89FE-BBB1E3489E3D}" type="parTrans" cxnId="{0400886E-8A1A-44C2-95A7-DB0EF4911494}">
+      <dgm:prSet/>
+      <dgm:spPr/>
+      <dgm:t>
+        <a:bodyPr rtlCol="0"/>
+        <a:lstStyle/>
+        <a:p>
+          <a:pPr rtl="0"/>
+          <a:endParaRPr lang="fr-FR" noProof="0" dirty="0"/>
+        </a:p>
+      </dgm:t>
+    </dgm:pt>
+    <dgm:pt modelId="{FA28C9D6-476E-43CD-BA23-D6D990FD78D0}" type="sibTrans" cxnId="{0400886E-8A1A-44C2-95A7-DB0EF4911494}">
+      <dgm:prSet/>
+      <dgm:spPr/>
+      <dgm:t>
+        <a:bodyPr rtlCol="0"/>
+        <a:lstStyle/>
+        <a:p>
+          <a:pPr rtl="0"/>
+          <a:endParaRPr lang="fr-FR" noProof="0" dirty="0"/>
+        </a:p>
+      </dgm:t>
+    </dgm:pt>
+    <dgm:pt modelId="{B3835E06-AD46-49BF-BE3E-9364442969CC}">
+      <dgm:prSet phldrT="[Text]"/>
+      <dgm:spPr/>
+      <dgm:t>
+        <a:bodyPr rtlCol="0"/>
+        <a:lstStyle/>
+        <a:p>
+          <a:pPr rtl="0"/>
+          <a:r>
+            <a:rPr lang="fr-FR" noProof="0" dirty="0" smtClean="0"/>
+            <a:t>Typage fort</a:t>
+          </a:r>
+          <a:endParaRPr lang="fr-FR" noProof="0" dirty="0"/>
+        </a:p>
+      </dgm:t>
+    </dgm:pt>
+    <dgm:pt modelId="{BB696336-0E0D-40CA-AA3F-120C95A08CD7}" type="parTrans" cxnId="{45DCBF96-78D7-446F-972D-294271A0D284}">
+      <dgm:prSet/>
+      <dgm:spPr/>
+      <dgm:t>
+        <a:bodyPr/>
+        <a:lstStyle/>
+        <a:p>
+          <a:endParaRPr lang="fr-FR"/>
+        </a:p>
+      </dgm:t>
+    </dgm:pt>
+    <dgm:pt modelId="{EFCD65F4-3F3D-4C27-88AD-F9332D9DF0B6}" type="sibTrans" cxnId="{45DCBF96-78D7-446F-972D-294271A0D284}">
+      <dgm:prSet/>
+      <dgm:spPr/>
+      <dgm:t>
+        <a:bodyPr/>
+        <a:lstStyle/>
+        <a:p>
+          <a:endParaRPr lang="fr-FR"/>
+        </a:p>
+      </dgm:t>
+    </dgm:pt>
+    <dgm:pt modelId="{D94E36C1-DAD1-4ACA-8E42-89622364C0F4}">
+      <dgm:prSet phldrT="[Text]"/>
+      <dgm:spPr/>
+      <dgm:t>
+        <a:bodyPr rtlCol="0"/>
+        <a:lstStyle/>
+        <a:p>
+          <a:pPr rtl="0"/>
+          <a:r>
+            <a:rPr lang="fr-FR" noProof="0" dirty="0" err="1" smtClean="0"/>
+            <a:t>Ownership</a:t>
+          </a:r>
+          <a:endParaRPr lang="fr-FR" noProof="0" dirty="0"/>
+        </a:p>
+      </dgm:t>
+    </dgm:pt>
+    <dgm:pt modelId="{533466E0-1178-42BA-BAEE-2CD423546A30}" type="parTrans" cxnId="{6E17E429-57F3-41A0-B3C8-E423E487E3EA}">
+      <dgm:prSet/>
+      <dgm:spPr/>
+      <dgm:t>
+        <a:bodyPr/>
+        <a:lstStyle/>
+        <a:p>
+          <a:endParaRPr lang="fr-FR"/>
+        </a:p>
+      </dgm:t>
+    </dgm:pt>
+    <dgm:pt modelId="{F7C54A52-D219-4918-9F25-C8228405F975}" type="sibTrans" cxnId="{6E17E429-57F3-41A0-B3C8-E423E487E3EA}">
+      <dgm:prSet/>
+      <dgm:spPr/>
+      <dgm:t>
+        <a:bodyPr/>
+        <a:lstStyle/>
+        <a:p>
+          <a:endParaRPr lang="fr-FR"/>
+        </a:p>
+      </dgm:t>
+    </dgm:pt>
+    <dgm:pt modelId="{8994D886-A75F-411A-A9D7-D31991FF12BD}" type="pres">
+      <dgm:prSet presAssocID="{7D9C16A6-8C48-4165-8DAF-8C957C12A8FA}" presName="root" presStyleCnt="0">
+        <dgm:presLayoutVars>
+          <dgm:dir/>
+          <dgm:resizeHandles val="exact"/>
+        </dgm:presLayoutVars>
+      </dgm:prSet>
+      <dgm:spPr/>
+    </dgm:pt>
+    <dgm:pt modelId="{E1DBA6D5-BD14-4CD2-A0CC-80F867FEFA81}" type="pres">
+      <dgm:prSet presAssocID="{701D68F5-42F8-47BC-8FED-84C50F595DF0}" presName="compNode" presStyleCnt="0"/>
+      <dgm:spPr/>
+    </dgm:pt>
+    <dgm:pt modelId="{19A8DC21-3E65-409D-AD53-DA51BB9198A0}" type="pres">
+      <dgm:prSet presAssocID="{701D68F5-42F8-47BC-8FED-84C50F595DF0}" presName="iconRect" presStyleLbl="node1" presStyleIdx="0" presStyleCnt="5" custScaleX="157625" custScaleY="157625" custLinFactNeighborX="870" custLinFactNeighborY="-22632"/>
+      <dgm:spPr>
+        <a:blipFill>
+          <a:blip xmlns:r="http://schemas.openxmlformats.org/officeDocument/2006/relationships" r:embed="rId1">
+            <a:duotone>
+              <a:schemeClr val="accent2">
+                <a:hueOff val="0"/>
+                <a:satOff val="0"/>
+                <a:lumOff val="0"/>
+                <a:alphaOff val="0"/>
+                <a:shade val="20000"/>
+                <a:satMod val="200000"/>
+              </a:schemeClr>
+              <a:schemeClr val="accent2">
+                <a:hueOff val="0"/>
+                <a:satOff val="0"/>
+                <a:lumOff val="0"/>
+                <a:alphaOff val="0"/>
+                <a:tint val="12000"/>
+                <a:satMod val="190000"/>
+              </a:schemeClr>
+            </a:duotone>
+            <a:extLst>
+              <a:ext uri="{28A0092B-C50C-407E-A947-70E740481C1C}">
+                <a14:useLocalDpi xmlns:a14="http://schemas.microsoft.com/office/drawing/2010/main" val="0"/>
+              </a:ext>
+            </a:extLst>
+          </a:blip>
+          <a:srcRect/>
+          <a:stretch>
+            <a:fillRect t="-1000" b="-1000"/>
+          </a:stretch>
+        </a:blipFill>
+        <a:ln>
+          <a:noFill/>
+        </a:ln>
+      </dgm:spPr>
+      <dgm:extLst/>
+    </dgm:pt>
+    <dgm:pt modelId="{B9F90A48-FF94-4C94-A587-0190406F6FD3}" type="pres">
+      <dgm:prSet presAssocID="{701D68F5-42F8-47BC-8FED-84C50F595DF0}" presName="spaceRect" presStyleCnt="0"/>
+      <dgm:spPr/>
+    </dgm:pt>
+    <dgm:pt modelId="{A99B5DD6-89E9-4537-B415-4205CEB9323A}" type="pres">
+      <dgm:prSet presAssocID="{701D68F5-42F8-47BC-8FED-84C50F595DF0}" presName="textRect" presStyleLbl="revTx" presStyleIdx="0" presStyleCnt="5">
+        <dgm:presLayoutVars>
+          <dgm:chMax val="1"/>
+          <dgm:chPref val="1"/>
+        </dgm:presLayoutVars>
+      </dgm:prSet>
+      <dgm:spPr/>
+      <dgm:t>
+        <a:bodyPr/>
+        <a:lstStyle/>
+        <a:p>
+          <a:endParaRPr lang="fr-FR"/>
+        </a:p>
+      </dgm:t>
+    </dgm:pt>
+    <dgm:pt modelId="{8B391436-B9B0-45BD-A57F-792D6376D868}" type="pres">
+      <dgm:prSet presAssocID="{0C95B389-AC0C-4055-9AA3-38815EFC8B0A}" presName="sibTrans" presStyleCnt="0"/>
+      <dgm:spPr/>
+    </dgm:pt>
+    <dgm:pt modelId="{95872155-C45D-46D3-874C-D838089A06F8}" type="pres">
+      <dgm:prSet presAssocID="{91A66877-AC1C-46D9-BF2C-6024B638DEA9}" presName="compNode" presStyleCnt="0"/>
+      <dgm:spPr/>
+    </dgm:pt>
+    <dgm:pt modelId="{CE9DF0E8-B0DE-4E1E-9FF4-6006AD8428DB}" type="pres">
+      <dgm:prSet presAssocID="{91A66877-AC1C-46D9-BF2C-6024B638DEA9}" presName="iconRect" presStyleLbl="node1" presStyleIdx="1" presStyleCnt="5" custScaleX="200208" custScaleY="157625" custLinFactNeighborX="0" custLinFactNeighborY="-22048"/>
+      <dgm:spPr>
+        <a:blipFill>
+          <a:blip xmlns:r="http://schemas.openxmlformats.org/officeDocument/2006/relationships" r:embed="rId2">
+            <a:duotone>
+              <a:schemeClr val="accent2">
+                <a:hueOff val="0"/>
+                <a:satOff val="0"/>
+                <a:lumOff val="0"/>
+                <a:alphaOff val="0"/>
+                <a:shade val="20000"/>
+                <a:satMod val="200000"/>
+              </a:schemeClr>
+              <a:schemeClr val="accent2">
+                <a:hueOff val="0"/>
+                <a:satOff val="0"/>
+                <a:lumOff val="0"/>
+                <a:alphaOff val="0"/>
+                <a:tint val="12000"/>
+                <a:satMod val="190000"/>
+              </a:schemeClr>
+            </a:duotone>
+            <a:extLst>
+              <a:ext uri="{28A0092B-C50C-407E-A947-70E740481C1C}">
+                <a14:useLocalDpi xmlns:a14="http://schemas.microsoft.com/office/drawing/2010/main" val="0"/>
+              </a:ext>
+            </a:extLst>
+          </a:blip>
+          <a:srcRect/>
+          <a:stretch>
+            <a:fillRect t="-4000" b="-4000"/>
+          </a:stretch>
+        </a:blipFill>
+        <a:ln>
+          <a:noFill/>
+        </a:ln>
+      </dgm:spPr>
+      <dgm:extLst/>
+    </dgm:pt>
+    <dgm:pt modelId="{AA0423A1-55B2-45E9-BFE7-3FBE5BDA65ED}" type="pres">
+      <dgm:prSet presAssocID="{91A66877-AC1C-46D9-BF2C-6024B638DEA9}" presName="spaceRect" presStyleCnt="0"/>
+      <dgm:spPr/>
+    </dgm:pt>
+    <dgm:pt modelId="{55120873-6F5C-4053-8EAD-6287A7F1097E}" type="pres">
+      <dgm:prSet presAssocID="{91A66877-AC1C-46D9-BF2C-6024B638DEA9}" presName="textRect" presStyleLbl="revTx" presStyleIdx="1" presStyleCnt="5">
+        <dgm:presLayoutVars>
+          <dgm:chMax val="1"/>
+          <dgm:chPref val="1"/>
+        </dgm:presLayoutVars>
+      </dgm:prSet>
+      <dgm:spPr/>
+      <dgm:t>
+        <a:bodyPr/>
+        <a:lstStyle/>
+        <a:p>
+          <a:endParaRPr lang="fr-FR"/>
+        </a:p>
+      </dgm:t>
+    </dgm:pt>
+    <dgm:pt modelId="{F679C986-30E4-4F0A-A3A6-CAE528BFED76}" type="pres">
+      <dgm:prSet presAssocID="{BFCE4A28-C381-46FF-935A-B11534EF7D87}" presName="sibTrans" presStyleCnt="0"/>
+      <dgm:spPr/>
+    </dgm:pt>
+    <dgm:pt modelId="{2EC2FDE3-8908-45C7-A3FD-EB370213FE69}" type="pres">
+      <dgm:prSet presAssocID="{76CC3289-2662-43F0-A3C6-BA04A135F08C}" presName="compNode" presStyleCnt="0"/>
+      <dgm:spPr/>
+    </dgm:pt>
+    <dgm:pt modelId="{6DB1FE51-13D0-4A38-AD6E-48D4371A1AF3}" type="pres">
+      <dgm:prSet presAssocID="{76CC3289-2662-43F0-A3C6-BA04A135F08C}" presName="iconRect" presStyleLbl="node1" presStyleIdx="2" presStyleCnt="5" custScaleX="157625" custScaleY="157625" custLinFactNeighborX="870" custLinFactNeighborY="-21761"/>
+      <dgm:spPr>
+        <a:blipFill>
+          <a:blip xmlns:r="http://schemas.openxmlformats.org/officeDocument/2006/relationships" r:embed="rId3">
+            <a:duotone>
+              <a:schemeClr val="accent2">
+                <a:hueOff val="0"/>
+                <a:satOff val="0"/>
+                <a:lumOff val="0"/>
+                <a:alphaOff val="0"/>
+                <a:shade val="20000"/>
+                <a:satMod val="200000"/>
+              </a:schemeClr>
+              <a:schemeClr val="accent2">
+                <a:hueOff val="0"/>
+                <a:satOff val="0"/>
+                <a:lumOff val="0"/>
+                <a:alphaOff val="0"/>
+                <a:tint val="12000"/>
+                <a:satMod val="190000"/>
+              </a:schemeClr>
+            </a:duotone>
+            <a:extLst>
+              <a:ext uri="{28A0092B-C50C-407E-A947-70E740481C1C}">
+                <a14:useLocalDpi xmlns:a14="http://schemas.microsoft.com/office/drawing/2010/main" val="0"/>
+              </a:ext>
+            </a:extLst>
+          </a:blip>
+          <a:srcRect/>
+          <a:stretch>
+            <a:fillRect l="-38000" r="-38000"/>
+          </a:stretch>
+        </a:blipFill>
+        <a:ln>
+          <a:noFill/>
+        </a:ln>
+      </dgm:spPr>
+      <dgm:extLst/>
+    </dgm:pt>
+    <dgm:pt modelId="{0928538A-05CC-4A79-BD5D-92F985D1EEE5}" type="pres">
+      <dgm:prSet presAssocID="{76CC3289-2662-43F0-A3C6-BA04A135F08C}" presName="spaceRect" presStyleCnt="0"/>
+      <dgm:spPr/>
+    </dgm:pt>
+    <dgm:pt modelId="{133097FC-B1F8-4953-B0AB-E8E73D968D1C}" type="pres">
+      <dgm:prSet presAssocID="{76CC3289-2662-43F0-A3C6-BA04A135F08C}" presName="textRect" presStyleLbl="revTx" presStyleIdx="2" presStyleCnt="5">
+        <dgm:presLayoutVars>
+          <dgm:chMax val="1"/>
+          <dgm:chPref val="1"/>
+        </dgm:presLayoutVars>
+      </dgm:prSet>
+      <dgm:spPr/>
+      <dgm:t>
+        <a:bodyPr/>
+        <a:lstStyle/>
+        <a:p>
+          <a:endParaRPr lang="fr-FR"/>
+        </a:p>
+      </dgm:t>
+    </dgm:pt>
+    <dgm:pt modelId="{29FBFD5D-DF59-4346-AEED-2C9418603B80}" type="pres">
+      <dgm:prSet presAssocID="{FA28C9D6-476E-43CD-BA23-D6D990FD78D0}" presName="sibTrans" presStyleCnt="0"/>
+      <dgm:spPr/>
+    </dgm:pt>
+    <dgm:pt modelId="{C3DFAF31-BDFD-4B3D-9F2A-65E24EFAC0CF}" type="pres">
+      <dgm:prSet presAssocID="{B3835E06-AD46-49BF-BE3E-9364442969CC}" presName="compNode" presStyleCnt="0"/>
+      <dgm:spPr/>
+    </dgm:pt>
+    <dgm:pt modelId="{D926812A-E61D-44AE-8E38-A3D0C7DB636F}" type="pres">
+      <dgm:prSet presAssocID="{B3835E06-AD46-49BF-BE3E-9364442969CC}" presName="iconRect" presStyleLbl="node1" presStyleIdx="3" presStyleCnt="5" custScaleX="166626" custScaleY="166625" custLinFactNeighborX="3929" custLinFactNeighborY="-18334"/>
+      <dgm:spPr>
+        <a:blipFill>
+          <a:blip xmlns:r="http://schemas.openxmlformats.org/officeDocument/2006/relationships" r:embed="rId4">
+            <a:duotone>
+              <a:schemeClr val="accent2">
+                <a:hueOff val="0"/>
+                <a:satOff val="0"/>
+                <a:lumOff val="0"/>
+                <a:alphaOff val="0"/>
+                <a:shade val="20000"/>
+                <a:satMod val="200000"/>
+              </a:schemeClr>
+              <a:schemeClr val="accent2">
+                <a:hueOff val="0"/>
+                <a:satOff val="0"/>
+                <a:lumOff val="0"/>
+                <a:alphaOff val="0"/>
+                <a:tint val="12000"/>
+                <a:satMod val="190000"/>
+              </a:schemeClr>
+            </a:duotone>
+            <a:extLst>
+              <a:ext uri="{28A0092B-C50C-407E-A947-70E740481C1C}">
+                <a14:useLocalDpi xmlns:a14="http://schemas.microsoft.com/office/drawing/2010/main" val="0"/>
+              </a:ext>
+            </a:extLst>
+          </a:blip>
+          <a:srcRect/>
+          <a:stretch>
+            <a:fillRect l="-14000" r="-14000"/>
+          </a:stretch>
+        </a:blipFill>
+      </dgm:spPr>
+    </dgm:pt>
+    <dgm:pt modelId="{9ACB2D0F-52AE-47F7-8C1B-036943D0B015}" type="pres">
+      <dgm:prSet presAssocID="{B3835E06-AD46-49BF-BE3E-9364442969CC}" presName="spaceRect" presStyleCnt="0"/>
+      <dgm:spPr/>
+    </dgm:pt>
+    <dgm:pt modelId="{399A7AD5-4E6A-4ED5-B905-7F8EACCFFA4A}" type="pres">
+      <dgm:prSet presAssocID="{B3835E06-AD46-49BF-BE3E-9364442969CC}" presName="textRect" presStyleLbl="revTx" presStyleIdx="3" presStyleCnt="5">
+        <dgm:presLayoutVars>
+          <dgm:chMax val="1"/>
+          <dgm:chPref val="1"/>
+        </dgm:presLayoutVars>
+      </dgm:prSet>
+      <dgm:spPr/>
+      <dgm:t>
+        <a:bodyPr/>
+        <a:lstStyle/>
+        <a:p>
+          <a:endParaRPr lang="fr-FR"/>
+        </a:p>
+      </dgm:t>
+    </dgm:pt>
+    <dgm:pt modelId="{427D18FC-7EFE-49FD-8880-5F2E56CB93D9}" type="pres">
+      <dgm:prSet presAssocID="{EFCD65F4-3F3D-4C27-88AD-F9332D9DF0B6}" presName="sibTrans" presStyleCnt="0"/>
+      <dgm:spPr/>
+    </dgm:pt>
+    <dgm:pt modelId="{C4607A28-E3EB-4E36-B207-181922C14B83}" type="pres">
+      <dgm:prSet presAssocID="{D94E36C1-DAD1-4ACA-8E42-89622364C0F4}" presName="compNode" presStyleCnt="0"/>
+      <dgm:spPr/>
+    </dgm:pt>
+    <dgm:pt modelId="{F592AD65-F0E2-4AEC-9257-1E2328E6E5D8}" type="pres">
+      <dgm:prSet presAssocID="{D94E36C1-DAD1-4ACA-8E42-89622364C0F4}" presName="iconRect" presStyleLbl="node1" presStyleIdx="4" presStyleCnt="5" custScaleX="168214" custScaleY="168213" custLinFactNeighborX="-3938" custLinFactNeighborY="-19644"/>
+      <dgm:spPr>
+        <a:blipFill>
+          <a:blip xmlns:r="http://schemas.openxmlformats.org/officeDocument/2006/relationships" r:embed="rId5">
+            <a:duotone>
+              <a:schemeClr val="accent2">
+                <a:hueOff val="0"/>
+                <a:satOff val="0"/>
+                <a:lumOff val="0"/>
+                <a:alphaOff val="0"/>
+                <a:shade val="20000"/>
+                <a:satMod val="200000"/>
+              </a:schemeClr>
+              <a:schemeClr val="accent2">
+                <a:hueOff val="0"/>
+                <a:satOff val="0"/>
+                <a:lumOff val="0"/>
+                <a:alphaOff val="0"/>
+                <a:tint val="12000"/>
+                <a:satMod val="190000"/>
+              </a:schemeClr>
+            </a:duotone>
+            <a:extLst>
+              <a:ext uri="{28A0092B-C50C-407E-A947-70E740481C1C}">
+                <a14:useLocalDpi xmlns:a14="http://schemas.microsoft.com/office/drawing/2010/main" val="0"/>
+              </a:ext>
+            </a:extLst>
+          </a:blip>
+          <a:srcRect/>
+          <a:stretch>
+            <a:fillRect l="-7000" r="-7000"/>
+          </a:stretch>
+        </a:blipFill>
+      </dgm:spPr>
+    </dgm:pt>
+    <dgm:pt modelId="{39405583-6B70-4BC7-920D-3818638C2595}" type="pres">
+      <dgm:prSet presAssocID="{D94E36C1-DAD1-4ACA-8E42-89622364C0F4}" presName="spaceRect" presStyleCnt="0"/>
+      <dgm:spPr/>
+    </dgm:pt>
+    <dgm:pt modelId="{E52A5CBD-F25E-4335-9A3E-35650A54A266}" type="pres">
+      <dgm:prSet presAssocID="{D94E36C1-DAD1-4ACA-8E42-89622364C0F4}" presName="textRect" presStyleLbl="revTx" presStyleIdx="4" presStyleCnt="5">
+        <dgm:presLayoutVars>
+          <dgm:chMax val="1"/>
+          <dgm:chPref val="1"/>
+        </dgm:presLayoutVars>
+      </dgm:prSet>
+      <dgm:spPr/>
+      <dgm:t>
+        <a:bodyPr/>
+        <a:lstStyle/>
+        <a:p>
+          <a:endParaRPr lang="fr-FR"/>
+        </a:p>
+      </dgm:t>
+    </dgm:pt>
+  </dgm:ptLst>
+  <dgm:cxnLst>
+    <dgm:cxn modelId="{6E17E429-57F3-41A0-B3C8-E423E487E3EA}" srcId="{7D9C16A6-8C48-4165-8DAF-8C957C12A8FA}" destId="{D94E36C1-DAD1-4ACA-8E42-89622364C0F4}" srcOrd="4" destOrd="0" parTransId="{533466E0-1178-42BA-BAEE-2CD423546A30}" sibTransId="{F7C54A52-D219-4918-9F25-C8228405F975}"/>
+    <dgm:cxn modelId="{C097E568-CC6B-48D5-8671-AB18DD16DF5B}" type="presOf" srcId="{D94E36C1-DAD1-4ACA-8E42-89622364C0F4}" destId="{E52A5CBD-F25E-4335-9A3E-35650A54A266}" srcOrd="0" destOrd="0" presId="urn:microsoft.com/office/officeart/2018/2/layout/IconLabelList"/>
+    <dgm:cxn modelId="{7F0DAB6F-9257-4F2D-B31A-3418F73F6952}" srcId="{7D9C16A6-8C48-4165-8DAF-8C957C12A8FA}" destId="{91A66877-AC1C-46D9-BF2C-6024B638DEA9}" srcOrd="1" destOrd="0" parTransId="{913FED05-DF41-48A7-B1F8-81937A468EF9}" sibTransId="{BFCE4A28-C381-46FF-935A-B11534EF7D87}"/>
+    <dgm:cxn modelId="{45DCBF96-78D7-446F-972D-294271A0D284}" srcId="{7D9C16A6-8C48-4165-8DAF-8C957C12A8FA}" destId="{B3835E06-AD46-49BF-BE3E-9364442969CC}" srcOrd="3" destOrd="0" parTransId="{BB696336-0E0D-40CA-AA3F-120C95A08CD7}" sibTransId="{EFCD65F4-3F3D-4C27-88AD-F9332D9DF0B6}"/>
+    <dgm:cxn modelId="{C4BA385D-31ED-40EF-A5D6-98DFBA64E71A}" srcId="{7D9C16A6-8C48-4165-8DAF-8C957C12A8FA}" destId="{701D68F5-42F8-47BC-8FED-84C50F595DF0}" srcOrd="0" destOrd="0" parTransId="{9617668C-C38C-4017-8DDF-37855B15D110}" sibTransId="{0C95B389-AC0C-4055-9AA3-38815EFC8B0A}"/>
+    <dgm:cxn modelId="{0400886E-8A1A-44C2-95A7-DB0EF4911494}" srcId="{7D9C16A6-8C48-4165-8DAF-8C957C12A8FA}" destId="{76CC3289-2662-43F0-A3C6-BA04A135F08C}" srcOrd="2" destOrd="0" parTransId="{D46DB4DA-1442-4ECE-89FE-BBB1E3489E3D}" sibTransId="{FA28C9D6-476E-43CD-BA23-D6D990FD78D0}"/>
+    <dgm:cxn modelId="{EC5C6E85-C523-4B60-976B-342F12E3A6CB}" type="presOf" srcId="{91A66877-AC1C-46D9-BF2C-6024B638DEA9}" destId="{55120873-6F5C-4053-8EAD-6287A7F1097E}" srcOrd="0" destOrd="0" presId="urn:microsoft.com/office/officeart/2018/2/layout/IconLabelList"/>
+    <dgm:cxn modelId="{1B8CB22C-9648-419B-97E9-4AA6C3555723}" type="presOf" srcId="{701D68F5-42F8-47BC-8FED-84C50F595DF0}" destId="{A99B5DD6-89E9-4537-B415-4205CEB9323A}" srcOrd="0" destOrd="0" presId="urn:microsoft.com/office/officeart/2018/2/layout/IconLabelList"/>
+    <dgm:cxn modelId="{5574CC64-4BF2-43BE-BABC-6DF1E58A4C74}" type="presOf" srcId="{7D9C16A6-8C48-4165-8DAF-8C957C12A8FA}" destId="{8994D886-A75F-411A-A9D7-D31991FF12BD}" srcOrd="0" destOrd="0" presId="urn:microsoft.com/office/officeart/2018/2/layout/IconLabelList"/>
+    <dgm:cxn modelId="{6E31C6AB-C9E6-448F-A8CC-566A63619D4D}" type="presOf" srcId="{76CC3289-2662-43F0-A3C6-BA04A135F08C}" destId="{133097FC-B1F8-4953-B0AB-E8E73D968D1C}" srcOrd="0" destOrd="0" presId="urn:microsoft.com/office/officeart/2018/2/layout/IconLabelList"/>
+    <dgm:cxn modelId="{FFC7D87F-EF5C-4D1A-B5D7-F843320C74A8}" type="presOf" srcId="{B3835E06-AD46-49BF-BE3E-9364442969CC}" destId="{399A7AD5-4E6A-4ED5-B905-7F8EACCFFA4A}" srcOrd="0" destOrd="0" presId="urn:microsoft.com/office/officeart/2018/2/layout/IconLabelList"/>
+    <dgm:cxn modelId="{2AD6E781-3ED2-484E-B438-73386D2C583D}" type="presParOf" srcId="{8994D886-A75F-411A-A9D7-D31991FF12BD}" destId="{E1DBA6D5-BD14-4CD2-A0CC-80F867FEFA81}" srcOrd="0" destOrd="0" presId="urn:microsoft.com/office/officeart/2018/2/layout/IconLabelList"/>
+    <dgm:cxn modelId="{10B2B212-528C-471D-ABD0-D66ED992B833}" type="presParOf" srcId="{E1DBA6D5-BD14-4CD2-A0CC-80F867FEFA81}" destId="{19A8DC21-3E65-409D-AD53-DA51BB9198A0}" srcOrd="0" destOrd="0" presId="urn:microsoft.com/office/officeart/2018/2/layout/IconLabelList"/>
+    <dgm:cxn modelId="{2A8FB3D0-F98B-4F5A-BACA-4315E38776FB}" type="presParOf" srcId="{E1DBA6D5-BD14-4CD2-A0CC-80F867FEFA81}" destId="{B9F90A48-FF94-4C94-A587-0190406F6FD3}" srcOrd="1" destOrd="0" presId="urn:microsoft.com/office/officeart/2018/2/layout/IconLabelList"/>
+    <dgm:cxn modelId="{95FEF629-9884-451C-89B4-41B897ABE3D6}" type="presParOf" srcId="{E1DBA6D5-BD14-4CD2-A0CC-80F867FEFA81}" destId="{A99B5DD6-89E9-4537-B415-4205CEB9323A}" srcOrd="2" destOrd="0" presId="urn:microsoft.com/office/officeart/2018/2/layout/IconLabelList"/>
+    <dgm:cxn modelId="{0FE6827F-DE80-4F8A-8E9D-7F88C0F7EF29}" type="presParOf" srcId="{8994D886-A75F-411A-A9D7-D31991FF12BD}" destId="{8B391436-B9B0-45BD-A57F-792D6376D868}" srcOrd="1" destOrd="0" presId="urn:microsoft.com/office/officeart/2018/2/layout/IconLabelList"/>
+    <dgm:cxn modelId="{4857BE3A-D518-473D-AC79-7B9BF18B9824}" type="presParOf" srcId="{8994D886-A75F-411A-A9D7-D31991FF12BD}" destId="{95872155-C45D-46D3-874C-D838089A06F8}" srcOrd="2" destOrd="0" presId="urn:microsoft.com/office/officeart/2018/2/layout/IconLabelList"/>
+    <dgm:cxn modelId="{B4B325C4-81F2-4B3E-8CBF-4532B0BFA343}" type="presParOf" srcId="{95872155-C45D-46D3-874C-D838089A06F8}" destId="{CE9DF0E8-B0DE-4E1E-9FF4-6006AD8428DB}" srcOrd="0" destOrd="0" presId="urn:microsoft.com/office/officeart/2018/2/layout/IconLabelList"/>
+    <dgm:cxn modelId="{0AE6D335-6E55-47E1-BAD8-0368620AB8F6}" type="presParOf" srcId="{95872155-C45D-46D3-874C-D838089A06F8}" destId="{AA0423A1-55B2-45E9-BFE7-3FBE5BDA65ED}" srcOrd="1" destOrd="0" presId="urn:microsoft.com/office/officeart/2018/2/layout/IconLabelList"/>
+    <dgm:cxn modelId="{AFEE8CCD-97FE-4EFA-A584-DF6AFDAD2B20}" type="presParOf" srcId="{95872155-C45D-46D3-874C-D838089A06F8}" destId="{55120873-6F5C-4053-8EAD-6287A7F1097E}" srcOrd="2" destOrd="0" presId="urn:microsoft.com/office/officeart/2018/2/layout/IconLabelList"/>
+    <dgm:cxn modelId="{26649F18-C204-4047-8300-905486AB3755}" type="presParOf" srcId="{8994D886-A75F-411A-A9D7-D31991FF12BD}" destId="{F679C986-30E4-4F0A-A3A6-CAE528BFED76}" srcOrd="3" destOrd="0" presId="urn:microsoft.com/office/officeart/2018/2/layout/IconLabelList"/>
+    <dgm:cxn modelId="{898D629F-DA37-435F-A0B2-0617605D711A}" type="presParOf" srcId="{8994D886-A75F-411A-A9D7-D31991FF12BD}" destId="{2EC2FDE3-8908-45C7-A3FD-EB370213FE69}" srcOrd="4" destOrd="0" presId="urn:microsoft.com/office/officeart/2018/2/layout/IconLabelList"/>
+    <dgm:cxn modelId="{2BDADB1C-15B1-4763-9B35-3792147F8F87}" type="presParOf" srcId="{2EC2FDE3-8908-45C7-A3FD-EB370213FE69}" destId="{6DB1FE51-13D0-4A38-AD6E-48D4371A1AF3}" srcOrd="0" destOrd="0" presId="urn:microsoft.com/office/officeart/2018/2/layout/IconLabelList"/>
+    <dgm:cxn modelId="{F692F1E6-C6EC-4391-8432-EB6C34194240}" type="presParOf" srcId="{2EC2FDE3-8908-45C7-A3FD-EB370213FE69}" destId="{0928538A-05CC-4A79-BD5D-92F985D1EEE5}" srcOrd="1" destOrd="0" presId="urn:microsoft.com/office/officeart/2018/2/layout/IconLabelList"/>
+    <dgm:cxn modelId="{0E6AF6C4-A4E5-4234-9E16-F9F2334264CD}" type="presParOf" srcId="{2EC2FDE3-8908-45C7-A3FD-EB370213FE69}" destId="{133097FC-B1F8-4953-B0AB-E8E73D968D1C}" srcOrd="2" destOrd="0" presId="urn:microsoft.com/office/officeart/2018/2/layout/IconLabelList"/>
+    <dgm:cxn modelId="{A19B1AFE-45DD-4651-A7F0-C828233A45BD}" type="presParOf" srcId="{8994D886-A75F-411A-A9D7-D31991FF12BD}" destId="{29FBFD5D-DF59-4346-AEED-2C9418603B80}" srcOrd="5" destOrd="0" presId="urn:microsoft.com/office/officeart/2018/2/layout/IconLabelList"/>
+    <dgm:cxn modelId="{2EEB3C36-E700-42CE-BCE2-F07FBC84C728}" type="presParOf" srcId="{8994D886-A75F-411A-A9D7-D31991FF12BD}" destId="{C3DFAF31-BDFD-4B3D-9F2A-65E24EFAC0CF}" srcOrd="6" destOrd="0" presId="urn:microsoft.com/office/officeart/2018/2/layout/IconLabelList"/>
+    <dgm:cxn modelId="{D3D6B243-9F21-4EBE-B2BB-94F7B757A31A}" type="presParOf" srcId="{C3DFAF31-BDFD-4B3D-9F2A-65E24EFAC0CF}" destId="{D926812A-E61D-44AE-8E38-A3D0C7DB636F}" srcOrd="0" destOrd="0" presId="urn:microsoft.com/office/officeart/2018/2/layout/IconLabelList"/>
+    <dgm:cxn modelId="{F83E438C-2921-444E-8DBC-A272B0460751}" type="presParOf" srcId="{C3DFAF31-BDFD-4B3D-9F2A-65E24EFAC0CF}" destId="{9ACB2D0F-52AE-47F7-8C1B-036943D0B015}" srcOrd="1" destOrd="0" presId="urn:microsoft.com/office/officeart/2018/2/layout/IconLabelList"/>
+    <dgm:cxn modelId="{8F1D8E98-182F-499C-B91A-E2DFA78B7530}" type="presParOf" srcId="{C3DFAF31-BDFD-4B3D-9F2A-65E24EFAC0CF}" destId="{399A7AD5-4E6A-4ED5-B905-7F8EACCFFA4A}" srcOrd="2" destOrd="0" presId="urn:microsoft.com/office/officeart/2018/2/layout/IconLabelList"/>
+    <dgm:cxn modelId="{14785A61-4CA6-4C42-8D1D-06E7B4BEE1DC}" type="presParOf" srcId="{8994D886-A75F-411A-A9D7-D31991FF12BD}" destId="{427D18FC-7EFE-49FD-8880-5F2E56CB93D9}" srcOrd="7" destOrd="0" presId="urn:microsoft.com/office/officeart/2018/2/layout/IconLabelList"/>
+    <dgm:cxn modelId="{F29C6986-9AAF-4879-97CC-92C35F25A340}" type="presParOf" srcId="{8994D886-A75F-411A-A9D7-D31991FF12BD}" destId="{C4607A28-E3EB-4E36-B207-181922C14B83}" srcOrd="8" destOrd="0" presId="urn:microsoft.com/office/officeart/2018/2/layout/IconLabelList"/>
+    <dgm:cxn modelId="{451506B4-3025-4DE7-94E5-A487CC38060D}" type="presParOf" srcId="{C4607A28-E3EB-4E36-B207-181922C14B83}" destId="{F592AD65-F0E2-4AEC-9257-1E2328E6E5D8}" srcOrd="0" destOrd="0" presId="urn:microsoft.com/office/officeart/2018/2/layout/IconLabelList"/>
+    <dgm:cxn modelId="{11A57E7B-FA21-4FCF-A67C-7BBE1C7ACB0E}" type="presParOf" srcId="{C4607A28-E3EB-4E36-B207-181922C14B83}" destId="{39405583-6B70-4BC7-920D-3818638C2595}" srcOrd="1" destOrd="0" presId="urn:microsoft.com/office/officeart/2018/2/layout/IconLabelList"/>
+    <dgm:cxn modelId="{F8A432B6-9FA1-46FB-9292-931FCAF8E76E}" type="presParOf" srcId="{C4607A28-E3EB-4E36-B207-181922C14B83}" destId="{E52A5CBD-F25E-4335-9A3E-35650A54A266}" srcOrd="2" destOrd="0" presId="urn:microsoft.com/office/officeart/2018/2/layout/IconLabelList"/>
   </dgm:cxnLst>
   <dgm:bg/>
   <dgm:whole/>
@@ -1274,8 +2724,8 @@
       </dsp:nvSpPr>
       <dsp:spPr>
         <a:xfrm>
-          <a:off x="1081294" y="92055"/>
-          <a:ext cx="1420231" cy="1420231"/>
+          <a:off x="332397" y="179278"/>
+          <a:ext cx="1276762" cy="1276762"/>
         </a:xfrm>
         <a:prstGeom prst="rect">
           <a:avLst/>
@@ -1308,7 +2758,7 @@
           </a:blip>
           <a:srcRect/>
           <a:stretch>
-            <a:fillRect l="-33000" r="-33000"/>
+            <a:fillRect/>
           </a:stretch>
         </a:blipFill>
         <a:ln w="22225" cap="rnd" cmpd="sng" algn="ctr">
@@ -1339,8 +2789,8 @@
       </dsp:nvSpPr>
       <dsp:spPr>
         <a:xfrm>
-          <a:off x="782438" y="1742704"/>
-          <a:ext cx="2002264" cy="720000"/>
+          <a:off x="63731" y="1676081"/>
+          <a:ext cx="1800000" cy="720000"/>
         </a:xfrm>
         <a:prstGeom prst="rect">
           <a:avLst/>
@@ -1369,7 +2819,7 @@
         </a:bodyPr>
         <a:lstStyle/>
         <a:p>
-          <a:pPr lvl="0" algn="ctr" defTabSz="1200150" rtl="0">
+          <a:pPr lvl="0" algn="ctr" defTabSz="1155700" rtl="0">
             <a:lnSpc>
               <a:spcPct val="90000"/>
             </a:lnSpc>
@@ -1381,15 +2831,15 @@
             </a:spcAft>
           </a:pPr>
           <a:r>
-            <a:rPr lang="fr-FR" sz="2700" kern="1200" noProof="0" dirty="0" smtClean="0"/>
-            <a:t>Erreur / exception</a:t>
+            <a:rPr lang="fr-FR" sz="2600" kern="1200" noProof="0" dirty="0" smtClean="0"/>
+            <a:t>Lambda</a:t>
           </a:r>
-          <a:endParaRPr lang="fr-FR" sz="2700" kern="1200" noProof="0" dirty="0"/>
+          <a:endParaRPr lang="fr-FR" sz="2600" kern="1200" noProof="0" dirty="0"/>
         </a:p>
       </dsp:txBody>
       <dsp:txXfrm>
-        <a:off x="782438" y="1742704"/>
-        <a:ext cx="2002264" cy="720000"/>
+        <a:off x="63731" y="1676081"/>
+        <a:ext cx="1800000" cy="720000"/>
       </dsp:txXfrm>
     </dsp:sp>
     <dsp:sp modelId="{CE9DF0E8-B0DE-4E1E-9FF4-6006AD8428DB}">
@@ -1399,8 +2849,8 @@
       </dsp:nvSpPr>
       <dsp:spPr>
         <a:xfrm>
-          <a:off x="3234275" y="97317"/>
-          <a:ext cx="1803912" cy="1420231"/>
+          <a:off x="2267889" y="184008"/>
+          <a:ext cx="1621684" cy="1276762"/>
         </a:xfrm>
         <a:prstGeom prst="rect">
           <a:avLst/>
@@ -1433,7 +2883,7 @@
           </a:blip>
           <a:srcRect/>
           <a:stretch>
-            <a:fillRect l="-74000" r="-74000"/>
+            <a:fillRect l="-12000" r="-12000"/>
           </a:stretch>
         </a:blipFill>
         <a:ln w="22225" cap="rnd" cmpd="sng" algn="ctr">
@@ -1464,8 +2914,8 @@
       </dsp:nvSpPr>
       <dsp:spPr>
         <a:xfrm>
-          <a:off x="3135099" y="1742704"/>
-          <a:ext cx="2002264" cy="720000"/>
+          <a:off x="2178731" y="1676081"/>
+          <a:ext cx="1800000" cy="720000"/>
         </a:xfrm>
         <a:prstGeom prst="rect">
           <a:avLst/>
@@ -1494,7 +2944,7 @@
         </a:bodyPr>
         <a:lstStyle/>
         <a:p>
-          <a:pPr lvl="0" algn="ctr" defTabSz="1200150" rtl="0">
+          <a:pPr lvl="0" algn="ctr" defTabSz="1155700" rtl="0">
             <a:lnSpc>
               <a:spcPct val="90000"/>
             </a:lnSpc>
@@ -1506,15 +2956,15 @@
             </a:spcAft>
           </a:pPr>
           <a:r>
-            <a:rPr lang="fr-FR" sz="2700" kern="1200" noProof="0" dirty="0" smtClean="0"/>
-            <a:t>Algorithmes standards</a:t>
+            <a:rPr lang="fr-FR" sz="2600" kern="1200" noProof="0" dirty="0" smtClean="0"/>
+            <a:t>Chaine de compilation</a:t>
           </a:r>
-          <a:endParaRPr lang="fr-FR" sz="2700" kern="1200" noProof="0" dirty="0"/>
+          <a:endParaRPr lang="fr-FR" sz="2600" kern="1200" noProof="0" dirty="0"/>
         </a:p>
       </dsp:txBody>
       <dsp:txXfrm>
-        <a:off x="3135099" y="1742704"/>
-        <a:ext cx="2002264" cy="720000"/>
+        <a:off x="2178731" y="1676081"/>
+        <a:ext cx="1800000" cy="720000"/>
       </dsp:txXfrm>
     </dsp:sp>
     <dsp:sp modelId="{6DB1FE51-13D0-4A38-AD6E-48D4371A1AF3}">
@@ -1524,8 +2974,8 @@
       </dsp:nvSpPr>
       <dsp:spPr>
         <a:xfrm>
-          <a:off x="5786615" y="99903"/>
-          <a:ext cx="1420231" cy="1420231"/>
+          <a:off x="4562397" y="186333"/>
+          <a:ext cx="1276762" cy="1276762"/>
         </a:xfrm>
         <a:prstGeom prst="rect">
           <a:avLst/>
@@ -1558,7 +3008,7 @@
           </a:blip>
           <a:srcRect/>
           <a:stretch>
-            <a:fillRect l="-19000" r="-19000"/>
+            <a:fillRect/>
           </a:stretch>
         </a:blipFill>
         <a:ln w="22225" cap="rnd" cmpd="sng" algn="ctr">
@@ -1589,8 +3039,8 @@
       </dsp:nvSpPr>
       <dsp:spPr>
         <a:xfrm>
-          <a:off x="5487760" y="1742704"/>
-          <a:ext cx="2002264" cy="720000"/>
+          <a:off x="4293731" y="1676081"/>
+          <a:ext cx="1800000" cy="720000"/>
         </a:xfrm>
         <a:prstGeom prst="rect">
           <a:avLst/>
@@ -1619,7 +3069,7 @@
         </a:bodyPr>
         <a:lstStyle/>
         <a:p>
-          <a:pPr lvl="0" algn="ctr" defTabSz="1200150" rtl="0">
+          <a:pPr lvl="0" algn="ctr" defTabSz="1155700" rtl="0">
             <a:lnSpc>
               <a:spcPct val="90000"/>
             </a:lnSpc>
@@ -1631,15 +3081,801 @@
             </a:spcAft>
           </a:pPr>
           <a:r>
-            <a:rPr lang="fr-FR" sz="2700" kern="1200" noProof="0" dirty="0" smtClean="0"/>
-            <a:t>Chaine de compilation</a:t>
+            <a:rPr lang="fr-FR" sz="2600" kern="1200" noProof="0" dirty="0" smtClean="0"/>
+            <a:t>Entêtes précompilées</a:t>
           </a:r>
-          <a:endParaRPr lang="fr-FR" sz="2700" kern="1200" noProof="0" dirty="0"/>
+          <a:endParaRPr lang="fr-FR" sz="2600" kern="1200" noProof="0" dirty="0"/>
         </a:p>
       </dsp:txBody>
       <dsp:txXfrm>
-        <a:off x="5487760" y="1742704"/>
-        <a:ext cx="2002264" cy="720000"/>
+        <a:off x="4293731" y="1676081"/>
+        <a:ext cx="1800000" cy="720000"/>
+      </dsp:txXfrm>
+    </dsp:sp>
+    <dsp:sp modelId="{D926812A-E61D-44AE-8E38-A3D0C7DB636F}">
+      <dsp:nvSpPr>
+        <dsp:cNvPr id="0" name=""/>
+        <dsp:cNvSpPr/>
+      </dsp:nvSpPr>
+      <dsp:spPr>
+        <a:xfrm>
+          <a:off x="6712409" y="242626"/>
+          <a:ext cx="1209735" cy="1209735"/>
+        </a:xfrm>
+        <a:prstGeom prst="rect">
+          <a:avLst/>
+        </a:prstGeom>
+        <a:blipFill>
+          <a:blip xmlns:r="http://schemas.openxmlformats.org/officeDocument/2006/relationships" r:embed="rId4">
+            <a:duotone>
+              <a:schemeClr val="accent2">
+                <a:hueOff val="0"/>
+                <a:satOff val="0"/>
+                <a:lumOff val="0"/>
+                <a:alphaOff val="0"/>
+                <a:shade val="20000"/>
+                <a:satMod val="200000"/>
+              </a:schemeClr>
+              <a:schemeClr val="accent2">
+                <a:hueOff val="0"/>
+                <a:satOff val="0"/>
+                <a:lumOff val="0"/>
+                <a:alphaOff val="0"/>
+                <a:tint val="12000"/>
+                <a:satMod val="190000"/>
+              </a:schemeClr>
+            </a:duotone>
+            <a:extLst>
+              <a:ext uri="{28A0092B-C50C-407E-A947-70E740481C1C}">
+                <a14:useLocalDpi xmlns:a14="http://schemas.microsoft.com/office/drawing/2010/main" val="0"/>
+              </a:ext>
+            </a:extLst>
+          </a:blip>
+          <a:srcRect/>
+          <a:stretch>
+            <a:fillRect t="-9000" b="-9000"/>
+          </a:stretch>
+        </a:blipFill>
+        <a:ln w="22225" cap="rnd" cmpd="sng" algn="ctr">
+          <a:solidFill>
+            <a:schemeClr val="lt1">
+              <a:alpha val="0"/>
+              <a:hueOff val="0"/>
+              <a:satOff val="0"/>
+              <a:lumOff val="0"/>
+              <a:alphaOff val="0"/>
+            </a:schemeClr>
+          </a:solidFill>
+          <a:prstDash val="solid"/>
+        </a:ln>
+        <a:effectLst/>
+      </dsp:spPr>
+      <dsp:style>
+        <a:lnRef idx="2">
+          <a:scrgbClr r="0" g="0" b="0"/>
+        </a:lnRef>
+        <a:fillRef idx="1">
+          <a:scrgbClr r="0" g="0" b="0"/>
+        </a:fillRef>
+        <a:effectRef idx="0">
+          <a:scrgbClr r="0" g="0" b="0"/>
+        </a:effectRef>
+        <a:fontRef idx="minor">
+          <a:schemeClr val="lt1"/>
+        </a:fontRef>
+      </dsp:style>
+    </dsp:sp>
+    <dsp:sp modelId="{399A7AD5-4E6A-4ED5-B905-7F8EACCFFA4A}">
+      <dsp:nvSpPr>
+        <dsp:cNvPr id="0" name=""/>
+        <dsp:cNvSpPr/>
+      </dsp:nvSpPr>
+      <dsp:spPr>
+        <a:xfrm>
+          <a:off x="6408731" y="1659324"/>
+          <a:ext cx="1800000" cy="720000"/>
+        </a:xfrm>
+        <a:prstGeom prst="rect">
+          <a:avLst/>
+        </a:prstGeom>
+        <a:noFill/>
+        <a:ln>
+          <a:noFill/>
+        </a:ln>
+        <a:effectLst/>
+      </dsp:spPr>
+      <dsp:style>
+        <a:lnRef idx="0">
+          <a:scrgbClr r="0" g="0" b="0"/>
+        </a:lnRef>
+        <a:fillRef idx="0">
+          <a:scrgbClr r="0" g="0" b="0"/>
+        </a:fillRef>
+        <a:effectRef idx="0">
+          <a:scrgbClr r="0" g="0" b="0"/>
+        </a:effectRef>
+        <a:fontRef idx="minor"/>
+      </dsp:style>
+      <dsp:txBody>
+        <a:bodyPr spcFirstLastPara="0" vert="horz" wrap="square" lIns="0" tIns="0" rIns="0" bIns="0" numCol="1" spcCol="1270" rtlCol="0" anchor="t" anchorCtr="0">
+          <a:noAutofit/>
+        </a:bodyPr>
+        <a:lstStyle/>
+        <a:p>
+          <a:pPr lvl="0" algn="ctr" defTabSz="1155700" rtl="0">
+            <a:lnSpc>
+              <a:spcPct val="90000"/>
+            </a:lnSpc>
+            <a:spcBef>
+              <a:spcPct val="0"/>
+            </a:spcBef>
+            <a:spcAft>
+              <a:spcPct val="35000"/>
+            </a:spcAft>
+          </a:pPr>
+          <a:r>
+            <a:rPr lang="fr-FR" sz="2600" kern="1200" noProof="0" dirty="0" smtClean="0"/>
+            <a:t>Options de compilation</a:t>
+          </a:r>
+          <a:endParaRPr lang="fr-FR" sz="2600" kern="1200" noProof="0" dirty="0"/>
+        </a:p>
+      </dsp:txBody>
+      <dsp:txXfrm>
+        <a:off x="6408731" y="1659324"/>
+        <a:ext cx="1800000" cy="720000"/>
+      </dsp:txXfrm>
+    </dsp:sp>
+  </dsp:spTree>
+</dsp:drawing>
+</file>
+
+<file path=ppt/diagrams/drawing2.xml><?xml version="1.0" encoding="utf-8"?>
+<dsp:drawing xmlns:dgm="http://schemas.openxmlformats.org/drawingml/2006/diagram" xmlns:dsp="http://schemas.microsoft.com/office/drawing/2008/diagram" xmlns:a="http://schemas.openxmlformats.org/drawingml/2006/main">
+  <dsp:spTree>
+    <dsp:nvGrpSpPr>
+      <dsp:cNvPr id="0" name=""/>
+      <dsp:cNvGrpSpPr/>
+    </dsp:nvGrpSpPr>
+    <dsp:grpSpPr/>
+    <dsp:sp modelId="{19A8DC21-3E65-409D-AD53-DA51BB9198A0}">
+      <dsp:nvSpPr>
+        <dsp:cNvPr id="0" name=""/>
+        <dsp:cNvSpPr/>
+      </dsp:nvSpPr>
+      <dsp:spPr>
+        <a:xfrm>
+          <a:off x="219629" y="412514"/>
+          <a:ext cx="1028641" cy="1028641"/>
+        </a:xfrm>
+        <a:prstGeom prst="rect">
+          <a:avLst/>
+        </a:prstGeom>
+        <a:blipFill>
+          <a:blip xmlns:r="http://schemas.openxmlformats.org/officeDocument/2006/relationships" r:embed="rId1">
+            <a:duotone>
+              <a:schemeClr val="accent2">
+                <a:hueOff val="0"/>
+                <a:satOff val="0"/>
+                <a:lumOff val="0"/>
+                <a:alphaOff val="0"/>
+                <a:shade val="20000"/>
+                <a:satMod val="200000"/>
+              </a:schemeClr>
+              <a:schemeClr val="accent2">
+                <a:hueOff val="0"/>
+                <a:satOff val="0"/>
+                <a:lumOff val="0"/>
+                <a:alphaOff val="0"/>
+                <a:tint val="12000"/>
+                <a:satMod val="190000"/>
+              </a:schemeClr>
+            </a:duotone>
+            <a:extLst>
+              <a:ext uri="{28A0092B-C50C-407E-A947-70E740481C1C}">
+                <a14:useLocalDpi xmlns:a14="http://schemas.microsoft.com/office/drawing/2010/main" val="0"/>
+              </a:ext>
+            </a:extLst>
+          </a:blip>
+          <a:srcRect/>
+          <a:stretch>
+            <a:fillRect t="-1000" b="-1000"/>
+          </a:stretch>
+        </a:blipFill>
+        <a:ln w="22225" cap="rnd" cmpd="sng" algn="ctr">
+          <a:noFill/>
+          <a:prstDash val="solid"/>
+        </a:ln>
+        <a:effectLst/>
+      </dsp:spPr>
+      <dsp:style>
+        <a:lnRef idx="2">
+          <a:scrgbClr r="0" g="0" b="0"/>
+        </a:lnRef>
+        <a:fillRef idx="1">
+          <a:scrgbClr r="0" g="0" b="0"/>
+        </a:fillRef>
+        <a:effectRef idx="0">
+          <a:scrgbClr r="0" g="0" b="0"/>
+        </a:effectRef>
+        <a:fontRef idx="minor">
+          <a:schemeClr val="lt1"/>
+        </a:fontRef>
+      </dsp:style>
+    </dsp:sp>
+    <dsp:sp modelId="{A99B5DD6-89E9-4537-B415-4205CEB9323A}">
+      <dsp:nvSpPr>
+        <dsp:cNvPr id="0" name=""/>
+        <dsp:cNvSpPr/>
+      </dsp:nvSpPr>
+      <dsp:spPr>
+        <a:xfrm>
+          <a:off x="3174" y="1618392"/>
+          <a:ext cx="1450195" cy="580078"/>
+        </a:xfrm>
+        <a:prstGeom prst="rect">
+          <a:avLst/>
+        </a:prstGeom>
+        <a:noFill/>
+        <a:ln>
+          <a:noFill/>
+        </a:ln>
+        <a:effectLst/>
+      </dsp:spPr>
+      <dsp:style>
+        <a:lnRef idx="0">
+          <a:scrgbClr r="0" g="0" b="0"/>
+        </a:lnRef>
+        <a:fillRef idx="0">
+          <a:scrgbClr r="0" g="0" b="0"/>
+        </a:fillRef>
+        <a:effectRef idx="0">
+          <a:scrgbClr r="0" g="0" b="0"/>
+        </a:effectRef>
+        <a:fontRef idx="minor"/>
+      </dsp:style>
+      <dsp:txBody>
+        <a:bodyPr spcFirstLastPara="0" vert="horz" wrap="square" lIns="0" tIns="0" rIns="0" bIns="0" numCol="1" spcCol="1270" rtlCol="0" anchor="t" anchorCtr="0">
+          <a:noAutofit/>
+        </a:bodyPr>
+        <a:lstStyle/>
+        <a:p>
+          <a:pPr lvl="0" algn="ctr" defTabSz="933450" rtl="0">
+            <a:lnSpc>
+              <a:spcPct val="90000"/>
+            </a:lnSpc>
+            <a:spcBef>
+              <a:spcPct val="0"/>
+            </a:spcBef>
+            <a:spcAft>
+              <a:spcPct val="35000"/>
+            </a:spcAft>
+          </a:pPr>
+          <a:r>
+            <a:rPr lang="fr-FR" sz="2100" kern="1200" noProof="0" dirty="0" smtClean="0"/>
+            <a:t>KISS</a:t>
+          </a:r>
+          <a:endParaRPr lang="fr-FR" sz="2100" kern="1200" noProof="0" dirty="0"/>
+        </a:p>
+      </dsp:txBody>
+      <dsp:txXfrm>
+        <a:off x="3174" y="1618392"/>
+        <a:ext cx="1450195" cy="580078"/>
+      </dsp:txXfrm>
+    </dsp:sp>
+    <dsp:sp modelId="{CE9DF0E8-B0DE-4E1E-9FF4-6006AD8428DB}">
+      <dsp:nvSpPr>
+        <dsp:cNvPr id="0" name=""/>
+        <dsp:cNvSpPr/>
+      </dsp:nvSpPr>
+      <dsp:spPr>
+        <a:xfrm>
+          <a:off x="1778985" y="416325"/>
+          <a:ext cx="1306533" cy="1028641"/>
+        </a:xfrm>
+        <a:prstGeom prst="rect">
+          <a:avLst/>
+        </a:prstGeom>
+        <a:blipFill>
+          <a:blip xmlns:r="http://schemas.openxmlformats.org/officeDocument/2006/relationships" r:embed="rId2">
+            <a:duotone>
+              <a:schemeClr val="accent2">
+                <a:hueOff val="0"/>
+                <a:satOff val="0"/>
+                <a:lumOff val="0"/>
+                <a:alphaOff val="0"/>
+                <a:shade val="20000"/>
+                <a:satMod val="200000"/>
+              </a:schemeClr>
+              <a:schemeClr val="accent2">
+                <a:hueOff val="0"/>
+                <a:satOff val="0"/>
+                <a:lumOff val="0"/>
+                <a:alphaOff val="0"/>
+                <a:tint val="12000"/>
+                <a:satMod val="190000"/>
+              </a:schemeClr>
+            </a:duotone>
+            <a:extLst>
+              <a:ext uri="{28A0092B-C50C-407E-A947-70E740481C1C}">
+                <a14:useLocalDpi xmlns:a14="http://schemas.microsoft.com/office/drawing/2010/main" val="0"/>
+              </a:ext>
+            </a:extLst>
+          </a:blip>
+          <a:srcRect/>
+          <a:stretch>
+            <a:fillRect t="-4000" b="-4000"/>
+          </a:stretch>
+        </a:blipFill>
+        <a:ln w="22225" cap="rnd" cmpd="sng" algn="ctr">
+          <a:noFill/>
+          <a:prstDash val="solid"/>
+        </a:ln>
+        <a:effectLst/>
+      </dsp:spPr>
+      <dsp:style>
+        <a:lnRef idx="2">
+          <a:scrgbClr r="0" g="0" b="0"/>
+        </a:lnRef>
+        <a:fillRef idx="1">
+          <a:scrgbClr r="0" g="0" b="0"/>
+        </a:fillRef>
+        <a:effectRef idx="0">
+          <a:scrgbClr r="0" g="0" b="0"/>
+        </a:effectRef>
+        <a:fontRef idx="minor">
+          <a:schemeClr val="lt1"/>
+        </a:fontRef>
+      </dsp:style>
+    </dsp:sp>
+    <dsp:sp modelId="{55120873-6F5C-4053-8EAD-6287A7F1097E}">
+      <dsp:nvSpPr>
+        <dsp:cNvPr id="0" name=""/>
+        <dsp:cNvSpPr/>
+      </dsp:nvSpPr>
+      <dsp:spPr>
+        <a:xfrm>
+          <a:off x="1707154" y="1618392"/>
+          <a:ext cx="1450195" cy="580078"/>
+        </a:xfrm>
+        <a:prstGeom prst="rect">
+          <a:avLst/>
+        </a:prstGeom>
+        <a:noFill/>
+        <a:ln>
+          <a:noFill/>
+        </a:ln>
+        <a:effectLst/>
+      </dsp:spPr>
+      <dsp:style>
+        <a:lnRef idx="0">
+          <a:scrgbClr r="0" g="0" b="0"/>
+        </a:lnRef>
+        <a:fillRef idx="0">
+          <a:scrgbClr r="0" g="0" b="0"/>
+        </a:fillRef>
+        <a:effectRef idx="0">
+          <a:scrgbClr r="0" g="0" b="0"/>
+        </a:effectRef>
+        <a:fontRef idx="minor"/>
+      </dsp:style>
+      <dsp:txBody>
+        <a:bodyPr spcFirstLastPara="0" vert="horz" wrap="square" lIns="0" tIns="0" rIns="0" bIns="0" numCol="1" spcCol="1270" rtlCol="0" anchor="t" anchorCtr="0">
+          <a:noAutofit/>
+        </a:bodyPr>
+        <a:lstStyle/>
+        <a:p>
+          <a:pPr lvl="0" algn="ctr" defTabSz="933450" rtl="0">
+            <a:lnSpc>
+              <a:spcPct val="90000"/>
+            </a:lnSpc>
+            <a:spcBef>
+              <a:spcPct val="0"/>
+            </a:spcBef>
+            <a:spcAft>
+              <a:spcPct val="35000"/>
+            </a:spcAft>
+          </a:pPr>
+          <a:r>
+            <a:rPr lang="fr-FR" sz="2100" kern="1200" noProof="0" dirty="0" smtClean="0"/>
+            <a:t>Niveaux d’abstraction</a:t>
+          </a:r>
+          <a:endParaRPr lang="fr-FR" sz="2100" kern="1200" noProof="0" dirty="0"/>
+        </a:p>
+      </dsp:txBody>
+      <dsp:txXfrm>
+        <a:off x="1707154" y="1618392"/>
+        <a:ext cx="1450195" cy="580078"/>
+      </dsp:txXfrm>
+    </dsp:sp>
+    <dsp:sp modelId="{6DB1FE51-13D0-4A38-AD6E-48D4371A1AF3}">
+      <dsp:nvSpPr>
+        <dsp:cNvPr id="0" name=""/>
+        <dsp:cNvSpPr/>
+      </dsp:nvSpPr>
+      <dsp:spPr>
+        <a:xfrm>
+          <a:off x="3627588" y="418198"/>
+          <a:ext cx="1028641" cy="1028641"/>
+        </a:xfrm>
+        <a:prstGeom prst="rect">
+          <a:avLst/>
+        </a:prstGeom>
+        <a:blipFill>
+          <a:blip xmlns:r="http://schemas.openxmlformats.org/officeDocument/2006/relationships" r:embed="rId3">
+            <a:duotone>
+              <a:schemeClr val="accent2">
+                <a:hueOff val="0"/>
+                <a:satOff val="0"/>
+                <a:lumOff val="0"/>
+                <a:alphaOff val="0"/>
+                <a:shade val="20000"/>
+                <a:satMod val="200000"/>
+              </a:schemeClr>
+              <a:schemeClr val="accent2">
+                <a:hueOff val="0"/>
+                <a:satOff val="0"/>
+                <a:lumOff val="0"/>
+                <a:alphaOff val="0"/>
+                <a:tint val="12000"/>
+                <a:satMod val="190000"/>
+              </a:schemeClr>
+            </a:duotone>
+            <a:extLst>
+              <a:ext uri="{28A0092B-C50C-407E-A947-70E740481C1C}">
+                <a14:useLocalDpi xmlns:a14="http://schemas.microsoft.com/office/drawing/2010/main" val="0"/>
+              </a:ext>
+            </a:extLst>
+          </a:blip>
+          <a:srcRect/>
+          <a:stretch>
+            <a:fillRect l="-38000" r="-38000"/>
+          </a:stretch>
+        </a:blipFill>
+        <a:ln w="22225" cap="rnd" cmpd="sng" algn="ctr">
+          <a:noFill/>
+          <a:prstDash val="solid"/>
+        </a:ln>
+        <a:effectLst/>
+      </dsp:spPr>
+      <dsp:style>
+        <a:lnRef idx="2">
+          <a:scrgbClr r="0" g="0" b="0"/>
+        </a:lnRef>
+        <a:fillRef idx="1">
+          <a:scrgbClr r="0" g="0" b="0"/>
+        </a:fillRef>
+        <a:effectRef idx="0">
+          <a:scrgbClr r="0" g="0" b="0"/>
+        </a:effectRef>
+        <a:fontRef idx="minor">
+          <a:schemeClr val="lt1"/>
+        </a:fontRef>
+      </dsp:style>
+    </dsp:sp>
+    <dsp:sp modelId="{133097FC-B1F8-4953-B0AB-E8E73D968D1C}">
+      <dsp:nvSpPr>
+        <dsp:cNvPr id="0" name=""/>
+        <dsp:cNvSpPr/>
+      </dsp:nvSpPr>
+      <dsp:spPr>
+        <a:xfrm>
+          <a:off x="3411133" y="1618392"/>
+          <a:ext cx="1450195" cy="580078"/>
+        </a:xfrm>
+        <a:prstGeom prst="rect">
+          <a:avLst/>
+        </a:prstGeom>
+        <a:noFill/>
+        <a:ln>
+          <a:noFill/>
+        </a:ln>
+        <a:effectLst/>
+      </dsp:spPr>
+      <dsp:style>
+        <a:lnRef idx="0">
+          <a:scrgbClr r="0" g="0" b="0"/>
+        </a:lnRef>
+        <a:fillRef idx="0">
+          <a:scrgbClr r="0" g="0" b="0"/>
+        </a:fillRef>
+        <a:effectRef idx="0">
+          <a:scrgbClr r="0" g="0" b="0"/>
+        </a:effectRef>
+        <a:fontRef idx="minor"/>
+      </dsp:style>
+      <dsp:txBody>
+        <a:bodyPr spcFirstLastPara="0" vert="horz" wrap="square" lIns="0" tIns="0" rIns="0" bIns="0" numCol="1" spcCol="1270" rtlCol="0" anchor="t" anchorCtr="0">
+          <a:noAutofit/>
+        </a:bodyPr>
+        <a:lstStyle/>
+        <a:p>
+          <a:pPr lvl="0" algn="ctr" defTabSz="933450" rtl="0">
+            <a:lnSpc>
+              <a:spcPct val="90000"/>
+            </a:lnSpc>
+            <a:spcBef>
+              <a:spcPct val="0"/>
+            </a:spcBef>
+            <a:spcAft>
+              <a:spcPct val="35000"/>
+            </a:spcAft>
+          </a:pPr>
+          <a:r>
+            <a:rPr lang="fr-FR" sz="2100" kern="1200" noProof="0" dirty="0" err="1" smtClean="0"/>
+            <a:t>Templates</a:t>
+          </a:r>
+          <a:endParaRPr lang="fr-FR" sz="2100" kern="1200" noProof="0" dirty="0"/>
+        </a:p>
+      </dsp:txBody>
+      <dsp:txXfrm>
+        <a:off x="3411133" y="1618392"/>
+        <a:ext cx="1450195" cy="580078"/>
+      </dsp:txXfrm>
+    </dsp:sp>
+    <dsp:sp modelId="{D926812A-E61D-44AE-8E38-A3D0C7DB636F}">
+      <dsp:nvSpPr>
+        <dsp:cNvPr id="0" name=""/>
+        <dsp:cNvSpPr/>
+      </dsp:nvSpPr>
+      <dsp:spPr>
+        <a:xfrm>
+          <a:off x="5322160" y="425879"/>
+          <a:ext cx="1087381" cy="1087374"/>
+        </a:xfrm>
+        <a:prstGeom prst="rect">
+          <a:avLst/>
+        </a:prstGeom>
+        <a:blipFill>
+          <a:blip xmlns:r="http://schemas.openxmlformats.org/officeDocument/2006/relationships" r:embed="rId4">
+            <a:duotone>
+              <a:schemeClr val="accent2">
+                <a:hueOff val="0"/>
+                <a:satOff val="0"/>
+                <a:lumOff val="0"/>
+                <a:alphaOff val="0"/>
+                <a:shade val="20000"/>
+                <a:satMod val="200000"/>
+              </a:schemeClr>
+              <a:schemeClr val="accent2">
+                <a:hueOff val="0"/>
+                <a:satOff val="0"/>
+                <a:lumOff val="0"/>
+                <a:alphaOff val="0"/>
+                <a:tint val="12000"/>
+                <a:satMod val="190000"/>
+              </a:schemeClr>
+            </a:duotone>
+            <a:extLst>
+              <a:ext uri="{28A0092B-C50C-407E-A947-70E740481C1C}">
+                <a14:useLocalDpi xmlns:a14="http://schemas.microsoft.com/office/drawing/2010/main" val="0"/>
+              </a:ext>
+            </a:extLst>
+          </a:blip>
+          <a:srcRect/>
+          <a:stretch>
+            <a:fillRect l="-14000" r="-14000"/>
+          </a:stretch>
+        </a:blipFill>
+        <a:ln w="22225" cap="rnd" cmpd="sng" algn="ctr">
+          <a:solidFill>
+            <a:schemeClr val="lt1">
+              <a:alpha val="0"/>
+              <a:hueOff val="0"/>
+              <a:satOff val="0"/>
+              <a:lumOff val="0"/>
+              <a:alphaOff val="0"/>
+            </a:schemeClr>
+          </a:solidFill>
+          <a:prstDash val="solid"/>
+        </a:ln>
+        <a:effectLst/>
+      </dsp:spPr>
+      <dsp:style>
+        <a:lnRef idx="2">
+          <a:scrgbClr r="0" g="0" b="0"/>
+        </a:lnRef>
+        <a:fillRef idx="1">
+          <a:scrgbClr r="0" g="0" b="0"/>
+        </a:fillRef>
+        <a:effectRef idx="0">
+          <a:scrgbClr r="0" g="0" b="0"/>
+        </a:effectRef>
+        <a:fontRef idx="minor">
+          <a:schemeClr val="lt1"/>
+        </a:fontRef>
+      </dsp:style>
+    </dsp:sp>
+    <dsp:sp modelId="{399A7AD5-4E6A-4ED5-B905-7F8EACCFFA4A}">
+      <dsp:nvSpPr>
+        <dsp:cNvPr id="0" name=""/>
+        <dsp:cNvSpPr/>
+      </dsp:nvSpPr>
+      <dsp:spPr>
+        <a:xfrm>
+          <a:off x="5115113" y="1633075"/>
+          <a:ext cx="1450195" cy="580078"/>
+        </a:xfrm>
+        <a:prstGeom prst="rect">
+          <a:avLst/>
+        </a:prstGeom>
+        <a:noFill/>
+        <a:ln>
+          <a:noFill/>
+        </a:ln>
+        <a:effectLst/>
+      </dsp:spPr>
+      <dsp:style>
+        <a:lnRef idx="0">
+          <a:scrgbClr r="0" g="0" b="0"/>
+        </a:lnRef>
+        <a:fillRef idx="0">
+          <a:scrgbClr r="0" g="0" b="0"/>
+        </a:fillRef>
+        <a:effectRef idx="0">
+          <a:scrgbClr r="0" g="0" b="0"/>
+        </a:effectRef>
+        <a:fontRef idx="minor"/>
+      </dsp:style>
+      <dsp:txBody>
+        <a:bodyPr spcFirstLastPara="0" vert="horz" wrap="square" lIns="0" tIns="0" rIns="0" bIns="0" numCol="1" spcCol="1270" rtlCol="0" anchor="t" anchorCtr="0">
+          <a:noAutofit/>
+        </a:bodyPr>
+        <a:lstStyle/>
+        <a:p>
+          <a:pPr lvl="0" algn="ctr" defTabSz="933450" rtl="0">
+            <a:lnSpc>
+              <a:spcPct val="90000"/>
+            </a:lnSpc>
+            <a:spcBef>
+              <a:spcPct val="0"/>
+            </a:spcBef>
+            <a:spcAft>
+              <a:spcPct val="35000"/>
+            </a:spcAft>
+          </a:pPr>
+          <a:r>
+            <a:rPr lang="fr-FR" sz="2100" kern="1200" noProof="0" dirty="0" smtClean="0"/>
+            <a:t>Typage fort</a:t>
+          </a:r>
+          <a:endParaRPr lang="fr-FR" sz="2100" kern="1200" noProof="0" dirty="0"/>
+        </a:p>
+      </dsp:txBody>
+      <dsp:txXfrm>
+        <a:off x="5115113" y="1633075"/>
+        <a:ext cx="1450195" cy="580078"/>
+      </dsp:txXfrm>
+    </dsp:sp>
+    <dsp:sp modelId="{F592AD65-F0E2-4AEC-9257-1E2328E6E5D8}">
+      <dsp:nvSpPr>
+        <dsp:cNvPr id="0" name=""/>
+        <dsp:cNvSpPr/>
+      </dsp:nvSpPr>
+      <dsp:spPr>
+        <a:xfrm>
+          <a:off x="6969619" y="414740"/>
+          <a:ext cx="1097744" cy="1097737"/>
+        </a:xfrm>
+        <a:prstGeom prst="rect">
+          <a:avLst/>
+        </a:prstGeom>
+        <a:blipFill>
+          <a:blip xmlns:r="http://schemas.openxmlformats.org/officeDocument/2006/relationships" r:embed="rId5">
+            <a:duotone>
+              <a:schemeClr val="accent2">
+                <a:hueOff val="0"/>
+                <a:satOff val="0"/>
+                <a:lumOff val="0"/>
+                <a:alphaOff val="0"/>
+                <a:shade val="20000"/>
+                <a:satMod val="200000"/>
+              </a:schemeClr>
+              <a:schemeClr val="accent2">
+                <a:hueOff val="0"/>
+                <a:satOff val="0"/>
+                <a:lumOff val="0"/>
+                <a:alphaOff val="0"/>
+                <a:tint val="12000"/>
+                <a:satMod val="190000"/>
+              </a:schemeClr>
+            </a:duotone>
+            <a:extLst>
+              <a:ext uri="{28A0092B-C50C-407E-A947-70E740481C1C}">
+                <a14:useLocalDpi xmlns:a14="http://schemas.microsoft.com/office/drawing/2010/main" val="0"/>
+              </a:ext>
+            </a:extLst>
+          </a:blip>
+          <a:srcRect/>
+          <a:stretch>
+            <a:fillRect l="-7000" r="-7000"/>
+          </a:stretch>
+        </a:blipFill>
+        <a:ln w="22225" cap="rnd" cmpd="sng" algn="ctr">
+          <a:solidFill>
+            <a:schemeClr val="lt1">
+              <a:alpha val="0"/>
+              <a:hueOff val="0"/>
+              <a:satOff val="0"/>
+              <a:lumOff val="0"/>
+              <a:alphaOff val="0"/>
+            </a:schemeClr>
+          </a:solidFill>
+          <a:prstDash val="solid"/>
+        </a:ln>
+        <a:effectLst/>
+      </dsp:spPr>
+      <dsp:style>
+        <a:lnRef idx="2">
+          <a:scrgbClr r="0" g="0" b="0"/>
+        </a:lnRef>
+        <a:fillRef idx="1">
+          <a:scrgbClr r="0" g="0" b="0"/>
+        </a:fillRef>
+        <a:effectRef idx="0">
+          <a:scrgbClr r="0" g="0" b="0"/>
+        </a:effectRef>
+        <a:fontRef idx="minor">
+          <a:schemeClr val="lt1"/>
+        </a:fontRef>
+      </dsp:style>
+    </dsp:sp>
+    <dsp:sp modelId="{E52A5CBD-F25E-4335-9A3E-35650A54A266}">
+      <dsp:nvSpPr>
+        <dsp:cNvPr id="0" name=""/>
+        <dsp:cNvSpPr/>
+      </dsp:nvSpPr>
+      <dsp:spPr>
+        <a:xfrm>
+          <a:off x="6819092" y="1635666"/>
+          <a:ext cx="1450195" cy="580078"/>
+        </a:xfrm>
+        <a:prstGeom prst="rect">
+          <a:avLst/>
+        </a:prstGeom>
+        <a:noFill/>
+        <a:ln>
+          <a:noFill/>
+        </a:ln>
+        <a:effectLst/>
+      </dsp:spPr>
+      <dsp:style>
+        <a:lnRef idx="0">
+          <a:scrgbClr r="0" g="0" b="0"/>
+        </a:lnRef>
+        <a:fillRef idx="0">
+          <a:scrgbClr r="0" g="0" b="0"/>
+        </a:fillRef>
+        <a:effectRef idx="0">
+          <a:scrgbClr r="0" g="0" b="0"/>
+        </a:effectRef>
+        <a:fontRef idx="minor"/>
+      </dsp:style>
+      <dsp:txBody>
+        <a:bodyPr spcFirstLastPara="0" vert="horz" wrap="square" lIns="0" tIns="0" rIns="0" bIns="0" numCol="1" spcCol="1270" rtlCol="0" anchor="t" anchorCtr="0">
+          <a:noAutofit/>
+        </a:bodyPr>
+        <a:lstStyle/>
+        <a:p>
+          <a:pPr lvl="0" algn="ctr" defTabSz="933450" rtl="0">
+            <a:lnSpc>
+              <a:spcPct val="90000"/>
+            </a:lnSpc>
+            <a:spcBef>
+              <a:spcPct val="0"/>
+            </a:spcBef>
+            <a:spcAft>
+              <a:spcPct val="35000"/>
+            </a:spcAft>
+          </a:pPr>
+          <a:r>
+            <a:rPr lang="fr-FR" sz="2100" kern="1200" noProof="0" dirty="0" err="1" smtClean="0"/>
+            <a:t>Ownership</a:t>
+          </a:r>
+          <a:endParaRPr lang="fr-FR" sz="2100" kern="1200" noProof="0" dirty="0"/>
+        </a:p>
+      </dsp:txBody>
+      <dsp:txXfrm>
+        <a:off x="6819092" y="1635666"/>
+        <a:ext cx="1450195" cy="580078"/>
       </dsp:txXfrm>
     </dsp:sp>
   </dsp:spTree>
@@ -1647,6 +3883,196 @@
 </file>
 
 <file path=ppt/diagrams/layout1.xml><?xml version="1.0" encoding="utf-8"?>
+<dgm:layoutDef xmlns:dgm="http://schemas.openxmlformats.org/drawingml/2006/diagram" xmlns:a="http://schemas.openxmlformats.org/drawingml/2006/main" uniqueId="urn:microsoft.com/office/officeart/2018/2/layout/IconLabelList">
+  <dgm:title val="Icon Label List"/>
+  <dgm:desc val="Use to show non-sequential or grouped chunks of information accompanied by a related visuals. Works best with icons or small pictures with short text captions."/>
+  <dgm:catLst>
+    <dgm:cat type="icon" pri="500"/>
+  </dgm:catLst>
+  <dgm:sampData useDef="1">
+    <dgm:dataModel>
+      <dgm:ptLst/>
+      <dgm:bg/>
+      <dgm:whole/>
+    </dgm:dataModel>
+  </dgm:sampData>
+  <dgm:styleData useDef="1">
+    <dgm:dataModel>
+      <dgm:ptLst/>
+      <dgm:bg/>
+      <dgm:whole/>
+    </dgm:dataModel>
+  </dgm:styleData>
+  <dgm:clrData useDef="1">
+    <dgm:dataModel>
+      <dgm:ptLst/>
+      <dgm:bg/>
+      <dgm:whole/>
+    </dgm:dataModel>
+  </dgm:clrData>
+  <dgm:layoutNode name="root">
+    <dgm:varLst>
+      <dgm:dir/>
+      <dgm:resizeHandles val="exact"/>
+    </dgm:varLst>
+    <dgm:choose name="Name0">
+      <dgm:if name="Name1" axis="self" func="var" arg="dir" op="equ" val="norm">
+        <dgm:alg type="snake">
+          <dgm:param type="grDir" val="tL"/>
+          <dgm:param type="flowDir" val="row"/>
+          <dgm:param type="contDir" val="sameDir"/>
+          <dgm:param type="off" val="ctr"/>
+          <dgm:param type="vertAlign" val="mid"/>
+          <dgm:param type="horzAlign" val="ctr"/>
+        </dgm:alg>
+      </dgm:if>
+      <dgm:else name="Name2">
+        <dgm:alg type="snake">
+          <dgm:param type="grDir" val="tR"/>
+          <dgm:param type="flowDir" val="row"/>
+          <dgm:param type="contDir" val="sameDir"/>
+          <dgm:param type="off" val="ctr"/>
+          <dgm:param type="vertAlign" val="mid"/>
+          <dgm:param type="horzAlign" val="ctr"/>
+        </dgm:alg>
+      </dgm:else>
+    </dgm:choose>
+    <dgm:shape xmlns:r="http://schemas.openxmlformats.org/officeDocument/2006/relationships" r:blip="">
+      <dgm:adjLst/>
+    </dgm:shape>
+    <dgm:presOf/>
+    <dgm:choose name="Name3">
+      <dgm:if name="Name4" axis="ch" ptType="node" func="cnt" op="lte" val="2">
+        <dgm:constrLst>
+          <dgm:constr type="h" for="ch" forName="compNode" refType="h" fact="0.4"/>
+          <dgm:constr type="w" for="ch" forName="compNode" val="120"/>
+          <dgm:constr type="w" for="ch" forName="sibTrans" refType="w" refFor="ch" refForName="compNode" fact="0.175"/>
+          <dgm:constr type="sp" refType="w" refFor="ch" refForName="compNode" op="equ" fact="0.25"/>
+          <dgm:constr type="primFontSz" for="des" ptType="node" op="equ" val="50"/>
+          <dgm:constr type="h" for="des" forName="compNode" op="equ"/>
+          <dgm:constr type="h" for="des" forName="textRect" op="equ"/>
+        </dgm:constrLst>
+      </dgm:if>
+      <dgm:if name="Name5" axis="ch" ptType="node" func="cnt" op="lte" val="4">
+        <dgm:constrLst>
+          <dgm:constr type="h" for="ch" forName="compNode" refType="h" fact="0.4"/>
+          <dgm:constr type="w" for="ch" forName="compNode" refType="w"/>
+          <dgm:constr type="w" for="ch" forName="sibTrans" refType="w" refFor="ch" refForName="compNode" fact="0.175"/>
+          <dgm:constr type="sp" refType="w" refFor="ch" refForName="compNode" op="equ" fact="0.25"/>
+          <dgm:constr type="primFontSz" for="des" ptType="node" op="equ" val="36"/>
+          <dgm:constr type="h" for="des" forName="compNode" op="equ"/>
+          <dgm:constr type="h" for="des" forName="textRect" op="equ"/>
+        </dgm:constrLst>
+      </dgm:if>
+      <dgm:else name="Name6">
+        <dgm:constrLst>
+          <dgm:constr type="h" for="ch" forName="compNode" refType="h" fact="0.4"/>
+          <dgm:constr type="w" for="ch" forName="compNode" refType="w"/>
+          <dgm:constr type="w" for="ch" forName="sibTrans" refType="w" refFor="ch" refForName="compNode" fact="0.175"/>
+          <dgm:constr type="sp" refType="w" refFor="ch" refForName="compNode" op="equ" fact="0.25"/>
+          <dgm:constr type="primFontSz" for="des" ptType="node" op="equ" val="24"/>
+          <dgm:constr type="h" for="des" forName="compNode" op="equ"/>
+          <dgm:constr type="h" for="des" forName="textRect" op="equ"/>
+        </dgm:constrLst>
+      </dgm:else>
+    </dgm:choose>
+    <dgm:ruleLst>
+      <dgm:rule type="w" for="ch" forName="compNode" val="50" fact="NaN" max="NaN"/>
+    </dgm:ruleLst>
+    <dgm:forEach name="Name7" axis="ch" ptType="node">
+      <dgm:layoutNode name="compNode">
+        <dgm:alg type="composite"/>
+        <dgm:shape xmlns:r="http://schemas.openxmlformats.org/officeDocument/2006/relationships" r:blip="">
+          <dgm:adjLst/>
+        </dgm:shape>
+        <dgm:presOf axis="self"/>
+        <dgm:constrLst>
+          <dgm:constr type="w" for="ch" forName="iconRect" refType="w" fact="0.45"/>
+          <dgm:constr type="h" for="ch" forName="iconRect" refType="w" refFor="ch" refForName="iconRect"/>
+          <dgm:constr type="ctrX" for="ch" forName="iconRect" refType="w" fact="0.5"/>
+          <dgm:constr type="t" for="ch" forName="iconRect"/>
+          <dgm:constr type="h" for="ch" forName="spaceRect" refType="h" fact="0.15"/>
+          <dgm:constr type="w" for="ch" forName="spaceRect" refType="w"/>
+          <dgm:constr type="l" for="ch" forName="spaceRect"/>
+          <dgm:constr type="t" for="ch" forName="spaceRect" refType="b" refFor="ch" refForName="iconRect"/>
+          <dgm:constr type="h" for="ch" forName="textRect" val="20"/>
+          <dgm:constr type="w" for="ch" forName="textRect" refType="w"/>
+          <dgm:constr type="l" for="ch" forName="textRect"/>
+          <dgm:constr type="t" for="ch" forName="textRect" refType="b" refFor="ch" refForName="spaceRect"/>
+        </dgm:constrLst>
+        <dgm:ruleLst>
+          <dgm:rule type="h" val="INF" fact="NaN" max="NaN"/>
+        </dgm:ruleLst>
+        <dgm:layoutNode name="iconRect" styleLbl="node1">
+          <dgm:alg type="sp"/>
+          <dgm:shape xmlns:r="http://schemas.openxmlformats.org/officeDocument/2006/relationships" type="rect" r:blip="" blipPhldr="1">
+            <dgm:adjLst/>
+          </dgm:shape>
+          <dgm:presOf/>
+          <dgm:constrLst/>
+          <dgm:ruleLst/>
+        </dgm:layoutNode>
+        <dgm:layoutNode name="spaceRect">
+          <dgm:alg type="sp"/>
+          <dgm:shape xmlns:r="http://schemas.openxmlformats.org/officeDocument/2006/relationships" r:blip="">
+            <dgm:adjLst/>
+          </dgm:shape>
+          <dgm:presOf/>
+          <dgm:constrLst/>
+          <dgm:ruleLst/>
+        </dgm:layoutNode>
+        <dgm:layoutNode name="textRect" styleLbl="revTx">
+          <dgm:varLst>
+            <dgm:chMax val="1"/>
+            <dgm:chPref val="1"/>
+          </dgm:varLst>
+          <dgm:alg type="tx">
+            <dgm:param type="txAnchorVert" val="t"/>
+          </dgm:alg>
+          <dgm:shape xmlns:r="http://schemas.openxmlformats.org/officeDocument/2006/relationships" type="rect" r:blip="">
+            <dgm:adjLst/>
+          </dgm:shape>
+          <dgm:presOf axis="self" ptType="node"/>
+          <dgm:constrLst>
+            <dgm:constr type="lMarg"/>
+            <dgm:constr type="rMarg"/>
+            <dgm:constr type="tMarg"/>
+            <dgm:constr type="bMarg"/>
+          </dgm:constrLst>
+          <dgm:ruleLst>
+            <dgm:rule type="primFontSz" val="11" fact="NaN" max="NaN"/>
+            <dgm:rule type="h" val="INF" fact="NaN" max="NaN"/>
+          </dgm:ruleLst>
+        </dgm:layoutNode>
+      </dgm:layoutNode>
+      <dgm:forEach name="Name8" axis="followSib" ptType="sibTrans" cnt="1">
+        <dgm:layoutNode name="sibTrans">
+          <dgm:alg type="sp"/>
+          <dgm:shape xmlns:r="http://schemas.openxmlformats.org/officeDocument/2006/relationships" r:blip="">
+            <dgm:adjLst/>
+          </dgm:shape>
+          <dgm:presOf axis="self"/>
+          <dgm:constrLst/>
+          <dgm:ruleLst/>
+        </dgm:layoutNode>
+      </dgm:forEach>
+    </dgm:forEach>
+  </dgm:layoutNode>
+  <dgm:extLst>
+    <a:ext uri="{68A01E43-0DF5-4B5B-8FA6-DAF915123BFB}">
+      <dgm1612:lstStyle xmlns:dgm1612="http://schemas.microsoft.com/office/drawing/2016/12/diagram" xmlns="">
+        <a:lvl1pPr>
+          <a:lnSpc>
+            <a:spcPct val="100000"/>
+          </a:lnSpc>
+        </a:lvl1pPr>
+      </dgm1612:lstStyle>
+    </a:ext>
+  </dgm:extLst>
+</dgm:layoutDef>
+</file>
+
+<file path=ppt/diagrams/layout2.xml><?xml version="1.0" encoding="utf-8"?>
 <dgm:layoutDef xmlns:dgm="http://schemas.openxmlformats.org/drawingml/2006/diagram" xmlns:a="http://schemas.openxmlformats.org/drawingml/2006/main" uniqueId="urn:microsoft.com/office/officeart/2018/2/layout/IconLabelList">
   <dgm:title val="Icon Label List"/>
   <dgm:desc val="Use to show non-sequential or grouped chunks of information accompanied by a related visuals. Works best with icons or small pictures with short text captions."/>
@@ -2870,6 +5296,1040 @@
 </dgm:styleDef>
 </file>
 
+<file path=ppt/diagrams/quickStyle2.xml><?xml version="1.0" encoding="utf-8"?>
+<dgm:styleDef xmlns:dgm="http://schemas.openxmlformats.org/drawingml/2006/diagram" xmlns:a="http://schemas.openxmlformats.org/drawingml/2006/main" uniqueId="urn:microsoft.com/office/officeart/2005/8/quickstyle/simple1">
+  <dgm:title val=""/>
+  <dgm:desc val=""/>
+  <dgm:catLst>
+    <dgm:cat type="simple" pri="10100"/>
+  </dgm:catLst>
+  <dgm:scene3d>
+    <a:camera prst="orthographicFront"/>
+    <a:lightRig rig="threePt" dir="t"/>
+  </dgm:scene3d>
+  <dgm:styleLbl name="node0">
+    <dgm:scene3d>
+      <a:camera prst="orthographicFront"/>
+      <a:lightRig rig="threePt" dir="t"/>
+    </dgm:scene3d>
+    <dgm:sp3d/>
+    <dgm:txPr/>
+    <dgm:style>
+      <a:lnRef idx="2">
+        <a:scrgbClr r="0" g="0" b="0"/>
+      </a:lnRef>
+      <a:fillRef idx="1">
+        <a:scrgbClr r="0" g="0" b="0"/>
+      </a:fillRef>
+      <a:effectRef idx="0">
+        <a:scrgbClr r="0" g="0" b="0"/>
+      </a:effectRef>
+      <a:fontRef idx="minor">
+        <a:schemeClr val="lt1"/>
+      </a:fontRef>
+    </dgm:style>
+  </dgm:styleLbl>
+  <dgm:styleLbl name="lnNode1">
+    <dgm:scene3d>
+      <a:camera prst="orthographicFront"/>
+      <a:lightRig rig="threePt" dir="t"/>
+    </dgm:scene3d>
+    <dgm:sp3d/>
+    <dgm:txPr/>
+    <dgm:style>
+      <a:lnRef idx="2">
+        <a:scrgbClr r="0" g="0" b="0"/>
+      </a:lnRef>
+      <a:fillRef idx="1">
+        <a:scrgbClr r="0" g="0" b="0"/>
+      </a:fillRef>
+      <a:effectRef idx="0">
+        <a:scrgbClr r="0" g="0" b="0"/>
+      </a:effectRef>
+      <a:fontRef idx="minor">
+        <a:schemeClr val="lt1"/>
+      </a:fontRef>
+    </dgm:style>
+  </dgm:styleLbl>
+  <dgm:styleLbl name="vennNode1">
+    <dgm:scene3d>
+      <a:camera prst="orthographicFront"/>
+      <a:lightRig rig="threePt" dir="t"/>
+    </dgm:scene3d>
+    <dgm:sp3d/>
+    <dgm:txPr/>
+    <dgm:style>
+      <a:lnRef idx="2">
+        <a:scrgbClr r="0" g="0" b="0"/>
+      </a:lnRef>
+      <a:fillRef idx="1">
+        <a:scrgbClr r="0" g="0" b="0"/>
+      </a:fillRef>
+      <a:effectRef idx="0">
+        <a:scrgbClr r="0" g="0" b="0"/>
+      </a:effectRef>
+      <a:fontRef idx="minor">
+        <a:schemeClr val="tx1"/>
+      </a:fontRef>
+    </dgm:style>
+  </dgm:styleLbl>
+  <dgm:styleLbl name="alignNode1">
+    <dgm:scene3d>
+      <a:camera prst="orthographicFront"/>
+      <a:lightRig rig="threePt" dir="t"/>
+    </dgm:scene3d>
+    <dgm:sp3d/>
+    <dgm:txPr/>
+    <dgm:style>
+      <a:lnRef idx="2">
+        <a:scrgbClr r="0" g="0" b="0"/>
+      </a:lnRef>
+      <a:fillRef idx="1">
+        <a:scrgbClr r="0" g="0" b="0"/>
+      </a:fillRef>
+      <a:effectRef idx="0">
+        <a:scrgbClr r="0" g="0" b="0"/>
+      </a:effectRef>
+      <a:fontRef idx="minor">
+        <a:schemeClr val="lt1"/>
+      </a:fontRef>
+    </dgm:style>
+  </dgm:styleLbl>
+  <dgm:styleLbl name="node1">
+    <dgm:scene3d>
+      <a:camera prst="orthographicFront"/>
+      <a:lightRig rig="threePt" dir="t"/>
+    </dgm:scene3d>
+    <dgm:sp3d/>
+    <dgm:txPr/>
+    <dgm:style>
+      <a:lnRef idx="2">
+        <a:scrgbClr r="0" g="0" b="0"/>
+      </a:lnRef>
+      <a:fillRef idx="1">
+        <a:scrgbClr r="0" g="0" b="0"/>
+      </a:fillRef>
+      <a:effectRef idx="0">
+        <a:scrgbClr r="0" g="0" b="0"/>
+      </a:effectRef>
+      <a:fontRef idx="minor">
+        <a:schemeClr val="lt1"/>
+      </a:fontRef>
+    </dgm:style>
+  </dgm:styleLbl>
+  <dgm:styleLbl name="node2">
+    <dgm:scene3d>
+      <a:camera prst="orthographicFront"/>
+      <a:lightRig rig="threePt" dir="t"/>
+    </dgm:scene3d>
+    <dgm:sp3d/>
+    <dgm:txPr/>
+    <dgm:style>
+      <a:lnRef idx="2">
+        <a:scrgbClr r="0" g="0" b="0"/>
+      </a:lnRef>
+      <a:fillRef idx="1">
+        <a:scrgbClr r="0" g="0" b="0"/>
+      </a:fillRef>
+      <a:effectRef idx="0">
+        <a:scrgbClr r="0" g="0" b="0"/>
+      </a:effectRef>
+      <a:fontRef idx="minor">
+        <a:schemeClr val="lt1"/>
+      </a:fontRef>
+    </dgm:style>
+  </dgm:styleLbl>
+  <dgm:styleLbl name="node3">
+    <dgm:scene3d>
+      <a:camera prst="orthographicFront"/>
+      <a:lightRig rig="threePt" dir="t"/>
+    </dgm:scene3d>
+    <dgm:sp3d/>
+    <dgm:txPr/>
+    <dgm:style>
+      <a:lnRef idx="2">
+        <a:scrgbClr r="0" g="0" b="0"/>
+      </a:lnRef>
+      <a:fillRef idx="1">
+        <a:scrgbClr r="0" g="0" b="0"/>
+      </a:fillRef>
+      <a:effectRef idx="0">
+        <a:scrgbClr r="0" g="0" b="0"/>
+      </a:effectRef>
+      <a:fontRef idx="minor">
+        <a:schemeClr val="lt1"/>
+      </a:fontRef>
+    </dgm:style>
+  </dgm:styleLbl>
+  <dgm:styleLbl name="node4">
+    <dgm:scene3d>
+      <a:camera prst="orthographicFront"/>
+      <a:lightRig rig="threePt" dir="t"/>
+    </dgm:scene3d>
+    <dgm:sp3d/>
+    <dgm:txPr/>
+    <dgm:style>
+      <a:lnRef idx="2">
+        <a:scrgbClr r="0" g="0" b="0"/>
+      </a:lnRef>
+      <a:fillRef idx="1">
+        <a:scrgbClr r="0" g="0" b="0"/>
+      </a:fillRef>
+      <a:effectRef idx="0">
+        <a:scrgbClr r="0" g="0" b="0"/>
+      </a:effectRef>
+      <a:fontRef idx="minor">
+        <a:schemeClr val="lt1"/>
+      </a:fontRef>
+    </dgm:style>
+  </dgm:styleLbl>
+  <dgm:styleLbl name="fgImgPlace1">
+    <dgm:scene3d>
+      <a:camera prst="orthographicFront"/>
+      <a:lightRig rig="threePt" dir="t"/>
+    </dgm:scene3d>
+    <dgm:sp3d/>
+    <dgm:txPr/>
+    <dgm:style>
+      <a:lnRef idx="2">
+        <a:scrgbClr r="0" g="0" b="0"/>
+      </a:lnRef>
+      <a:fillRef idx="1">
+        <a:scrgbClr r="0" g="0" b="0"/>
+      </a:fillRef>
+      <a:effectRef idx="0">
+        <a:scrgbClr r="0" g="0" b="0"/>
+      </a:effectRef>
+      <a:fontRef idx="minor"/>
+    </dgm:style>
+  </dgm:styleLbl>
+  <dgm:styleLbl name="alignImgPlace1">
+    <dgm:scene3d>
+      <a:camera prst="orthographicFront"/>
+      <a:lightRig rig="threePt" dir="t"/>
+    </dgm:scene3d>
+    <dgm:sp3d/>
+    <dgm:txPr/>
+    <dgm:style>
+      <a:lnRef idx="2">
+        <a:scrgbClr r="0" g="0" b="0"/>
+      </a:lnRef>
+      <a:fillRef idx="1">
+        <a:scrgbClr r="0" g="0" b="0"/>
+      </a:fillRef>
+      <a:effectRef idx="0">
+        <a:scrgbClr r="0" g="0" b="0"/>
+      </a:effectRef>
+      <a:fontRef idx="minor"/>
+    </dgm:style>
+  </dgm:styleLbl>
+  <dgm:styleLbl name="bgImgPlace1">
+    <dgm:scene3d>
+      <a:camera prst="orthographicFront"/>
+      <a:lightRig rig="threePt" dir="t"/>
+    </dgm:scene3d>
+    <dgm:sp3d/>
+    <dgm:txPr/>
+    <dgm:style>
+      <a:lnRef idx="2">
+        <a:scrgbClr r="0" g="0" b="0"/>
+      </a:lnRef>
+      <a:fillRef idx="1">
+        <a:scrgbClr r="0" g="0" b="0"/>
+      </a:fillRef>
+      <a:effectRef idx="0">
+        <a:scrgbClr r="0" g="0" b="0"/>
+      </a:effectRef>
+      <a:fontRef idx="minor"/>
+    </dgm:style>
+  </dgm:styleLbl>
+  <dgm:styleLbl name="sibTrans2D1">
+    <dgm:scene3d>
+      <a:camera prst="orthographicFront"/>
+      <a:lightRig rig="threePt" dir="t"/>
+    </dgm:scene3d>
+    <dgm:sp3d/>
+    <dgm:txPr/>
+    <dgm:style>
+      <a:lnRef idx="0">
+        <a:scrgbClr r="0" g="0" b="0"/>
+      </a:lnRef>
+      <a:fillRef idx="1">
+        <a:scrgbClr r="0" g="0" b="0"/>
+      </a:fillRef>
+      <a:effectRef idx="0">
+        <a:scrgbClr r="0" g="0" b="0"/>
+      </a:effectRef>
+      <a:fontRef idx="minor">
+        <a:schemeClr val="lt1"/>
+      </a:fontRef>
+    </dgm:style>
+  </dgm:styleLbl>
+  <dgm:styleLbl name="fgSibTrans2D1">
+    <dgm:scene3d>
+      <a:camera prst="orthographicFront"/>
+      <a:lightRig rig="threePt" dir="t"/>
+    </dgm:scene3d>
+    <dgm:sp3d/>
+    <dgm:txPr/>
+    <dgm:style>
+      <a:lnRef idx="0">
+        <a:scrgbClr r="0" g="0" b="0"/>
+      </a:lnRef>
+      <a:fillRef idx="1">
+        <a:scrgbClr r="0" g="0" b="0"/>
+      </a:fillRef>
+      <a:effectRef idx="0">
+        <a:scrgbClr r="0" g="0" b="0"/>
+      </a:effectRef>
+      <a:fontRef idx="minor">
+        <a:schemeClr val="lt1"/>
+      </a:fontRef>
+    </dgm:style>
+  </dgm:styleLbl>
+  <dgm:styleLbl name="bgSibTrans2D1">
+    <dgm:scene3d>
+      <a:camera prst="orthographicFront"/>
+      <a:lightRig rig="threePt" dir="t"/>
+    </dgm:scene3d>
+    <dgm:sp3d/>
+    <dgm:txPr/>
+    <dgm:style>
+      <a:lnRef idx="0">
+        <a:scrgbClr r="0" g="0" b="0"/>
+      </a:lnRef>
+      <a:fillRef idx="1">
+        <a:scrgbClr r="0" g="0" b="0"/>
+      </a:fillRef>
+      <a:effectRef idx="0">
+        <a:scrgbClr r="0" g="0" b="0"/>
+      </a:effectRef>
+      <a:fontRef idx="minor">
+        <a:schemeClr val="lt1"/>
+      </a:fontRef>
+    </dgm:style>
+  </dgm:styleLbl>
+  <dgm:styleLbl name="sibTrans1D1">
+    <dgm:scene3d>
+      <a:camera prst="orthographicFront"/>
+      <a:lightRig rig="threePt" dir="t"/>
+    </dgm:scene3d>
+    <dgm:sp3d/>
+    <dgm:txPr/>
+    <dgm:style>
+      <a:lnRef idx="1">
+        <a:scrgbClr r="0" g="0" b="0"/>
+      </a:lnRef>
+      <a:fillRef idx="0">
+        <a:scrgbClr r="0" g="0" b="0"/>
+      </a:fillRef>
+      <a:effectRef idx="0">
+        <a:scrgbClr r="0" g="0" b="0"/>
+      </a:effectRef>
+      <a:fontRef idx="minor"/>
+    </dgm:style>
+  </dgm:styleLbl>
+  <dgm:styleLbl name="callout">
+    <dgm:scene3d>
+      <a:camera prst="orthographicFront"/>
+      <a:lightRig rig="threePt" dir="t"/>
+    </dgm:scene3d>
+    <dgm:sp3d/>
+    <dgm:txPr/>
+    <dgm:style>
+      <a:lnRef idx="2">
+        <a:scrgbClr r="0" g="0" b="0"/>
+      </a:lnRef>
+      <a:fillRef idx="1">
+        <a:scrgbClr r="0" g="0" b="0"/>
+      </a:fillRef>
+      <a:effectRef idx="0">
+        <a:scrgbClr r="0" g="0" b="0"/>
+      </a:effectRef>
+      <a:fontRef idx="minor"/>
+    </dgm:style>
+  </dgm:styleLbl>
+  <dgm:styleLbl name="asst0">
+    <dgm:scene3d>
+      <a:camera prst="orthographicFront"/>
+      <a:lightRig rig="threePt" dir="t"/>
+    </dgm:scene3d>
+    <dgm:sp3d/>
+    <dgm:txPr/>
+    <dgm:style>
+      <a:lnRef idx="2">
+        <a:scrgbClr r="0" g="0" b="0"/>
+      </a:lnRef>
+      <a:fillRef idx="1">
+        <a:scrgbClr r="0" g="0" b="0"/>
+      </a:fillRef>
+      <a:effectRef idx="0">
+        <a:scrgbClr r="0" g="0" b="0"/>
+      </a:effectRef>
+      <a:fontRef idx="minor">
+        <a:schemeClr val="lt1"/>
+      </a:fontRef>
+    </dgm:style>
+  </dgm:styleLbl>
+  <dgm:styleLbl name="asst1">
+    <dgm:scene3d>
+      <a:camera prst="orthographicFront"/>
+      <a:lightRig rig="threePt" dir="t"/>
+    </dgm:scene3d>
+    <dgm:sp3d/>
+    <dgm:txPr/>
+    <dgm:style>
+      <a:lnRef idx="2">
+        <a:scrgbClr r="0" g="0" b="0"/>
+      </a:lnRef>
+      <a:fillRef idx="1">
+        <a:scrgbClr r="0" g="0" b="0"/>
+      </a:fillRef>
+      <a:effectRef idx="0">
+        <a:scrgbClr r="0" g="0" b="0"/>
+      </a:effectRef>
+      <a:fontRef idx="minor">
+        <a:schemeClr val="lt1"/>
+      </a:fontRef>
+    </dgm:style>
+  </dgm:styleLbl>
+  <dgm:styleLbl name="asst2">
+    <dgm:scene3d>
+      <a:camera prst="orthographicFront"/>
+      <a:lightRig rig="threePt" dir="t"/>
+    </dgm:scene3d>
+    <dgm:sp3d/>
+    <dgm:txPr/>
+    <dgm:style>
+      <a:lnRef idx="2">
+        <a:scrgbClr r="0" g="0" b="0"/>
+      </a:lnRef>
+      <a:fillRef idx="1">
+        <a:scrgbClr r="0" g="0" b="0"/>
+      </a:fillRef>
+      <a:effectRef idx="0">
+        <a:scrgbClr r="0" g="0" b="0"/>
+      </a:effectRef>
+      <a:fontRef idx="minor">
+        <a:schemeClr val="lt1"/>
+      </a:fontRef>
+    </dgm:style>
+  </dgm:styleLbl>
+  <dgm:styleLbl name="asst3">
+    <dgm:scene3d>
+      <a:camera prst="orthographicFront"/>
+      <a:lightRig rig="threePt" dir="t"/>
+    </dgm:scene3d>
+    <dgm:sp3d/>
+    <dgm:txPr/>
+    <dgm:style>
+      <a:lnRef idx="2">
+        <a:scrgbClr r="0" g="0" b="0"/>
+      </a:lnRef>
+      <a:fillRef idx="1">
+        <a:scrgbClr r="0" g="0" b="0"/>
+      </a:fillRef>
+      <a:effectRef idx="0">
+        <a:scrgbClr r="0" g="0" b="0"/>
+      </a:effectRef>
+      <a:fontRef idx="minor">
+        <a:schemeClr val="lt1"/>
+      </a:fontRef>
+    </dgm:style>
+  </dgm:styleLbl>
+  <dgm:styleLbl name="asst4">
+    <dgm:scene3d>
+      <a:camera prst="orthographicFront"/>
+      <a:lightRig rig="threePt" dir="t"/>
+    </dgm:scene3d>
+    <dgm:sp3d/>
+    <dgm:txPr/>
+    <dgm:style>
+      <a:lnRef idx="2">
+        <a:scrgbClr r="0" g="0" b="0"/>
+      </a:lnRef>
+      <a:fillRef idx="1">
+        <a:scrgbClr r="0" g="0" b="0"/>
+      </a:fillRef>
+      <a:effectRef idx="0">
+        <a:scrgbClr r="0" g="0" b="0"/>
+      </a:effectRef>
+      <a:fontRef idx="minor">
+        <a:schemeClr val="lt1"/>
+      </a:fontRef>
+    </dgm:style>
+  </dgm:styleLbl>
+  <dgm:styleLbl name="parChTrans2D1">
+    <dgm:scene3d>
+      <a:camera prst="orthographicFront"/>
+      <a:lightRig rig="threePt" dir="t"/>
+    </dgm:scene3d>
+    <dgm:sp3d/>
+    <dgm:txPr/>
+    <dgm:style>
+      <a:lnRef idx="2">
+        <a:scrgbClr r="0" g="0" b="0"/>
+      </a:lnRef>
+      <a:fillRef idx="1">
+        <a:scrgbClr r="0" g="0" b="0"/>
+      </a:fillRef>
+      <a:effectRef idx="0">
+        <a:scrgbClr r="0" g="0" b="0"/>
+      </a:effectRef>
+      <a:fontRef idx="minor">
+        <a:schemeClr val="lt1"/>
+      </a:fontRef>
+    </dgm:style>
+  </dgm:styleLbl>
+  <dgm:styleLbl name="parChTrans2D2">
+    <dgm:scene3d>
+      <a:camera prst="orthographicFront"/>
+      <a:lightRig rig="threePt" dir="t"/>
+    </dgm:scene3d>
+    <dgm:sp3d/>
+    <dgm:txPr/>
+    <dgm:style>
+      <a:lnRef idx="2">
+        <a:scrgbClr r="0" g="0" b="0"/>
+      </a:lnRef>
+      <a:fillRef idx="1">
+        <a:scrgbClr r="0" g="0" b="0"/>
+      </a:fillRef>
+      <a:effectRef idx="0">
+        <a:scrgbClr r="0" g="0" b="0"/>
+      </a:effectRef>
+      <a:fontRef idx="minor">
+        <a:schemeClr val="lt1"/>
+      </a:fontRef>
+    </dgm:style>
+  </dgm:styleLbl>
+  <dgm:styleLbl name="parChTrans2D3">
+    <dgm:scene3d>
+      <a:camera prst="orthographicFront"/>
+      <a:lightRig rig="threePt" dir="t"/>
+    </dgm:scene3d>
+    <dgm:sp3d/>
+    <dgm:txPr/>
+    <dgm:style>
+      <a:lnRef idx="2">
+        <a:scrgbClr r="0" g="0" b="0"/>
+      </a:lnRef>
+      <a:fillRef idx="1">
+        <a:scrgbClr r="0" g="0" b="0"/>
+      </a:fillRef>
+      <a:effectRef idx="0">
+        <a:scrgbClr r="0" g="0" b="0"/>
+      </a:effectRef>
+      <a:fontRef idx="minor">
+        <a:schemeClr val="lt1"/>
+      </a:fontRef>
+    </dgm:style>
+  </dgm:styleLbl>
+  <dgm:styleLbl name="parChTrans2D4">
+    <dgm:scene3d>
+      <a:camera prst="orthographicFront"/>
+      <a:lightRig rig="threePt" dir="t"/>
+    </dgm:scene3d>
+    <dgm:sp3d/>
+    <dgm:txPr/>
+    <dgm:style>
+      <a:lnRef idx="2">
+        <a:scrgbClr r="0" g="0" b="0"/>
+      </a:lnRef>
+      <a:fillRef idx="1">
+        <a:scrgbClr r="0" g="0" b="0"/>
+      </a:fillRef>
+      <a:effectRef idx="0">
+        <a:scrgbClr r="0" g="0" b="0"/>
+      </a:effectRef>
+      <a:fontRef idx="minor">
+        <a:schemeClr val="lt1"/>
+      </a:fontRef>
+    </dgm:style>
+  </dgm:styleLbl>
+  <dgm:styleLbl name="parChTrans1D1">
+    <dgm:scene3d>
+      <a:camera prst="orthographicFront"/>
+      <a:lightRig rig="threePt" dir="t"/>
+    </dgm:scene3d>
+    <dgm:sp3d/>
+    <dgm:txPr/>
+    <dgm:style>
+      <a:lnRef idx="2">
+        <a:scrgbClr r="0" g="0" b="0"/>
+      </a:lnRef>
+      <a:fillRef idx="0">
+        <a:scrgbClr r="0" g="0" b="0"/>
+      </a:fillRef>
+      <a:effectRef idx="0">
+        <a:scrgbClr r="0" g="0" b="0"/>
+      </a:effectRef>
+      <a:fontRef idx="minor"/>
+    </dgm:style>
+  </dgm:styleLbl>
+  <dgm:styleLbl name="parChTrans1D2">
+    <dgm:scene3d>
+      <a:camera prst="orthographicFront"/>
+      <a:lightRig rig="threePt" dir="t"/>
+    </dgm:scene3d>
+    <dgm:sp3d/>
+    <dgm:txPr/>
+    <dgm:style>
+      <a:lnRef idx="2">
+        <a:scrgbClr r="0" g="0" b="0"/>
+      </a:lnRef>
+      <a:fillRef idx="0">
+        <a:scrgbClr r="0" g="0" b="0"/>
+      </a:fillRef>
+      <a:effectRef idx="0">
+        <a:scrgbClr r="0" g="0" b="0"/>
+      </a:effectRef>
+      <a:fontRef idx="minor"/>
+    </dgm:style>
+  </dgm:styleLbl>
+  <dgm:styleLbl name="parChTrans1D3">
+    <dgm:scene3d>
+      <a:camera prst="orthographicFront"/>
+      <a:lightRig rig="threePt" dir="t"/>
+    </dgm:scene3d>
+    <dgm:sp3d/>
+    <dgm:txPr/>
+    <dgm:style>
+      <a:lnRef idx="2">
+        <a:scrgbClr r="0" g="0" b="0"/>
+      </a:lnRef>
+      <a:fillRef idx="0">
+        <a:scrgbClr r="0" g="0" b="0"/>
+      </a:fillRef>
+      <a:effectRef idx="0">
+        <a:scrgbClr r="0" g="0" b="0"/>
+      </a:effectRef>
+      <a:fontRef idx="minor"/>
+    </dgm:style>
+  </dgm:styleLbl>
+  <dgm:styleLbl name="parChTrans1D4">
+    <dgm:scene3d>
+      <a:camera prst="orthographicFront"/>
+      <a:lightRig rig="threePt" dir="t"/>
+    </dgm:scene3d>
+    <dgm:sp3d/>
+    <dgm:txPr/>
+    <dgm:style>
+      <a:lnRef idx="2">
+        <a:scrgbClr r="0" g="0" b="0"/>
+      </a:lnRef>
+      <a:fillRef idx="0">
+        <a:scrgbClr r="0" g="0" b="0"/>
+      </a:fillRef>
+      <a:effectRef idx="0">
+        <a:scrgbClr r="0" g="0" b="0"/>
+      </a:effectRef>
+      <a:fontRef idx="minor"/>
+    </dgm:style>
+  </dgm:styleLbl>
+  <dgm:styleLbl name="fgAcc1">
+    <dgm:scene3d>
+      <a:camera prst="orthographicFront"/>
+      <a:lightRig rig="threePt" dir="t"/>
+    </dgm:scene3d>
+    <dgm:sp3d/>
+    <dgm:txPr/>
+    <dgm:style>
+      <a:lnRef idx="2">
+        <a:scrgbClr r="0" g="0" b="0"/>
+      </a:lnRef>
+      <a:fillRef idx="1">
+        <a:scrgbClr r="0" g="0" b="0"/>
+      </a:fillRef>
+      <a:effectRef idx="0">
+        <a:scrgbClr r="0" g="0" b="0"/>
+      </a:effectRef>
+      <a:fontRef idx="minor"/>
+    </dgm:style>
+  </dgm:styleLbl>
+  <dgm:styleLbl name="conFgAcc1">
+    <dgm:scene3d>
+      <a:camera prst="orthographicFront"/>
+      <a:lightRig rig="threePt" dir="t"/>
+    </dgm:scene3d>
+    <dgm:sp3d/>
+    <dgm:txPr/>
+    <dgm:style>
+      <a:lnRef idx="2">
+        <a:scrgbClr r="0" g="0" b="0"/>
+      </a:lnRef>
+      <a:fillRef idx="1">
+        <a:scrgbClr r="0" g="0" b="0"/>
+      </a:fillRef>
+      <a:effectRef idx="0">
+        <a:scrgbClr r="0" g="0" b="0"/>
+      </a:effectRef>
+      <a:fontRef idx="minor"/>
+    </dgm:style>
+  </dgm:styleLbl>
+  <dgm:styleLbl name="alignAcc1">
+    <dgm:scene3d>
+      <a:camera prst="orthographicFront"/>
+      <a:lightRig rig="threePt" dir="t"/>
+    </dgm:scene3d>
+    <dgm:sp3d/>
+    <dgm:txPr/>
+    <dgm:style>
+      <a:lnRef idx="2">
+        <a:scrgbClr r="0" g="0" b="0"/>
+      </a:lnRef>
+      <a:fillRef idx="1">
+        <a:scrgbClr r="0" g="0" b="0"/>
+      </a:fillRef>
+      <a:effectRef idx="0">
+        <a:scrgbClr r="0" g="0" b="0"/>
+      </a:effectRef>
+      <a:fontRef idx="minor"/>
+    </dgm:style>
+  </dgm:styleLbl>
+  <dgm:styleLbl name="trAlignAcc1">
+    <dgm:scene3d>
+      <a:camera prst="orthographicFront"/>
+      <a:lightRig rig="threePt" dir="t"/>
+    </dgm:scene3d>
+    <dgm:sp3d/>
+    <dgm:txPr/>
+    <dgm:style>
+      <a:lnRef idx="1">
+        <a:scrgbClr r="0" g="0" b="0"/>
+      </a:lnRef>
+      <a:fillRef idx="1">
+        <a:scrgbClr r="0" g="0" b="0"/>
+      </a:fillRef>
+      <a:effectRef idx="0">
+        <a:scrgbClr r="0" g="0" b="0"/>
+      </a:effectRef>
+      <a:fontRef idx="minor"/>
+    </dgm:style>
+  </dgm:styleLbl>
+  <dgm:styleLbl name="bgAcc1">
+    <dgm:scene3d>
+      <a:camera prst="orthographicFront"/>
+      <a:lightRig rig="threePt" dir="t"/>
+    </dgm:scene3d>
+    <dgm:sp3d/>
+    <dgm:txPr/>
+    <dgm:style>
+      <a:lnRef idx="2">
+        <a:scrgbClr r="0" g="0" b="0"/>
+      </a:lnRef>
+      <a:fillRef idx="1">
+        <a:scrgbClr r="0" g="0" b="0"/>
+      </a:fillRef>
+      <a:effectRef idx="0">
+        <a:scrgbClr r="0" g="0" b="0"/>
+      </a:effectRef>
+      <a:fontRef idx="minor"/>
+    </dgm:style>
+  </dgm:styleLbl>
+  <dgm:styleLbl name="solidFgAcc1">
+    <dgm:scene3d>
+      <a:camera prst="orthographicFront"/>
+      <a:lightRig rig="threePt" dir="t"/>
+    </dgm:scene3d>
+    <dgm:sp3d/>
+    <dgm:txPr/>
+    <dgm:style>
+      <a:lnRef idx="2">
+        <a:scrgbClr r="0" g="0" b="0"/>
+      </a:lnRef>
+      <a:fillRef idx="1">
+        <a:scrgbClr r="0" g="0" b="0"/>
+      </a:fillRef>
+      <a:effectRef idx="0">
+        <a:scrgbClr r="0" g="0" b="0"/>
+      </a:effectRef>
+      <a:fontRef idx="minor"/>
+    </dgm:style>
+  </dgm:styleLbl>
+  <dgm:styleLbl name="solidAlignAcc1">
+    <dgm:scene3d>
+      <a:camera prst="orthographicFront"/>
+      <a:lightRig rig="threePt" dir="t"/>
+    </dgm:scene3d>
+    <dgm:sp3d/>
+    <dgm:txPr/>
+    <dgm:style>
+      <a:lnRef idx="2">
+        <a:scrgbClr r="0" g="0" b="0"/>
+      </a:lnRef>
+      <a:fillRef idx="1">
+        <a:scrgbClr r="0" g="0" b="0"/>
+      </a:fillRef>
+      <a:effectRef idx="0">
+        <a:scrgbClr r="0" g="0" b="0"/>
+      </a:effectRef>
+      <a:fontRef idx="minor"/>
+    </dgm:style>
+  </dgm:styleLbl>
+  <dgm:styleLbl name="solidBgAcc1">
+    <dgm:scene3d>
+      <a:camera prst="orthographicFront"/>
+      <a:lightRig rig="threePt" dir="t"/>
+    </dgm:scene3d>
+    <dgm:sp3d/>
+    <dgm:txPr/>
+    <dgm:style>
+      <a:lnRef idx="2">
+        <a:scrgbClr r="0" g="0" b="0"/>
+      </a:lnRef>
+      <a:fillRef idx="1">
+        <a:scrgbClr r="0" g="0" b="0"/>
+      </a:fillRef>
+      <a:effectRef idx="0">
+        <a:scrgbClr r="0" g="0" b="0"/>
+      </a:effectRef>
+      <a:fontRef idx="minor"/>
+    </dgm:style>
+  </dgm:styleLbl>
+  <dgm:styleLbl name="fgAccFollowNode1">
+    <dgm:scene3d>
+      <a:camera prst="orthographicFront"/>
+      <a:lightRig rig="threePt" dir="t"/>
+    </dgm:scene3d>
+    <dgm:sp3d/>
+    <dgm:txPr/>
+    <dgm:style>
+      <a:lnRef idx="2">
+        <a:scrgbClr r="0" g="0" b="0"/>
+      </a:lnRef>
+      <a:fillRef idx="1">
+        <a:scrgbClr r="0" g="0" b="0"/>
+      </a:fillRef>
+      <a:effectRef idx="0">
+        <a:scrgbClr r="0" g="0" b="0"/>
+      </a:effectRef>
+      <a:fontRef idx="minor"/>
+    </dgm:style>
+  </dgm:styleLbl>
+  <dgm:styleLbl name="alignAccFollowNode1">
+    <dgm:scene3d>
+      <a:camera prst="orthographicFront"/>
+      <a:lightRig rig="threePt" dir="t"/>
+    </dgm:scene3d>
+    <dgm:sp3d/>
+    <dgm:txPr/>
+    <dgm:style>
+      <a:lnRef idx="2">
+        <a:scrgbClr r="0" g="0" b="0"/>
+      </a:lnRef>
+      <a:fillRef idx="1">
+        <a:scrgbClr r="0" g="0" b="0"/>
+      </a:fillRef>
+      <a:effectRef idx="0">
+        <a:scrgbClr r="0" g="0" b="0"/>
+      </a:effectRef>
+      <a:fontRef idx="minor"/>
+    </dgm:style>
+  </dgm:styleLbl>
+  <dgm:styleLbl name="bgAccFollowNode1">
+    <dgm:scene3d>
+      <a:camera prst="orthographicFront"/>
+      <a:lightRig rig="threePt" dir="t"/>
+    </dgm:scene3d>
+    <dgm:sp3d/>
+    <dgm:txPr/>
+    <dgm:style>
+      <a:lnRef idx="2">
+        <a:scrgbClr r="0" g="0" b="0"/>
+      </a:lnRef>
+      <a:fillRef idx="1">
+        <a:scrgbClr r="0" g="0" b="0"/>
+      </a:fillRef>
+      <a:effectRef idx="0">
+        <a:scrgbClr r="0" g="0" b="0"/>
+      </a:effectRef>
+      <a:fontRef idx="minor"/>
+    </dgm:style>
+  </dgm:styleLbl>
+  <dgm:styleLbl name="fgAcc0">
+    <dgm:scene3d>
+      <a:camera prst="orthographicFront"/>
+      <a:lightRig rig="threePt" dir="t"/>
+    </dgm:scene3d>
+    <dgm:sp3d/>
+    <dgm:txPr/>
+    <dgm:style>
+      <a:lnRef idx="2">
+        <a:scrgbClr r="0" g="0" b="0"/>
+      </a:lnRef>
+      <a:fillRef idx="1">
+        <a:scrgbClr r="0" g="0" b="0"/>
+      </a:fillRef>
+      <a:effectRef idx="0">
+        <a:scrgbClr r="0" g="0" b="0"/>
+      </a:effectRef>
+      <a:fontRef idx="minor"/>
+    </dgm:style>
+  </dgm:styleLbl>
+  <dgm:styleLbl name="fgAcc2">
+    <dgm:scene3d>
+      <a:camera prst="orthographicFront"/>
+      <a:lightRig rig="threePt" dir="t"/>
+    </dgm:scene3d>
+    <dgm:sp3d/>
+    <dgm:txPr/>
+    <dgm:style>
+      <a:lnRef idx="2">
+        <a:scrgbClr r="0" g="0" b="0"/>
+      </a:lnRef>
+      <a:fillRef idx="1">
+        <a:scrgbClr r="0" g="0" b="0"/>
+      </a:fillRef>
+      <a:effectRef idx="0">
+        <a:scrgbClr r="0" g="0" b="0"/>
+      </a:effectRef>
+      <a:fontRef idx="minor"/>
+    </dgm:style>
+  </dgm:styleLbl>
+  <dgm:styleLbl name="fgAcc3">
+    <dgm:scene3d>
+      <a:camera prst="orthographicFront"/>
+      <a:lightRig rig="threePt" dir="t"/>
+    </dgm:scene3d>
+    <dgm:sp3d/>
+    <dgm:txPr/>
+    <dgm:style>
+      <a:lnRef idx="2">
+        <a:scrgbClr r="0" g="0" b="0"/>
+      </a:lnRef>
+      <a:fillRef idx="1">
+        <a:scrgbClr r="0" g="0" b="0"/>
+      </a:fillRef>
+      <a:effectRef idx="0">
+        <a:scrgbClr r="0" g="0" b="0"/>
+      </a:effectRef>
+      <a:fontRef idx="minor"/>
+    </dgm:style>
+  </dgm:styleLbl>
+  <dgm:styleLbl name="fgAcc4">
+    <dgm:scene3d>
+      <a:camera prst="orthographicFront"/>
+      <a:lightRig rig="threePt" dir="t"/>
+    </dgm:scene3d>
+    <dgm:sp3d/>
+    <dgm:txPr/>
+    <dgm:style>
+      <a:lnRef idx="2">
+        <a:scrgbClr r="0" g="0" b="0"/>
+      </a:lnRef>
+      <a:fillRef idx="1">
+        <a:scrgbClr r="0" g="0" b="0"/>
+      </a:fillRef>
+      <a:effectRef idx="0">
+        <a:scrgbClr r="0" g="0" b="0"/>
+      </a:effectRef>
+      <a:fontRef idx="minor"/>
+    </dgm:style>
+  </dgm:styleLbl>
+  <dgm:styleLbl name="bgShp">
+    <dgm:scene3d>
+      <a:camera prst="orthographicFront"/>
+      <a:lightRig rig="threePt" dir="t"/>
+    </dgm:scene3d>
+    <dgm:sp3d/>
+    <dgm:txPr/>
+    <dgm:style>
+      <a:lnRef idx="0">
+        <a:scrgbClr r="0" g="0" b="0"/>
+      </a:lnRef>
+      <a:fillRef idx="1">
+        <a:scrgbClr r="0" g="0" b="0"/>
+      </a:fillRef>
+      <a:effectRef idx="0">
+        <a:scrgbClr r="0" g="0" b="0"/>
+      </a:effectRef>
+      <a:fontRef idx="minor"/>
+    </dgm:style>
+  </dgm:styleLbl>
+  <dgm:styleLbl name="dkBgShp">
+    <dgm:scene3d>
+      <a:camera prst="orthographicFront"/>
+      <a:lightRig rig="threePt" dir="t"/>
+    </dgm:scene3d>
+    <dgm:sp3d/>
+    <dgm:txPr/>
+    <dgm:style>
+      <a:lnRef idx="0">
+        <a:scrgbClr r="0" g="0" b="0"/>
+      </a:lnRef>
+      <a:fillRef idx="1">
+        <a:scrgbClr r="0" g="0" b="0"/>
+      </a:fillRef>
+      <a:effectRef idx="0">
+        <a:scrgbClr r="0" g="0" b="0"/>
+      </a:effectRef>
+      <a:fontRef idx="minor"/>
+    </dgm:style>
+  </dgm:styleLbl>
+  <dgm:styleLbl name="trBgShp">
+    <dgm:scene3d>
+      <a:camera prst="orthographicFront"/>
+      <a:lightRig rig="threePt" dir="t"/>
+    </dgm:scene3d>
+    <dgm:sp3d/>
+    <dgm:txPr/>
+    <dgm:style>
+      <a:lnRef idx="0">
+        <a:scrgbClr r="0" g="0" b="0"/>
+      </a:lnRef>
+      <a:fillRef idx="1">
+        <a:scrgbClr r="0" g="0" b="0"/>
+      </a:fillRef>
+      <a:effectRef idx="0">
+        <a:scrgbClr r="0" g="0" b="0"/>
+      </a:effectRef>
+      <a:fontRef idx="minor"/>
+    </dgm:style>
+  </dgm:styleLbl>
+  <dgm:styleLbl name="fgShp">
+    <dgm:scene3d>
+      <a:camera prst="orthographicFront"/>
+      <a:lightRig rig="threePt" dir="t"/>
+    </dgm:scene3d>
+    <dgm:sp3d/>
+    <dgm:txPr/>
+    <dgm:style>
+      <a:lnRef idx="2">
+        <a:scrgbClr r="0" g="0" b="0"/>
+      </a:lnRef>
+      <a:fillRef idx="1">
+        <a:scrgbClr r="0" g="0" b="0"/>
+      </a:fillRef>
+      <a:effectRef idx="0">
+        <a:scrgbClr r="0" g="0" b="0"/>
+      </a:effectRef>
+      <a:fontRef idx="minor"/>
+    </dgm:style>
+  </dgm:styleLbl>
+  <dgm:styleLbl name="revTx">
+    <dgm:scene3d>
+      <a:camera prst="orthographicFront"/>
+      <a:lightRig rig="threePt" dir="t"/>
+    </dgm:scene3d>
+    <dgm:sp3d/>
+    <dgm:txPr/>
+    <dgm:style>
+      <a:lnRef idx="0">
+        <a:scrgbClr r="0" g="0" b="0"/>
+      </a:lnRef>
+      <a:fillRef idx="0">
+        <a:scrgbClr r="0" g="0" b="0"/>
+      </a:fillRef>
+      <a:effectRef idx="0">
+        <a:scrgbClr r="0" g="0" b="0"/>
+      </a:effectRef>
+      <a:fontRef idx="minor"/>
+    </dgm:style>
+  </dgm:styleLbl>
+</dgm:styleDef>
+</file>
+
 <file path=ppt/handoutMasters/handoutMaster1.xml><?xml version="1.0" encoding="utf-8"?>
 <p:handoutMaster xmlns:a="http://schemas.openxmlformats.org/drawingml/2006/main" xmlns:r="http://schemas.openxmlformats.org/officeDocument/2006/relationships" xmlns:p="http://schemas.openxmlformats.org/presentationml/2006/main">
   <p:cSld>
@@ -3586,17 +7046,42 @@
           <a:p>
             <a:r>
               <a:rPr lang="fr-FR" dirty="0" smtClean="0"/>
-              <a:t>presque 7 ans chez Scalian</a:t>
-            </a:r>
-          </a:p>
-          <a:p>
+              <a:t>presque 8 ans chez Scalian</a:t>
+            </a:r>
+          </a:p>
+          <a:p>
+            <a:pPr marL="0" marR="0" lvl="0" indent="0" algn="l" defTabSz="713232" rtl="0" eaLnBrk="1" fontAlgn="auto" latinLnBrk="0" hangingPunct="1">
+              <a:lnSpc>
+                <a:spcPct val="100000"/>
+              </a:lnSpc>
+              <a:spcBef>
+                <a:spcPts val="0"/>
+              </a:spcBef>
+              <a:spcAft>
+                <a:spcPts val="0"/>
+              </a:spcAft>
+              <a:buClrTx/>
+              <a:buSzTx/>
+              <a:buFontTx/>
+              <a:buNone/>
+              <a:tabLst/>
+              <a:defRPr/>
+            </a:pPr>
             <a:r>
               <a:rPr lang="fr-FR" dirty="0" smtClean="0"/>
-              <a:t>Mi-dev mi-responsable</a:t>
+              <a:t>Mi-dev </a:t>
+            </a:r>
+            <a:r>
+              <a:rPr lang="fr-FR" dirty="0" err="1" smtClean="0"/>
+              <a:t>mi-responsable</a:t>
             </a:r>
             <a:r>
               <a:rPr lang="fr-FR" baseline="0" dirty="0" smtClean="0"/>
-              <a:t> technique</a:t>
+              <a:t> technique </a:t>
+            </a:r>
+            <a:r>
+              <a:rPr lang="fr-FR" baseline="0" dirty="0" err="1" smtClean="0"/>
+              <a:t>mi-CDP</a:t>
             </a:r>
             <a:r>
               <a:rPr lang="fr-FR" dirty="0" smtClean="0"/>
@@ -3611,7 +7096,7 @@
             </a:r>
             <a:r>
               <a:rPr lang="fr-FR" baseline="0" dirty="0" smtClean="0"/>
-              <a:t> dev C++/Qt sur plein de projets touchant de près où de loin la simulation radar (DADN, MOCEM, Prorasem, Clacimar et COMRAREM)</a:t>
+              <a:t> dev C++/Qt sur plein de projets touchant de près où de loin la simulation radar (DADN, MOCEM, Prorasem, Clacimar et COMAREM)</a:t>
             </a:r>
             <a:br>
               <a:rPr lang="fr-FR" baseline="0" dirty="0" smtClean="0"/>
@@ -3625,28 +7110,123 @@
             </a:br>
             <a:r>
               <a:rPr lang="fr-FR" baseline="0" dirty="0" smtClean="0"/>
-              <a:t>pourquoi là ? Pas de formation de HPC mais de math appli, j’ai appris au fil des projets</a:t>
+              <a:t>pourquoi là ? Formation mathématiques. j’ai appris le </a:t>
+            </a:r>
+            <a:r>
+              <a:rPr lang="fr-FR" baseline="0" dirty="0" err="1" smtClean="0"/>
+              <a:t>dev</a:t>
+            </a:r>
+            <a:r>
+              <a:rPr lang="fr-FR" baseline="0" dirty="0" smtClean="0"/>
+              <a:t> au fil des projets</a:t>
             </a:r>
             <a:br>
               <a:rPr lang="fr-FR" baseline="0" dirty="0" smtClean="0"/>
             </a:br>
             <a:r>
               <a:rPr lang="fr-FR" baseline="0" dirty="0" smtClean="0"/>
-              <a:t>- Prorasem, affichage temps réel d’un vue de propagation radar. Portage matlab -&gt; CUDA *20/30</a:t>
-            </a:r>
-            <a:br>
+              <a:t>- SESUC : contexte linux </a:t>
+            </a:r>
+            <a:r>
+              <a:rPr lang="fr-FR" baseline="0" dirty="0" err="1" smtClean="0"/>
+              <a:t>gcc</a:t>
+            </a:r>
+            <a:r>
               <a:rPr lang="fr-FR" baseline="0" dirty="0" smtClean="0"/>
-            </a:br>
+              <a:t>, optimisation</a:t>
+            </a:r>
+          </a:p>
+          <a:p>
+            <a:pPr marL="0" indent="0">
+              <a:buFontTx/>
+              <a:buNone/>
+            </a:pPr>
             <a:r>
               <a:rPr lang="fr-FR" baseline="0" dirty="0" smtClean="0"/>
-              <a:t>- SESUC : optimisation d’une chaine de simulation de crise nucléaire. C++ vers C++ ou python sans changer la plateforme. Pareil * 20 </a:t>
-            </a:r>
-          </a:p>
-          <a:p>
+              <a:t>- COMAREM : </a:t>
+            </a:r>
+            <a:r>
+              <a:rPr lang="fr-FR" baseline="0" dirty="0" err="1" smtClean="0"/>
+              <a:t>visual</a:t>
+            </a:r>
             <a:r>
               <a:rPr lang="fr-FR" baseline="0" dirty="0" smtClean="0"/>
-              <a:t>- COMAREM : ombrage d’une très grande scène 3D (plusieurs 10.000 de km²) à haute fréquence</a:t>
-            </a:r>
+              <a:t>, </a:t>
+            </a:r>
+            <a:r>
+              <a:rPr lang="fr-FR" baseline="0" dirty="0" err="1" smtClean="0"/>
+              <a:t>qmake</a:t>
+            </a:r>
+            <a:r>
+              <a:rPr lang="fr-FR" baseline="0" dirty="0" smtClean="0"/>
+              <a:t>, (</a:t>
+            </a:r>
+            <a:r>
+              <a:rPr lang="fr-FR" baseline="0" dirty="0" err="1" smtClean="0"/>
+              <a:t>scriptbox</a:t>
+            </a:r>
+            <a:r>
+              <a:rPr lang="fr-FR" baseline="0" dirty="0" smtClean="0"/>
+              <a:t>) ombrage d’une très grande scène 3D (plusieurs 10.000 de km²) à haute fréquence</a:t>
+            </a:r>
+          </a:p>
+          <a:p>
+            <a:pPr marL="0" marR="0" lvl="0" indent="0" algn="l" defTabSz="713232" rtl="0" eaLnBrk="1" fontAlgn="auto" latinLnBrk="0" hangingPunct="1">
+              <a:lnSpc>
+                <a:spcPct val="100000"/>
+              </a:lnSpc>
+              <a:spcBef>
+                <a:spcPts val="0"/>
+              </a:spcBef>
+              <a:spcAft>
+                <a:spcPts val="0"/>
+              </a:spcAft>
+              <a:buClrTx/>
+              <a:buSzTx/>
+              <a:buFontTx/>
+              <a:buNone/>
+              <a:tabLst/>
+              <a:defRPr/>
+            </a:pPr>
+            <a:r>
+              <a:rPr lang="fr-FR" baseline="0" dirty="0" smtClean="0"/>
+              <a:t>- </a:t>
+            </a:r>
+            <a:r>
+              <a:rPr lang="fr-FR" baseline="0" dirty="0" err="1" smtClean="0"/>
+              <a:t>Opesim</a:t>
+            </a:r>
+            <a:r>
+              <a:rPr lang="fr-FR" baseline="0" dirty="0" smtClean="0"/>
+              <a:t> : Duel AD navire, </a:t>
+            </a:r>
+            <a:r>
+              <a:rPr lang="fr-FR" baseline="0" dirty="0" err="1" smtClean="0"/>
+              <a:t>Prorasem</a:t>
+            </a:r>
+            <a:r>
+              <a:rPr lang="fr-FR" baseline="0" dirty="0" smtClean="0"/>
+              <a:t>, </a:t>
+            </a:r>
+            <a:r>
+              <a:rPr lang="fr-FR" baseline="0" dirty="0" err="1" smtClean="0"/>
+              <a:t>coconut</a:t>
+            </a:r>
+            <a:r>
+              <a:rPr lang="fr-FR" baseline="0" dirty="0" smtClean="0"/>
+              <a:t>, </a:t>
+            </a:r>
+            <a:r>
+              <a:rPr lang="fr-FR" baseline="0" dirty="0" err="1" smtClean="0"/>
+              <a:t>imotep</a:t>
+            </a:r>
+            <a:endParaRPr lang="fr-FR" baseline="0" dirty="0" smtClean="0"/>
+          </a:p>
+          <a:p>
+            <a:pPr marL="171450" indent="-171450">
+              <a:buFontTx/>
+              <a:buChar char="-"/>
+            </a:pPr>
             <a:endParaRPr lang="fr-FR" dirty="0"/>
           </a:p>
         </p:txBody>
@@ -3689,6 +7269,125 @@
 </file>
 
 <file path=ppt/notesSlides/notesSlide3.xml><?xml version="1.0" encoding="utf-8"?>
+<p:notes xmlns:a="http://schemas.openxmlformats.org/drawingml/2006/main" xmlns:r="http://schemas.openxmlformats.org/officeDocument/2006/relationships" xmlns:p="http://schemas.openxmlformats.org/presentationml/2006/main">
+  <p:cSld>
+    <p:spTree>
+      <p:nvGrpSpPr>
+        <p:cNvPr id="1" name=""/>
+        <p:cNvGrpSpPr/>
+        <p:nvPr/>
+      </p:nvGrpSpPr>
+      <p:grpSpPr>
+        <a:xfrm>
+          <a:off x="0" y="0"/>
+          <a:ext cx="0" cy="0"/>
+          <a:chOff x="0" y="0"/>
+          <a:chExt cx="0" cy="0"/>
+        </a:xfrm>
+      </p:grpSpPr>
+      <p:sp>
+        <p:nvSpPr>
+          <p:cNvPr id="2" name="Espace réservé de l'image des diapositives 1"/>
+          <p:cNvSpPr>
+            <a:spLocks noGrp="1" noRot="1" noChangeAspect="1"/>
+          </p:cNvSpPr>
+          <p:nvPr>
+            <p:ph type="sldImg"/>
+          </p:nvPr>
+        </p:nvSpPr>
+        <p:spPr/>
+      </p:sp>
+      <p:sp>
+        <p:nvSpPr>
+          <p:cNvPr id="3" name="Espace réservé des notes 2"/>
+          <p:cNvSpPr>
+            <a:spLocks noGrp="1"/>
+          </p:cNvSpPr>
+          <p:nvPr>
+            <p:ph type="body" idx="1"/>
+          </p:nvPr>
+        </p:nvSpPr>
+        <p:spPr/>
+        <p:txBody>
+          <a:bodyPr/>
+          <a:lstStyle/>
+          <a:p>
+            <a:r>
+              <a:rPr lang="fr-FR" dirty="0" smtClean="0"/>
+              <a:t>Note</a:t>
+            </a:r>
+            <a:r>
+              <a:rPr lang="fr-FR" baseline="0" dirty="0" smtClean="0"/>
+              <a:t> sur le contenu</a:t>
+            </a:r>
+          </a:p>
+          <a:p>
+            <a:r>
+              <a:rPr lang="fr-FR" baseline="0" dirty="0" smtClean="0"/>
+              <a:t>Vous avez des niveaux qui ne sont pas forcément les mêmes.</a:t>
+            </a:r>
+          </a:p>
+          <a:p>
+            <a:r>
+              <a:rPr lang="fr-FR" baseline="0" dirty="0" smtClean="0"/>
+              <a:t>Certaines choses seront nouvelles pour certains, des rappels pour d’autres.</a:t>
+            </a:r>
+          </a:p>
+          <a:p>
+            <a:r>
+              <a:rPr lang="fr-FR" baseline="0" dirty="0" smtClean="0"/>
+              <a:t>Tout le monde apprendra </a:t>
+            </a:r>
+            <a:r>
+              <a:rPr lang="fr-FR" baseline="0" dirty="0" err="1" smtClean="0"/>
+              <a:t>quelquechose</a:t>
+            </a:r>
+            <a:r>
+              <a:rPr lang="fr-FR" baseline="0" smtClean="0"/>
+              <a:t>.</a:t>
+            </a:r>
+            <a:endParaRPr lang="fr-FR" dirty="0"/>
+          </a:p>
+        </p:txBody>
+      </p:sp>
+      <p:sp>
+        <p:nvSpPr>
+          <p:cNvPr id="4" name="Espace réservé du numéro de diapositive 3"/>
+          <p:cNvSpPr>
+            <a:spLocks noGrp="1"/>
+          </p:cNvSpPr>
+          <p:nvPr>
+            <p:ph type="sldNum" sz="quarter" idx="10"/>
+          </p:nvPr>
+        </p:nvSpPr>
+        <p:spPr/>
+        <p:txBody>
+          <a:bodyPr/>
+          <a:lstStyle/>
+          <a:p>
+            <a:pPr rtl="0"/>
+            <a:fld id="{C6B3AB32-59DF-41F1-9618-EDFBF5049629}" type="slidenum">
+              <a:rPr lang="fr-FR" noProof="0" smtClean="0"/>
+              <a:t>8</a:t>
+            </a:fld>
+            <a:endParaRPr lang="fr-FR" noProof="0" dirty="0"/>
+          </a:p>
+        </p:txBody>
+      </p:sp>
+    </p:spTree>
+    <p:extLst>
+      <p:ext uri="{BB962C8B-B14F-4D97-AF65-F5344CB8AC3E}">
+        <p14:creationId xmlns:p14="http://schemas.microsoft.com/office/powerpoint/2010/main" val="3129464279"/>
+      </p:ext>
+    </p:extLst>
+  </p:cSld>
+  <p:clrMapOvr>
+    <a:masterClrMapping/>
+  </p:clrMapOvr>
+</p:notes>
+</file>
+
+<file path=ppt/notesSlides/notesSlide4.xml><?xml version="1.0" encoding="utf-8"?>
 <p:notes xmlns:a="http://schemas.openxmlformats.org/drawingml/2006/main" xmlns:r="http://schemas.openxmlformats.org/officeDocument/2006/relationships" xmlns:p="http://schemas.openxmlformats.org/presentationml/2006/main">
   <p:cSld>
     <p:spTree>
@@ -3760,7 +7459,7 @@
             <a:pPr rtl="0"/>
             <a:fld id="{C6B3AB32-59DF-41F1-9618-EDFBF5049629}" type="slidenum">
               <a:rPr lang="fr-FR" smtClean="0"/>
-              <a:t>9</a:t>
+              <a:t>10</a:t>
             </a:fld>
             <a:endParaRPr lang="fr-FR" dirty="0"/>
           </a:p>
@@ -7795,6 +11494,211 @@
 </p:sld>
 </file>
 
+<file path=ppt/slides/slide10.xml><?xml version="1.0" encoding="utf-8"?>
+<p:sld xmlns:a="http://schemas.openxmlformats.org/drawingml/2006/main" xmlns:r="http://schemas.openxmlformats.org/officeDocument/2006/relationships" xmlns:p="http://schemas.openxmlformats.org/presentationml/2006/main">
+  <p:cSld>
+    <p:spTree>
+      <p:nvGrpSpPr>
+        <p:cNvPr id="1" name=""/>
+        <p:cNvGrpSpPr/>
+        <p:nvPr/>
+      </p:nvGrpSpPr>
+      <p:grpSpPr>
+        <a:xfrm>
+          <a:off x="0" y="0"/>
+          <a:ext cx="0" cy="0"/>
+          <a:chOff x="0" y="0"/>
+          <a:chExt cx="0" cy="0"/>
+        </a:xfrm>
+      </p:grpSpPr>
+      <p:pic>
+        <p:nvPicPr>
+          <p:cNvPr id="6" name="Image 5"/>
+          <p:cNvPicPr>
+            <a:picLocks noChangeAspect="1"/>
+          </p:cNvPicPr>
+          <p:nvPr/>
+        </p:nvPicPr>
+        <p:blipFill>
+          <a:blip r:embed="rId3">
+            <a:extLst>
+              <a:ext uri="{28A0092B-C50C-407E-A947-70E740481C1C}">
+                <a14:useLocalDpi xmlns:a14="http://schemas.microsoft.com/office/drawing/2010/main" val="0"/>
+              </a:ext>
+            </a:extLst>
+          </a:blip>
+          <a:stretch>
+            <a:fillRect/>
+          </a:stretch>
+        </p:blipFill>
+        <p:spPr>
+          <a:xfrm>
+            <a:off x="0" y="0"/>
+            <a:ext cx="9144000" cy="5715000"/>
+          </a:xfrm>
+          <a:prstGeom prst="rect">
+            <a:avLst/>
+          </a:prstGeom>
+        </p:spPr>
+      </p:pic>
+      <p:sp>
+        <p:nvSpPr>
+          <p:cNvPr id="4" name="Rectangle 3"/>
+          <p:cNvSpPr/>
+          <p:nvPr/>
+        </p:nvSpPr>
+        <p:spPr>
+          <a:xfrm>
+            <a:off x="435893" y="4322369"/>
+            <a:ext cx="8392798" cy="1166649"/>
+          </a:xfrm>
+          <a:prstGeom prst="rect">
+            <a:avLst/>
+          </a:prstGeom>
+        </p:spPr>
+        <p:style>
+          <a:lnRef idx="2">
+            <a:schemeClr val="accent1">
+              <a:shade val="50000"/>
+            </a:schemeClr>
+          </a:lnRef>
+          <a:fillRef idx="1">
+            <a:schemeClr val="accent1"/>
+          </a:fillRef>
+          <a:effectRef idx="0">
+            <a:schemeClr val="accent1"/>
+          </a:effectRef>
+          <a:fontRef idx="minor">
+            <a:schemeClr val="lt1"/>
+          </a:fontRef>
+        </p:style>
+        <p:txBody>
+          <a:bodyPr rtlCol="0" anchor="ctr"/>
+          <a:lstStyle/>
+          <a:p>
+            <a:pPr algn="ctr"/>
+            <a:endParaRPr lang="fr-FR" dirty="0"/>
+          </a:p>
+        </p:txBody>
+      </p:sp>
+      <p:sp>
+        <p:nvSpPr>
+          <p:cNvPr id="2" name="Titre 1">
+            <a:extLst>
+              <a:ext uri="{FF2B5EF4-FFF2-40B4-BE49-F238E27FC236}">
+                <a16:creationId xmlns:a16="http://schemas.microsoft.com/office/drawing/2014/main" id="{C02C5318-1A1E-49D0-B2E2-A4B0FA9E8A40}"/>
+              </a:ext>
+            </a:extLst>
+          </p:cNvPr>
+          <p:cNvSpPr>
+            <a:spLocks noGrp="1"/>
+          </p:cNvSpPr>
+          <p:nvPr>
+            <p:ph type="ctrTitle"/>
+          </p:nvPr>
+        </p:nvSpPr>
+        <p:spPr>
+          <a:xfrm>
+            <a:off x="435894" y="4347144"/>
+            <a:ext cx="8245162" cy="671433"/>
+          </a:xfrm>
+        </p:spPr>
+        <p:txBody>
+          <a:bodyPr rtlCol="0">
+            <a:noAutofit/>
+          </a:bodyPr>
+          <a:lstStyle/>
+          <a:p>
+            <a:pPr algn="r" rtl="0"/>
+            <a:r>
+              <a:rPr lang="fr-FR" sz="3150" dirty="0" smtClean="0">
+                <a:solidFill>
+                  <a:schemeClr val="bg1"/>
+                </a:solidFill>
+              </a:rPr>
+              <a:t>Prêts ?</a:t>
+            </a:r>
+            <a:endParaRPr lang="fr-FR" sz="3150" dirty="0">
+              <a:solidFill>
+                <a:schemeClr val="bg1"/>
+              </a:solidFill>
+            </a:endParaRPr>
+          </a:p>
+        </p:txBody>
+      </p:sp>
+      <p:sp>
+        <p:nvSpPr>
+          <p:cNvPr id="3" name="Sous-titre 2">
+            <a:extLst>
+              <a:ext uri="{FF2B5EF4-FFF2-40B4-BE49-F238E27FC236}">
+                <a16:creationId xmlns:a16="http://schemas.microsoft.com/office/drawing/2014/main" id="{48B6CF59-4E5B-494D-A2F7-97ADD01E6497}"/>
+              </a:ext>
+            </a:extLst>
+          </p:cNvPr>
+          <p:cNvSpPr>
+            <a:spLocks noGrp="1"/>
+          </p:cNvSpPr>
+          <p:nvPr>
+            <p:ph type="subTitle" idx="1"/>
+          </p:nvPr>
+        </p:nvSpPr>
+        <p:spPr>
+          <a:xfrm>
+            <a:off x="435895" y="5018578"/>
+            <a:ext cx="8245160" cy="363617"/>
+          </a:xfrm>
+        </p:spPr>
+        <p:txBody>
+          <a:bodyPr rtlCol="0">
+            <a:normAutofit/>
+          </a:bodyPr>
+          <a:lstStyle/>
+          <a:p>
+            <a:pPr algn="r" rtl="0"/>
+            <a:r>
+              <a:rPr lang="fr-FR" dirty="0" smtClean="0">
+                <a:solidFill>
+                  <a:srgbClr val="7CEBFF"/>
+                </a:solidFill>
+              </a:rPr>
+              <a:t>Formation </a:t>
+            </a:r>
+            <a:r>
+              <a:rPr lang="fr-FR" smtClean="0">
+                <a:solidFill>
+                  <a:srgbClr val="7CEBFF"/>
+                </a:solidFill>
+              </a:rPr>
+              <a:t>interne scalian</a:t>
+            </a:r>
+            <a:endParaRPr lang="fr-FR" dirty="0">
+              <a:solidFill>
+                <a:srgbClr val="7CEBFF"/>
+              </a:solidFill>
+            </a:endParaRPr>
+          </a:p>
+        </p:txBody>
+      </p:sp>
+    </p:spTree>
+    <p:extLst>
+      <p:ext uri="{BB962C8B-B14F-4D97-AF65-F5344CB8AC3E}">
+        <p14:creationId xmlns:p14="http://schemas.microsoft.com/office/powerpoint/2010/main" val="2265540439"/>
+      </p:ext>
+    </p:extLst>
+  </p:cSld>
+  <p:clrMapOvr>
+    <a:masterClrMapping/>
+  </p:clrMapOvr>
+  <p:timing>
+    <p:tnLst>
+      <p:par>
+        <p:cTn id="1" dur="indefinite" restart="never" nodeType="tmRoot"/>
+      </p:par>
+    </p:tnLst>
+  </p:timing>
+</p:sld>
+</file>
+
 <file path=ppt/slides/slide2.xml><?xml version="1.0" encoding="utf-8"?>
 <p:sld xmlns:a="http://schemas.openxmlformats.org/drawingml/2006/main" xmlns:r="http://schemas.openxmlformats.org/officeDocument/2006/relationships" xmlns:p="http://schemas.openxmlformats.org/presentationml/2006/main">
   <p:cSld>
@@ -8283,7 +12187,7 @@
             </a:pPr>
             <a:r>
               <a:rPr lang="fr-FR" sz="2000" dirty="0" smtClean="0"/>
-              <a:t>Votre expérience en HPC </a:t>
+              <a:t>Une expérience en CPP </a:t>
             </a:r>
             <a:endParaRPr lang="fr-FR" sz="2000" dirty="0"/>
           </a:p>
@@ -8476,8 +12380,8 @@
         </p:nvSpPr>
         <p:spPr>
           <a:xfrm>
-            <a:off x="871671" y="1971131"/>
-            <a:ext cx="4174603" cy="3199860"/>
+            <a:off x="871671" y="1461762"/>
+            <a:ext cx="4174603" cy="3956272"/>
           </a:xfrm>
           <a:prstGeom prst="rect">
             <a:avLst/>
@@ -8707,15 +12611,7 @@
             </a:pPr>
             <a:r>
               <a:rPr lang="fr-FR" sz="2000" dirty="0" smtClean="0"/>
-              <a:t>Découvrir les possibilités du </a:t>
-            </a:r>
-            <a:r>
-              <a:rPr lang="fr-FR" sz="2000" dirty="0"/>
-              <a:t>C</a:t>
-            </a:r>
-            <a:r>
-              <a:rPr lang="fr-FR" sz="2000" dirty="0" smtClean="0"/>
-              <a:t>++ moderne</a:t>
+              <a:t>S’initier aux normes récentes du C++</a:t>
             </a:r>
           </a:p>
           <a:p>
@@ -8761,7 +12657,7 @@
             </a:pPr>
             <a:r>
               <a:rPr lang="fr-FR" sz="2000" dirty="0" smtClean="0"/>
-              <a:t>Comprendre la chaine de compilation</a:t>
+              <a:t>Savoir mettre en place une bonne architecture</a:t>
             </a:r>
           </a:p>
           <a:p>
@@ -8784,6 +12680,30 @@
             </a:pPr>
             <a:r>
               <a:rPr lang="fr-FR" sz="2000" dirty="0" smtClean="0"/>
+              <a:t>Démystifier la chaine de compilation et les options des compilateurs</a:t>
+            </a:r>
+            <a:endParaRPr lang="fr-FR" sz="2000" b="1" dirty="0" smtClean="0"/>
+          </a:p>
+          <a:p>
+            <a:pPr marL="342900" lvl="1" indent="-342900">
+              <a:lnSpc>
+                <a:spcPct val="150000"/>
+              </a:lnSpc>
+              <a:spcAft>
+                <a:spcPts val="600"/>
+              </a:spcAft>
+              <a:buClr>
+                <a:schemeClr val="accent1">
+                  <a:lumMod val="75000"/>
+                </a:schemeClr>
+              </a:buClr>
+              <a:buSzPct val="100000"/>
+              <a:buFont typeface="Wingdings" panose="05000000000000000000" pitchFamily="2" charset="2"/>
+              <a:buChar char="§"/>
+              <a:defRPr/>
+            </a:pPr>
+            <a:r>
+              <a:rPr lang="fr-FR" sz="2000" b="1" dirty="0" smtClean="0"/>
               <a:t>Répondre à vos questions</a:t>
             </a:r>
           </a:p>
@@ -8896,7 +12816,7 @@
       </p:pic>
       <p:pic>
         <p:nvPicPr>
-          <p:cNvPr id="7" name="Image 6"/>
+          <p:cNvPr id="9" name="Image 8"/>
           <p:cNvPicPr>
             <a:picLocks noChangeAspect="1"/>
           </p:cNvPicPr>
@@ -8904,66 +12824,6 @@
         </p:nvPicPr>
         <p:blipFill>
           <a:blip r:embed="rId4">
-            <a:extLst>
-              <a:ext uri="{28A0092B-C50C-407E-A947-70E740481C1C}">
-                <a14:useLocalDpi xmlns:a14="http://schemas.microsoft.com/office/drawing/2010/main" val="0"/>
-              </a:ext>
-            </a:extLst>
-          </a:blip>
-          <a:stretch>
-            <a:fillRect/>
-          </a:stretch>
-        </p:blipFill>
-        <p:spPr>
-          <a:xfrm>
-            <a:off x="6731282" y="1577134"/>
-            <a:ext cx="1501129" cy="393997"/>
-          </a:xfrm>
-          <a:prstGeom prst="rect">
-            <a:avLst/>
-          </a:prstGeom>
-        </p:spPr>
-      </p:pic>
-      <p:pic>
-        <p:nvPicPr>
-          <p:cNvPr id="8" name="Image 7"/>
-          <p:cNvPicPr>
-            <a:picLocks noChangeAspect="1"/>
-          </p:cNvPicPr>
-          <p:nvPr/>
-        </p:nvPicPr>
-        <p:blipFill>
-          <a:blip r:embed="rId5">
-            <a:extLst>
-              <a:ext uri="{28A0092B-C50C-407E-A947-70E740481C1C}">
-                <a14:useLocalDpi xmlns:a14="http://schemas.microsoft.com/office/drawing/2010/main" val="0"/>
-              </a:ext>
-            </a:extLst>
-          </a:blip>
-          <a:stretch>
-            <a:fillRect/>
-          </a:stretch>
-        </p:blipFill>
-        <p:spPr>
-          <a:xfrm>
-            <a:off x="4384821" y="4124835"/>
-            <a:ext cx="3199823" cy="1801382"/>
-          </a:xfrm>
-          <a:prstGeom prst="rect">
-            <a:avLst/>
-          </a:prstGeom>
-        </p:spPr>
-      </p:pic>
-      <p:pic>
-        <p:nvPicPr>
-          <p:cNvPr id="9" name="Image 8"/>
-          <p:cNvPicPr>
-            <a:picLocks noChangeAspect="1"/>
-          </p:cNvPicPr>
-          <p:nvPr/>
-        </p:nvPicPr>
-        <p:blipFill>
-          <a:blip r:embed="rId6">
             <a:extLst>
               <a:ext uri="{28A0092B-C50C-407E-A947-70E740481C1C}">
                 <a14:useLocalDpi xmlns:a14="http://schemas.microsoft.com/office/drawing/2010/main" val="0"/>
@@ -9052,43 +12912,12 @@
             </a:r>
             <a:r>
               <a:rPr lang="fr-FR" dirty="0" smtClean="0"/>
-              <a:t>de la journée</a:t>
+              <a:t>: vous avez voté !</a:t>
             </a:r>
             <a:endParaRPr lang="fr-FR" dirty="0"/>
           </a:p>
         </p:txBody>
       </p:sp>
-      <p:graphicFrame>
-        <p:nvGraphicFramePr>
-          <p:cNvPr id="4" name="Espace réservé au contenu 3" descr="Graphique SmartArt icône">
-            <a:extLst>
-              <a:ext uri="{FF2B5EF4-FFF2-40B4-BE49-F238E27FC236}">
-                <a16:creationId xmlns:a16="http://schemas.microsoft.com/office/drawing/2014/main" id="{81E592E1-99DF-4294-A2E9-EF46299BD3F4}"/>
-              </a:ext>
-            </a:extLst>
-          </p:cNvPr>
-          <p:cNvGraphicFramePr>
-            <a:graphicFrameLocks noGrp="1"/>
-          </p:cNvGraphicFramePr>
-          <p:nvPr>
-            <p:ph idx="1"/>
-            <p:extLst>
-              <p:ext uri="{D42A27DB-BD31-4B8C-83A1-F6EECF244321}">
-                <p14:modId xmlns:p14="http://schemas.microsoft.com/office/powerpoint/2010/main" val="3639679218"/>
-              </p:ext>
-            </p:extLst>
-          </p:nvPr>
-        </p:nvGraphicFramePr>
-        <p:xfrm>
-          <a:off x="538193" y="2102466"/>
-          <a:ext cx="8272463" cy="2758679"/>
-        </p:xfrm>
-        <a:graphic>
-          <a:graphicData uri="http://schemas.openxmlformats.org/drawingml/2006/diagram">
-            <dgm:relIds xmlns:dgm="http://schemas.openxmlformats.org/drawingml/2006/diagram" xmlns:r="http://schemas.openxmlformats.org/officeDocument/2006/relationships" r:dm="rId2" r:lo="rId3" r:qs="rId4" r:cs="rId5"/>
-          </a:graphicData>
-        </a:graphic>
-      </p:graphicFrame>
       <p:sp>
         <p:nvSpPr>
           <p:cNvPr id="3" name="Espace réservé du numéro de diapositive 2"/>
@@ -9111,6 +12940,132 @@
               <a:t>5</a:t>
             </a:fld>
             <a:endParaRPr lang="fr-FR" noProof="0" dirty="0"/>
+          </a:p>
+        </p:txBody>
+      </p:sp>
+      <p:pic>
+        <p:nvPicPr>
+          <p:cNvPr id="6" name="Image 5"/>
+          <p:cNvPicPr>
+            <a:picLocks noChangeAspect="1"/>
+          </p:cNvPicPr>
+          <p:nvPr/>
+        </p:nvPicPr>
+        <p:blipFill>
+          <a:blip r:embed="rId2"/>
+          <a:stretch>
+            <a:fillRect/>
+          </a:stretch>
+        </p:blipFill>
+        <p:spPr>
+          <a:xfrm>
+            <a:off x="505581" y="1547768"/>
+            <a:ext cx="5210175" cy="2038350"/>
+          </a:xfrm>
+          <a:prstGeom prst="rect">
+            <a:avLst/>
+          </a:prstGeom>
+        </p:spPr>
+      </p:pic>
+      <p:pic>
+        <p:nvPicPr>
+          <p:cNvPr id="7" name="Image 6"/>
+          <p:cNvPicPr>
+            <a:picLocks noChangeAspect="1"/>
+          </p:cNvPicPr>
+          <p:nvPr/>
+        </p:nvPicPr>
+        <p:blipFill>
+          <a:blip r:embed="rId3"/>
+          <a:stretch>
+            <a:fillRect/>
+          </a:stretch>
+        </p:blipFill>
+        <p:spPr>
+          <a:xfrm>
+            <a:off x="505581" y="3639351"/>
+            <a:ext cx="3476625" cy="2038350"/>
+          </a:xfrm>
+          <a:prstGeom prst="rect">
+            <a:avLst/>
+          </a:prstGeom>
+        </p:spPr>
+      </p:pic>
+      <p:pic>
+        <p:nvPicPr>
+          <p:cNvPr id="8" name="Image 7"/>
+          <p:cNvPicPr>
+            <a:picLocks noChangeAspect="1"/>
+          </p:cNvPicPr>
+          <p:nvPr/>
+        </p:nvPicPr>
+        <p:blipFill>
+          <a:blip r:embed="rId4"/>
+          <a:stretch>
+            <a:fillRect/>
+          </a:stretch>
+        </p:blipFill>
+        <p:spPr>
+          <a:xfrm>
+            <a:off x="4446910" y="3933805"/>
+            <a:ext cx="1162050" cy="1666875"/>
+          </a:xfrm>
+          <a:prstGeom prst="rect">
+            <a:avLst/>
+          </a:prstGeom>
+        </p:spPr>
+      </p:pic>
+      <p:pic>
+        <p:nvPicPr>
+          <p:cNvPr id="9" name="Image 8"/>
+          <p:cNvPicPr>
+            <a:picLocks noChangeAspect="1"/>
+          </p:cNvPicPr>
+          <p:nvPr/>
+        </p:nvPicPr>
+        <p:blipFill>
+          <a:blip r:embed="rId5"/>
+          <a:stretch>
+            <a:fillRect/>
+          </a:stretch>
+        </p:blipFill>
+        <p:spPr>
+          <a:xfrm>
+            <a:off x="6076727" y="1873966"/>
+            <a:ext cx="1400175" cy="1657350"/>
+          </a:xfrm>
+          <a:prstGeom prst="rect">
+            <a:avLst/>
+          </a:prstGeom>
+        </p:spPr>
+      </p:pic>
+      <p:sp>
+        <p:nvSpPr>
+          <p:cNvPr id="10" name="ZoneTexte 9"/>
+          <p:cNvSpPr txBox="1"/>
+          <p:nvPr/>
+        </p:nvSpPr>
+        <p:spPr>
+          <a:xfrm>
+            <a:off x="5922235" y="4473860"/>
+            <a:ext cx="3218573" cy="369332"/>
+          </a:xfrm>
+          <a:prstGeom prst="rect">
+            <a:avLst/>
+          </a:prstGeom>
+          <a:noFill/>
+        </p:spPr>
+        <p:txBody>
+          <a:bodyPr wrap="none" rtlCol="0">
+            <a:spAutoFit/>
+          </a:bodyPr>
+          <a:lstStyle/>
+          <a:p>
+            <a:r>
+              <a:rPr lang="fr-FR" dirty="0" smtClean="0"/>
+              <a:t>Tout le reste sous les 3 votes / 6</a:t>
+            </a:r>
+            <a:endParaRPr lang="fr-FR" dirty="0"/>
           </a:p>
         </p:txBody>
       </p:sp>
@@ -9173,398 +13128,48 @@
           <a:lstStyle/>
           <a:p>
             <a:r>
+              <a:rPr lang="fr-FR" dirty="0" smtClean="0"/>
+              <a:t>Programme</a:t>
+            </a:r>
+            <a:r>
               <a:rPr lang="en-US" dirty="0" smtClean="0"/>
-              <a:t>Agenda Formation</a:t>
-            </a:r>
-            <a:endParaRPr lang="en-US" dirty="0"/>
+              <a:t> </a:t>
+            </a:r>
+            <a:r>
+              <a:rPr lang="fr-FR" dirty="0" smtClean="0"/>
+              <a:t>de la Première journée</a:t>
+            </a:r>
+            <a:endParaRPr lang="fr-FR" dirty="0"/>
           </a:p>
         </p:txBody>
       </p:sp>
-      <p:sp>
-        <p:nvSpPr>
-          <p:cNvPr id="5" name="Espace réservé du texte 4"/>
-          <p:cNvSpPr txBox="1">
-            <a:spLocks/>
-          </p:cNvSpPr>
-          <p:nvPr/>
-        </p:nvSpPr>
-        <p:spPr>
-          <a:xfrm>
-            <a:off x="850154" y="2355510"/>
-            <a:ext cx="3721846" cy="2895159"/>
-          </a:xfrm>
-          <a:prstGeom prst="rect">
-            <a:avLst/>
-          </a:prstGeom>
-        </p:spPr>
-        <p:txBody>
-          <a:bodyPr>
-            <a:normAutofit/>
-          </a:bodyPr>
-          <a:lstStyle>
-            <a:lvl1pPr marL="229500" indent="-229500" algn="l" defTabSz="342900" rtl="0" eaLnBrk="1" latinLnBrk="0" hangingPunct="1">
-              <a:spcBef>
-                <a:spcPct val="20000"/>
-              </a:spcBef>
-              <a:spcAft>
-                <a:spcPts val="450"/>
-              </a:spcAft>
-              <a:buClr>
-                <a:schemeClr val="accent2"/>
-              </a:buClr>
-              <a:buSzPct val="92000"/>
-              <a:buFont typeface="Wingdings 2" panose="05020102010507070707" pitchFamily="18" charset="2"/>
-              <a:buChar char=""/>
-              <a:defRPr sz="1350" kern="1200">
-                <a:solidFill>
-                  <a:schemeClr val="tx2"/>
-                </a:solidFill>
-                <a:latin typeface="+mn-lt"/>
-                <a:ea typeface="+mn-ea"/>
-                <a:cs typeface="+mn-cs"/>
-              </a:defRPr>
-            </a:lvl1pPr>
-            <a:lvl2pPr marL="472500" indent="-229500" algn="l" defTabSz="342900" rtl="0" eaLnBrk="1" latinLnBrk="0" hangingPunct="1">
-              <a:spcBef>
-                <a:spcPct val="20000"/>
-              </a:spcBef>
-              <a:spcAft>
-                <a:spcPts val="450"/>
-              </a:spcAft>
-              <a:buClr>
-                <a:schemeClr val="accent2"/>
-              </a:buClr>
-              <a:buSzPct val="92000"/>
-              <a:buFont typeface="Wingdings 2" panose="05020102010507070707" pitchFamily="18" charset="2"/>
-              <a:buChar char=""/>
-              <a:defRPr sz="1200" kern="1200">
-                <a:solidFill>
-                  <a:schemeClr val="tx2"/>
-                </a:solidFill>
-                <a:latin typeface="+mn-lt"/>
-                <a:ea typeface="+mn-ea"/>
-                <a:cs typeface="+mn-cs"/>
-              </a:defRPr>
-            </a:lvl2pPr>
-            <a:lvl3pPr marL="675000" indent="-202500" algn="l" defTabSz="342900" rtl="0" eaLnBrk="1" latinLnBrk="0" hangingPunct="1">
-              <a:spcBef>
-                <a:spcPct val="20000"/>
-              </a:spcBef>
-              <a:spcAft>
-                <a:spcPts val="450"/>
-              </a:spcAft>
-              <a:buClr>
-                <a:schemeClr val="accent2"/>
-              </a:buClr>
-              <a:buSzPct val="92000"/>
-              <a:buFont typeface="Wingdings 2" panose="05020102010507070707" pitchFamily="18" charset="2"/>
-              <a:buChar char=""/>
-              <a:defRPr sz="1050" kern="1200">
-                <a:solidFill>
-                  <a:schemeClr val="tx2"/>
-                </a:solidFill>
-                <a:latin typeface="+mn-lt"/>
-                <a:ea typeface="+mn-ea"/>
-                <a:cs typeface="+mn-cs"/>
-              </a:defRPr>
-            </a:lvl3pPr>
-            <a:lvl4pPr marL="931500" indent="-175500" algn="l" defTabSz="342900" rtl="0" eaLnBrk="1" latinLnBrk="0" hangingPunct="1">
-              <a:spcBef>
-                <a:spcPct val="20000"/>
-              </a:spcBef>
-              <a:spcAft>
-                <a:spcPts val="450"/>
-              </a:spcAft>
-              <a:buClr>
-                <a:schemeClr val="accent2"/>
-              </a:buClr>
-              <a:buSzPct val="92000"/>
-              <a:buFont typeface="Wingdings 2" panose="05020102010507070707" pitchFamily="18" charset="2"/>
-              <a:buChar char=""/>
-              <a:defRPr sz="900" kern="1200">
-                <a:solidFill>
-                  <a:schemeClr val="tx2"/>
-                </a:solidFill>
-                <a:latin typeface="+mn-lt"/>
-                <a:ea typeface="+mn-ea"/>
-                <a:cs typeface="+mn-cs"/>
-              </a:defRPr>
-            </a:lvl4pPr>
-            <a:lvl5pPr marL="1201500" indent="-175500" algn="l" defTabSz="342900" rtl="0" eaLnBrk="1" latinLnBrk="0" hangingPunct="1">
-              <a:spcBef>
-                <a:spcPct val="20000"/>
-              </a:spcBef>
-              <a:spcAft>
-                <a:spcPts val="450"/>
-              </a:spcAft>
-              <a:buClr>
-                <a:schemeClr val="accent2"/>
-              </a:buClr>
-              <a:buSzPct val="92000"/>
-              <a:buFont typeface="Wingdings 2" panose="05020102010507070707" pitchFamily="18" charset="2"/>
-              <a:buChar char=""/>
-              <a:defRPr sz="900" kern="1200">
-                <a:solidFill>
-                  <a:schemeClr val="tx2"/>
-                </a:solidFill>
-                <a:latin typeface="+mn-lt"/>
-                <a:ea typeface="+mn-ea"/>
-                <a:cs typeface="+mn-cs"/>
-              </a:defRPr>
-            </a:lvl5pPr>
-            <a:lvl6pPr marL="1425000" indent="-171450" algn="l" defTabSz="342900" rtl="0" eaLnBrk="1" latinLnBrk="0" hangingPunct="1">
-              <a:spcBef>
-                <a:spcPct val="20000"/>
-              </a:spcBef>
-              <a:spcAft>
-                <a:spcPts val="450"/>
-              </a:spcAft>
-              <a:buClr>
-                <a:schemeClr val="accent2"/>
-              </a:buClr>
-              <a:buSzPct val="92000"/>
-              <a:buFont typeface="Wingdings 2" panose="05020102010507070707" pitchFamily="18" charset="2"/>
-              <a:buChar char=""/>
-              <a:defRPr sz="900" kern="1200">
-                <a:solidFill>
-                  <a:schemeClr val="tx2"/>
-                </a:solidFill>
-                <a:latin typeface="+mn-lt"/>
-                <a:ea typeface="+mn-ea"/>
-                <a:cs typeface="+mn-cs"/>
-              </a:defRPr>
-            </a:lvl6pPr>
-            <a:lvl7pPr marL="1650000" indent="-171450" algn="l" defTabSz="342900" rtl="0" eaLnBrk="1" latinLnBrk="0" hangingPunct="1">
-              <a:spcBef>
-                <a:spcPct val="20000"/>
-              </a:spcBef>
-              <a:spcAft>
-                <a:spcPts val="450"/>
-              </a:spcAft>
-              <a:buClr>
-                <a:schemeClr val="accent2"/>
-              </a:buClr>
-              <a:buSzPct val="92000"/>
-              <a:buFont typeface="Wingdings 2" panose="05020102010507070707" pitchFamily="18" charset="2"/>
-              <a:buChar char=""/>
-              <a:defRPr sz="900" kern="1200">
-                <a:solidFill>
-                  <a:schemeClr val="tx2"/>
-                </a:solidFill>
-                <a:latin typeface="+mn-lt"/>
-                <a:ea typeface="+mn-ea"/>
-                <a:cs typeface="+mn-cs"/>
-              </a:defRPr>
-            </a:lvl7pPr>
-            <a:lvl8pPr marL="1875000" indent="-171450" algn="l" defTabSz="342900" rtl="0" eaLnBrk="1" latinLnBrk="0" hangingPunct="1">
-              <a:spcBef>
-                <a:spcPct val="20000"/>
-              </a:spcBef>
-              <a:spcAft>
-                <a:spcPts val="450"/>
-              </a:spcAft>
-              <a:buClr>
-                <a:schemeClr val="accent2"/>
-              </a:buClr>
-              <a:buSzPct val="92000"/>
-              <a:buFont typeface="Wingdings 2" panose="05020102010507070707" pitchFamily="18" charset="2"/>
-              <a:buChar char=""/>
-              <a:defRPr sz="900" kern="1200">
-                <a:solidFill>
-                  <a:schemeClr val="tx2"/>
-                </a:solidFill>
-                <a:latin typeface="+mn-lt"/>
-                <a:ea typeface="+mn-ea"/>
-                <a:cs typeface="+mn-cs"/>
-              </a:defRPr>
-            </a:lvl8pPr>
-            <a:lvl9pPr marL="2100000" indent="-171450" algn="l" defTabSz="342900" rtl="0" eaLnBrk="1" latinLnBrk="0" hangingPunct="1">
-              <a:spcBef>
-                <a:spcPct val="20000"/>
-              </a:spcBef>
-              <a:spcAft>
-                <a:spcPts val="450"/>
-              </a:spcAft>
-              <a:buClr>
-                <a:schemeClr val="accent2"/>
-              </a:buClr>
-              <a:buSzPct val="92000"/>
-              <a:buFont typeface="Wingdings 2" panose="05020102010507070707" pitchFamily="18" charset="2"/>
-              <a:buChar char=""/>
-              <a:defRPr sz="900" kern="1200">
-                <a:solidFill>
-                  <a:schemeClr val="tx2"/>
-                </a:solidFill>
-                <a:latin typeface="+mn-lt"/>
-                <a:ea typeface="+mn-ea"/>
-                <a:cs typeface="+mn-cs"/>
-              </a:defRPr>
-            </a:lvl9pPr>
-          </a:lstStyle>
-          <a:p>
-            <a:pPr marL="342900" lvl="1" indent="-342900">
-              <a:lnSpc>
-                <a:spcPct val="150000"/>
-              </a:lnSpc>
-              <a:spcAft>
-                <a:spcPts val="600"/>
-              </a:spcAft>
-              <a:buClr>
-                <a:schemeClr val="accent1">
-                  <a:lumMod val="75000"/>
-                </a:schemeClr>
-              </a:buClr>
-              <a:buSzPct val="100000"/>
-              <a:buFont typeface="Wingdings" panose="05000000000000000000" pitchFamily="2" charset="2"/>
-              <a:buChar char="§"/>
-              <a:defRPr/>
-            </a:pPr>
-            <a:r>
-              <a:rPr lang="fr-FR" sz="2000" dirty="0" smtClean="0"/>
-              <a:t>9H :  Vectorisation</a:t>
-            </a:r>
-          </a:p>
-          <a:p>
-            <a:pPr marL="342900" lvl="1" indent="-342900">
-              <a:lnSpc>
-                <a:spcPct val="150000"/>
-              </a:lnSpc>
-              <a:spcAft>
-                <a:spcPts val="600"/>
-              </a:spcAft>
-              <a:buClr>
-                <a:schemeClr val="accent1">
-                  <a:lumMod val="75000"/>
-                </a:schemeClr>
-              </a:buClr>
-              <a:buSzPct val="100000"/>
-              <a:buFont typeface="Wingdings" panose="05000000000000000000" pitchFamily="2" charset="2"/>
-              <a:buChar char="§"/>
-              <a:defRPr/>
-            </a:pPr>
-            <a:r>
-              <a:rPr lang="fr-FR" sz="2000" dirty="0" smtClean="0"/>
-              <a:t>12H : Pause</a:t>
-            </a:r>
-          </a:p>
-          <a:p>
-            <a:pPr marL="342900" lvl="1" indent="-342900">
-              <a:lnSpc>
-                <a:spcPct val="150000"/>
-              </a:lnSpc>
-              <a:spcAft>
-                <a:spcPts val="600"/>
-              </a:spcAft>
-              <a:buClr>
-                <a:schemeClr val="accent1">
-                  <a:lumMod val="75000"/>
-                </a:schemeClr>
-              </a:buClr>
-              <a:buSzPct val="100000"/>
-              <a:buFont typeface="Wingdings" panose="05000000000000000000" pitchFamily="2" charset="2"/>
-              <a:buChar char="§"/>
-              <a:defRPr/>
-            </a:pPr>
-            <a:r>
-              <a:rPr lang="fr-FR" sz="2000" dirty="0" smtClean="0"/>
-              <a:t>13H30 : OpenMP</a:t>
-            </a:r>
-          </a:p>
-          <a:p>
-            <a:pPr marL="342900" lvl="1" indent="-342900">
-              <a:lnSpc>
-                <a:spcPct val="150000"/>
-              </a:lnSpc>
-              <a:spcAft>
-                <a:spcPts val="600"/>
-              </a:spcAft>
-              <a:buClr>
-                <a:schemeClr val="accent1">
-                  <a:lumMod val="75000"/>
-                </a:schemeClr>
-              </a:buClr>
-              <a:buSzPct val="100000"/>
-              <a:buFont typeface="Wingdings" panose="05000000000000000000" pitchFamily="2" charset="2"/>
-              <a:buChar char="§"/>
-              <a:defRPr/>
-            </a:pPr>
-            <a:r>
-              <a:rPr lang="fr-FR" sz="2000" dirty="0" smtClean="0"/>
-              <a:t>17H : Fin de journée</a:t>
-            </a:r>
-          </a:p>
-          <a:p>
-            <a:pPr marL="342900" lvl="1" indent="-342900">
-              <a:lnSpc>
-                <a:spcPct val="150000"/>
-              </a:lnSpc>
-              <a:spcAft>
-                <a:spcPts val="600"/>
-              </a:spcAft>
-              <a:buClr>
-                <a:schemeClr val="accent1">
-                  <a:lumMod val="75000"/>
-                </a:schemeClr>
-              </a:buClr>
-              <a:buSzPct val="100000"/>
-              <a:buFont typeface="Wingdings" panose="05000000000000000000" pitchFamily="2" charset="2"/>
-              <a:buChar char="§"/>
-              <a:defRPr/>
-            </a:pPr>
-            <a:endParaRPr lang="fr-FR" sz="2000" dirty="0" smtClean="0"/>
-          </a:p>
-          <a:p>
-            <a:pPr marL="342900" lvl="1" indent="-342900">
-              <a:lnSpc>
-                <a:spcPct val="150000"/>
-              </a:lnSpc>
-              <a:spcAft>
-                <a:spcPts val="600"/>
-              </a:spcAft>
-              <a:buClr>
-                <a:schemeClr val="accent1">
-                  <a:lumMod val="75000"/>
-                </a:schemeClr>
-              </a:buClr>
-              <a:buSzPct val="100000"/>
-              <a:buFont typeface="Wingdings" panose="05000000000000000000" pitchFamily="2" charset="2"/>
-              <a:buChar char="§"/>
-              <a:defRPr/>
-            </a:pPr>
-            <a:endParaRPr lang="fr-FR" sz="2000" dirty="0"/>
-          </a:p>
-        </p:txBody>
-      </p:sp>
-      <p:pic>
-        <p:nvPicPr>
-          <p:cNvPr id="4" name="Image 3"/>
-          <p:cNvPicPr>
-            <a:picLocks noChangeAspect="1"/>
-          </p:cNvPicPr>
-          <p:nvPr/>
-        </p:nvPicPr>
-        <p:blipFill>
-          <a:blip r:embed="rId2">
+      <p:graphicFrame>
+        <p:nvGraphicFramePr>
+          <p:cNvPr id="4" name="Espace réservé au contenu 3" descr="Graphique SmartArt icône">
             <a:extLst>
-              <a:ext uri="{28A0092B-C50C-407E-A947-70E740481C1C}">
-                <a14:useLocalDpi xmlns:a14="http://schemas.microsoft.com/office/drawing/2010/main" val="0"/>
+              <a:ext uri="{FF2B5EF4-FFF2-40B4-BE49-F238E27FC236}">
+                <a16:creationId xmlns:a16="http://schemas.microsoft.com/office/drawing/2014/main" id="{81E592E1-99DF-4294-A2E9-EF46299BD3F4}"/>
               </a:ext>
             </a:extLst>
-          </a:blip>
-          <a:stretch>
-            <a:fillRect/>
-          </a:stretch>
-        </p:blipFill>
-        <p:spPr>
-          <a:xfrm>
-            <a:off x="6353504" y="2153730"/>
-            <a:ext cx="2790496" cy="2092872"/>
-          </a:xfrm>
-          <a:prstGeom prst="rect">
-            <a:avLst/>
-          </a:prstGeom>
-        </p:spPr>
-      </p:pic>
+          </p:cNvPr>
+          <p:cNvGraphicFramePr>
+            <a:graphicFrameLocks noGrp="1"/>
+          </p:cNvGraphicFramePr>
+          <p:nvPr>
+            <p:ph idx="1"/>
+            <p:extLst/>
+          </p:nvPr>
+        </p:nvGraphicFramePr>
+        <p:xfrm>
+          <a:off x="538193" y="2102466"/>
+          <a:ext cx="8272463" cy="2758679"/>
+        </p:xfrm>
+        <a:graphic>
+          <a:graphicData uri="http://schemas.openxmlformats.org/drawingml/2006/diagram">
+            <dgm:relIds xmlns:dgm="http://schemas.openxmlformats.org/drawingml/2006/diagram" xmlns:r="http://schemas.openxmlformats.org/officeDocument/2006/relationships" r:dm="rId2" r:lo="rId3" r:qs="rId4" r:cs="rId5"/>
+          </a:graphicData>
+        </a:graphic>
+      </p:graphicFrame>
       <p:sp>
         <p:nvSpPr>
           <p:cNvPr id="3" name="Espace réservé du numéro de diapositive 2"/>
@@ -9590,451 +13195,10 @@
           </a:p>
         </p:txBody>
       </p:sp>
-      <p:sp>
-        <p:nvSpPr>
-          <p:cNvPr id="6" name="Espace réservé du texte 4"/>
-          <p:cNvSpPr txBox="1">
-            <a:spLocks/>
-          </p:cNvSpPr>
-          <p:nvPr/>
-        </p:nvSpPr>
-        <p:spPr>
-          <a:xfrm>
-            <a:off x="3828345" y="2361021"/>
-            <a:ext cx="3721846" cy="2895159"/>
-          </a:xfrm>
-          <a:prstGeom prst="rect">
-            <a:avLst/>
-          </a:prstGeom>
-        </p:spPr>
-        <p:txBody>
-          <a:bodyPr>
-            <a:normAutofit/>
-          </a:bodyPr>
-          <a:lstStyle>
-            <a:lvl1pPr marL="229500" indent="-229500" algn="l" defTabSz="342900" rtl="0" eaLnBrk="1" latinLnBrk="0" hangingPunct="1">
-              <a:spcBef>
-                <a:spcPct val="20000"/>
-              </a:spcBef>
-              <a:spcAft>
-                <a:spcPts val="450"/>
-              </a:spcAft>
-              <a:buClr>
-                <a:schemeClr val="accent2"/>
-              </a:buClr>
-              <a:buSzPct val="92000"/>
-              <a:buFont typeface="Wingdings 2" panose="05020102010507070707" pitchFamily="18" charset="2"/>
-              <a:buChar char=""/>
-              <a:defRPr sz="1350" kern="1200">
-                <a:solidFill>
-                  <a:schemeClr val="tx2"/>
-                </a:solidFill>
-                <a:latin typeface="+mn-lt"/>
-                <a:ea typeface="+mn-ea"/>
-                <a:cs typeface="+mn-cs"/>
-              </a:defRPr>
-            </a:lvl1pPr>
-            <a:lvl2pPr marL="472500" indent="-229500" algn="l" defTabSz="342900" rtl="0" eaLnBrk="1" latinLnBrk="0" hangingPunct="1">
-              <a:spcBef>
-                <a:spcPct val="20000"/>
-              </a:spcBef>
-              <a:spcAft>
-                <a:spcPts val="450"/>
-              </a:spcAft>
-              <a:buClr>
-                <a:schemeClr val="accent2"/>
-              </a:buClr>
-              <a:buSzPct val="92000"/>
-              <a:buFont typeface="Wingdings 2" panose="05020102010507070707" pitchFamily="18" charset="2"/>
-              <a:buChar char=""/>
-              <a:defRPr sz="1200" kern="1200">
-                <a:solidFill>
-                  <a:schemeClr val="tx2"/>
-                </a:solidFill>
-                <a:latin typeface="+mn-lt"/>
-                <a:ea typeface="+mn-ea"/>
-                <a:cs typeface="+mn-cs"/>
-              </a:defRPr>
-            </a:lvl2pPr>
-            <a:lvl3pPr marL="675000" indent="-202500" algn="l" defTabSz="342900" rtl="0" eaLnBrk="1" latinLnBrk="0" hangingPunct="1">
-              <a:spcBef>
-                <a:spcPct val="20000"/>
-              </a:spcBef>
-              <a:spcAft>
-                <a:spcPts val="450"/>
-              </a:spcAft>
-              <a:buClr>
-                <a:schemeClr val="accent2"/>
-              </a:buClr>
-              <a:buSzPct val="92000"/>
-              <a:buFont typeface="Wingdings 2" panose="05020102010507070707" pitchFamily="18" charset="2"/>
-              <a:buChar char=""/>
-              <a:defRPr sz="1050" kern="1200">
-                <a:solidFill>
-                  <a:schemeClr val="tx2"/>
-                </a:solidFill>
-                <a:latin typeface="+mn-lt"/>
-                <a:ea typeface="+mn-ea"/>
-                <a:cs typeface="+mn-cs"/>
-              </a:defRPr>
-            </a:lvl3pPr>
-            <a:lvl4pPr marL="931500" indent="-175500" algn="l" defTabSz="342900" rtl="0" eaLnBrk="1" latinLnBrk="0" hangingPunct="1">
-              <a:spcBef>
-                <a:spcPct val="20000"/>
-              </a:spcBef>
-              <a:spcAft>
-                <a:spcPts val="450"/>
-              </a:spcAft>
-              <a:buClr>
-                <a:schemeClr val="accent2"/>
-              </a:buClr>
-              <a:buSzPct val="92000"/>
-              <a:buFont typeface="Wingdings 2" panose="05020102010507070707" pitchFamily="18" charset="2"/>
-              <a:buChar char=""/>
-              <a:defRPr sz="900" kern="1200">
-                <a:solidFill>
-                  <a:schemeClr val="tx2"/>
-                </a:solidFill>
-                <a:latin typeface="+mn-lt"/>
-                <a:ea typeface="+mn-ea"/>
-                <a:cs typeface="+mn-cs"/>
-              </a:defRPr>
-            </a:lvl4pPr>
-            <a:lvl5pPr marL="1201500" indent="-175500" algn="l" defTabSz="342900" rtl="0" eaLnBrk="1" latinLnBrk="0" hangingPunct="1">
-              <a:spcBef>
-                <a:spcPct val="20000"/>
-              </a:spcBef>
-              <a:spcAft>
-                <a:spcPts val="450"/>
-              </a:spcAft>
-              <a:buClr>
-                <a:schemeClr val="accent2"/>
-              </a:buClr>
-              <a:buSzPct val="92000"/>
-              <a:buFont typeface="Wingdings 2" panose="05020102010507070707" pitchFamily="18" charset="2"/>
-              <a:buChar char=""/>
-              <a:defRPr sz="900" kern="1200">
-                <a:solidFill>
-                  <a:schemeClr val="tx2"/>
-                </a:solidFill>
-                <a:latin typeface="+mn-lt"/>
-                <a:ea typeface="+mn-ea"/>
-                <a:cs typeface="+mn-cs"/>
-              </a:defRPr>
-            </a:lvl5pPr>
-            <a:lvl6pPr marL="1425000" indent="-171450" algn="l" defTabSz="342900" rtl="0" eaLnBrk="1" latinLnBrk="0" hangingPunct="1">
-              <a:spcBef>
-                <a:spcPct val="20000"/>
-              </a:spcBef>
-              <a:spcAft>
-                <a:spcPts val="450"/>
-              </a:spcAft>
-              <a:buClr>
-                <a:schemeClr val="accent2"/>
-              </a:buClr>
-              <a:buSzPct val="92000"/>
-              <a:buFont typeface="Wingdings 2" panose="05020102010507070707" pitchFamily="18" charset="2"/>
-              <a:buChar char=""/>
-              <a:defRPr sz="900" kern="1200">
-                <a:solidFill>
-                  <a:schemeClr val="tx2"/>
-                </a:solidFill>
-                <a:latin typeface="+mn-lt"/>
-                <a:ea typeface="+mn-ea"/>
-                <a:cs typeface="+mn-cs"/>
-              </a:defRPr>
-            </a:lvl6pPr>
-            <a:lvl7pPr marL="1650000" indent="-171450" algn="l" defTabSz="342900" rtl="0" eaLnBrk="1" latinLnBrk="0" hangingPunct="1">
-              <a:spcBef>
-                <a:spcPct val="20000"/>
-              </a:spcBef>
-              <a:spcAft>
-                <a:spcPts val="450"/>
-              </a:spcAft>
-              <a:buClr>
-                <a:schemeClr val="accent2"/>
-              </a:buClr>
-              <a:buSzPct val="92000"/>
-              <a:buFont typeface="Wingdings 2" panose="05020102010507070707" pitchFamily="18" charset="2"/>
-              <a:buChar char=""/>
-              <a:defRPr sz="900" kern="1200">
-                <a:solidFill>
-                  <a:schemeClr val="tx2"/>
-                </a:solidFill>
-                <a:latin typeface="+mn-lt"/>
-                <a:ea typeface="+mn-ea"/>
-                <a:cs typeface="+mn-cs"/>
-              </a:defRPr>
-            </a:lvl7pPr>
-            <a:lvl8pPr marL="1875000" indent="-171450" algn="l" defTabSz="342900" rtl="0" eaLnBrk="1" latinLnBrk="0" hangingPunct="1">
-              <a:spcBef>
-                <a:spcPct val="20000"/>
-              </a:spcBef>
-              <a:spcAft>
-                <a:spcPts val="450"/>
-              </a:spcAft>
-              <a:buClr>
-                <a:schemeClr val="accent2"/>
-              </a:buClr>
-              <a:buSzPct val="92000"/>
-              <a:buFont typeface="Wingdings 2" panose="05020102010507070707" pitchFamily="18" charset="2"/>
-              <a:buChar char=""/>
-              <a:defRPr sz="900" kern="1200">
-                <a:solidFill>
-                  <a:schemeClr val="tx2"/>
-                </a:solidFill>
-                <a:latin typeface="+mn-lt"/>
-                <a:ea typeface="+mn-ea"/>
-                <a:cs typeface="+mn-cs"/>
-              </a:defRPr>
-            </a:lvl8pPr>
-            <a:lvl9pPr marL="2100000" indent="-171450" algn="l" defTabSz="342900" rtl="0" eaLnBrk="1" latinLnBrk="0" hangingPunct="1">
-              <a:spcBef>
-                <a:spcPct val="20000"/>
-              </a:spcBef>
-              <a:spcAft>
-                <a:spcPts val="450"/>
-              </a:spcAft>
-              <a:buClr>
-                <a:schemeClr val="accent2"/>
-              </a:buClr>
-              <a:buSzPct val="92000"/>
-              <a:buFont typeface="Wingdings 2" panose="05020102010507070707" pitchFamily="18" charset="2"/>
-              <a:buChar char=""/>
-              <a:defRPr sz="900" kern="1200">
-                <a:solidFill>
-                  <a:schemeClr val="tx2"/>
-                </a:solidFill>
-                <a:latin typeface="+mn-lt"/>
-                <a:ea typeface="+mn-ea"/>
-                <a:cs typeface="+mn-cs"/>
-              </a:defRPr>
-            </a:lvl9pPr>
-          </a:lstStyle>
-          <a:p>
-            <a:pPr marL="342900" lvl="1" indent="-342900">
-              <a:lnSpc>
-                <a:spcPct val="150000"/>
-              </a:lnSpc>
-              <a:spcAft>
-                <a:spcPts val="600"/>
-              </a:spcAft>
-              <a:buClr>
-                <a:schemeClr val="accent1">
-                  <a:lumMod val="75000"/>
-                </a:schemeClr>
-              </a:buClr>
-              <a:buSzPct val="100000"/>
-              <a:buFont typeface="Wingdings" panose="05000000000000000000" pitchFamily="2" charset="2"/>
-              <a:buChar char="§"/>
-              <a:defRPr/>
-            </a:pPr>
-            <a:r>
-              <a:rPr lang="fr-FR" sz="2000" dirty="0" smtClean="0"/>
-              <a:t>9H :  CUDA</a:t>
-            </a:r>
-          </a:p>
-          <a:p>
-            <a:pPr marL="342900" lvl="1" indent="-342900">
-              <a:lnSpc>
-                <a:spcPct val="150000"/>
-              </a:lnSpc>
-              <a:spcAft>
-                <a:spcPts val="600"/>
-              </a:spcAft>
-              <a:buClr>
-                <a:schemeClr val="accent1">
-                  <a:lumMod val="75000"/>
-                </a:schemeClr>
-              </a:buClr>
-              <a:buSzPct val="100000"/>
-              <a:buFont typeface="Wingdings" panose="05000000000000000000" pitchFamily="2" charset="2"/>
-              <a:buChar char="§"/>
-              <a:defRPr/>
-            </a:pPr>
-            <a:r>
-              <a:rPr lang="fr-FR" sz="2000" dirty="0" smtClean="0"/>
-              <a:t>12H : Pause</a:t>
-            </a:r>
-          </a:p>
-          <a:p>
-            <a:pPr marL="342900" lvl="1" indent="-342900">
-              <a:lnSpc>
-                <a:spcPct val="150000"/>
-              </a:lnSpc>
-              <a:spcAft>
-                <a:spcPts val="600"/>
-              </a:spcAft>
-              <a:buClr>
-                <a:schemeClr val="accent1">
-                  <a:lumMod val="75000"/>
-                </a:schemeClr>
-              </a:buClr>
-              <a:buSzPct val="100000"/>
-              <a:buFont typeface="Wingdings" panose="05000000000000000000" pitchFamily="2" charset="2"/>
-              <a:buChar char="§"/>
-              <a:defRPr/>
-            </a:pPr>
-            <a:r>
-              <a:rPr lang="fr-FR" sz="2000" dirty="0" smtClean="0"/>
-              <a:t>13H30 : CUDA – Suite</a:t>
-            </a:r>
-          </a:p>
-          <a:p>
-            <a:pPr marL="342900" lvl="1" indent="-342900">
-              <a:lnSpc>
-                <a:spcPct val="150000"/>
-              </a:lnSpc>
-              <a:spcAft>
-                <a:spcPts val="600"/>
-              </a:spcAft>
-              <a:buClr>
-                <a:schemeClr val="accent1">
-                  <a:lumMod val="75000"/>
-                </a:schemeClr>
-              </a:buClr>
-              <a:buSzPct val="100000"/>
-              <a:buFont typeface="Wingdings" panose="05000000000000000000" pitchFamily="2" charset="2"/>
-              <a:buChar char="§"/>
-              <a:defRPr/>
-            </a:pPr>
-            <a:r>
-              <a:rPr lang="fr-FR" sz="2000" dirty="0" smtClean="0"/>
-              <a:t>17H : Fin de journée</a:t>
-            </a:r>
-          </a:p>
-          <a:p>
-            <a:pPr marL="342900" lvl="1" indent="-342900">
-              <a:lnSpc>
-                <a:spcPct val="150000"/>
-              </a:lnSpc>
-              <a:spcAft>
-                <a:spcPts val="600"/>
-              </a:spcAft>
-              <a:buClr>
-                <a:schemeClr val="accent1">
-                  <a:lumMod val="75000"/>
-                </a:schemeClr>
-              </a:buClr>
-              <a:buSzPct val="100000"/>
-              <a:buFont typeface="Wingdings" panose="05000000000000000000" pitchFamily="2" charset="2"/>
-              <a:buChar char="§"/>
-              <a:defRPr/>
-            </a:pPr>
-            <a:endParaRPr lang="fr-FR" sz="2000" dirty="0" smtClean="0"/>
-          </a:p>
-          <a:p>
-            <a:pPr marL="342900" lvl="1" indent="-342900">
-              <a:lnSpc>
-                <a:spcPct val="150000"/>
-              </a:lnSpc>
-              <a:spcAft>
-                <a:spcPts val="600"/>
-              </a:spcAft>
-              <a:buClr>
-                <a:schemeClr val="accent1">
-                  <a:lumMod val="75000"/>
-                </a:schemeClr>
-              </a:buClr>
-              <a:buSzPct val="100000"/>
-              <a:buFont typeface="Wingdings" panose="05000000000000000000" pitchFamily="2" charset="2"/>
-              <a:buChar char="§"/>
-              <a:defRPr/>
-            </a:pPr>
-            <a:endParaRPr lang="fr-FR" sz="2000" dirty="0"/>
-          </a:p>
-        </p:txBody>
-      </p:sp>
-      <p:sp>
-        <p:nvSpPr>
-          <p:cNvPr id="7" name="ZoneTexte 6"/>
-          <p:cNvSpPr txBox="1"/>
-          <p:nvPr/>
-        </p:nvSpPr>
-        <p:spPr>
-          <a:xfrm>
-            <a:off x="1350066" y="1504060"/>
-            <a:ext cx="1187826" cy="400110"/>
-          </a:xfrm>
-          <a:prstGeom prst="rect">
-            <a:avLst/>
-          </a:prstGeom>
-        </p:spPr>
-        <p:style>
-          <a:lnRef idx="3">
-            <a:schemeClr val="lt1"/>
-          </a:lnRef>
-          <a:fillRef idx="1">
-            <a:schemeClr val="accent2"/>
-          </a:fillRef>
-          <a:effectRef idx="1">
-            <a:schemeClr val="accent2"/>
-          </a:effectRef>
-          <a:fontRef idx="minor">
-            <a:schemeClr val="lt1"/>
-          </a:fontRef>
-        </p:style>
-        <p:txBody>
-          <a:bodyPr wrap="none" rtlCol="0">
-            <a:spAutoFit/>
-          </a:bodyPr>
-          <a:lstStyle/>
-          <a:p>
-            <a:r>
-              <a:rPr lang="fr-FR" sz="2000" dirty="0" smtClean="0"/>
-              <a:t>Journée 1</a:t>
-            </a:r>
-            <a:endParaRPr lang="fr-FR" sz="2000" dirty="0"/>
-          </a:p>
-        </p:txBody>
-      </p:sp>
-      <p:sp>
-        <p:nvSpPr>
-          <p:cNvPr id="8" name="ZoneTexte 7"/>
-          <p:cNvSpPr txBox="1"/>
-          <p:nvPr/>
-        </p:nvSpPr>
-        <p:spPr>
-          <a:xfrm>
-            <a:off x="4066205" y="1504060"/>
-            <a:ext cx="1187826" cy="400110"/>
-          </a:xfrm>
-          <a:prstGeom prst="rect">
-            <a:avLst/>
-          </a:prstGeom>
-        </p:spPr>
-        <p:style>
-          <a:lnRef idx="3">
-            <a:schemeClr val="lt1"/>
-          </a:lnRef>
-          <a:fillRef idx="1">
-            <a:schemeClr val="accent2"/>
-          </a:fillRef>
-          <a:effectRef idx="1">
-            <a:schemeClr val="accent2"/>
-          </a:effectRef>
-          <a:fontRef idx="minor">
-            <a:schemeClr val="lt1"/>
-          </a:fontRef>
-        </p:style>
-        <p:txBody>
-          <a:bodyPr wrap="none" rtlCol="0">
-            <a:spAutoFit/>
-          </a:bodyPr>
-          <a:lstStyle/>
-          <a:p>
-            <a:r>
-              <a:rPr lang="fr-FR" sz="2000" dirty="0" smtClean="0"/>
-              <a:t>Journée 2</a:t>
-            </a:r>
-            <a:endParaRPr lang="fr-FR" sz="2000" dirty="0"/>
-          </a:p>
-        </p:txBody>
-      </p:sp>
     </p:spTree>
     <p:extLst>
       <p:ext uri="{BB962C8B-B14F-4D97-AF65-F5344CB8AC3E}">
-        <p14:creationId xmlns:p14="http://schemas.microsoft.com/office/powerpoint/2010/main" val="199528950"/>
+        <p14:creationId xmlns:p14="http://schemas.microsoft.com/office/powerpoint/2010/main" val="4185923690"/>
       </p:ext>
     </p:extLst>
   </p:cSld>
@@ -10052,6 +13216,136 @@
 </file>
 
 <file path=ppt/slides/slide7.xml><?xml version="1.0" encoding="utf-8"?>
+<p:sld xmlns:a="http://schemas.openxmlformats.org/drawingml/2006/main" xmlns:r="http://schemas.openxmlformats.org/officeDocument/2006/relationships" xmlns:p="http://schemas.openxmlformats.org/presentationml/2006/main">
+  <p:cSld>
+    <p:spTree>
+      <p:nvGrpSpPr>
+        <p:cNvPr id="1" name=""/>
+        <p:cNvGrpSpPr/>
+        <p:nvPr/>
+      </p:nvGrpSpPr>
+      <p:grpSpPr>
+        <a:xfrm>
+          <a:off x="0" y="0"/>
+          <a:ext cx="0" cy="0"/>
+          <a:chOff x="0" y="0"/>
+          <a:chExt cx="0" cy="0"/>
+        </a:xfrm>
+      </p:grpSpPr>
+      <p:sp>
+        <p:nvSpPr>
+          <p:cNvPr id="2" name="Title 1">
+            <a:extLst>
+              <a:ext uri="{FF2B5EF4-FFF2-40B4-BE49-F238E27FC236}">
+                <a16:creationId xmlns:a16="http://schemas.microsoft.com/office/drawing/2014/main" id="{552F2E6E-CD03-4600-A8A8-DC17406DD8D1}"/>
+              </a:ext>
+            </a:extLst>
+          </p:cNvPr>
+          <p:cNvSpPr>
+            <a:spLocks noGrp="1"/>
+          </p:cNvSpPr>
+          <p:nvPr>
+            <p:ph type="title"/>
+          </p:nvPr>
+        </p:nvSpPr>
+        <p:spPr/>
+        <p:txBody>
+          <a:bodyPr/>
+          <a:lstStyle/>
+          <a:p>
+            <a:r>
+              <a:rPr lang="fr-FR" dirty="0" smtClean="0"/>
+              <a:t>Programme</a:t>
+            </a:r>
+            <a:r>
+              <a:rPr lang="en-US" dirty="0" smtClean="0"/>
+              <a:t> </a:t>
+            </a:r>
+            <a:r>
+              <a:rPr lang="fr-FR" dirty="0" smtClean="0"/>
+              <a:t>de la Deuxième journée</a:t>
+            </a:r>
+            <a:endParaRPr lang="fr-FR" dirty="0"/>
+          </a:p>
+        </p:txBody>
+      </p:sp>
+      <p:graphicFrame>
+        <p:nvGraphicFramePr>
+          <p:cNvPr id="4" name="Espace réservé au contenu 3" descr="Graphique SmartArt icône">
+            <a:extLst>
+              <a:ext uri="{FF2B5EF4-FFF2-40B4-BE49-F238E27FC236}">
+                <a16:creationId xmlns:a16="http://schemas.microsoft.com/office/drawing/2014/main" id="{81E592E1-99DF-4294-A2E9-EF46299BD3F4}"/>
+              </a:ext>
+            </a:extLst>
+          </p:cNvPr>
+          <p:cNvGraphicFramePr>
+            <a:graphicFrameLocks noGrp="1"/>
+          </p:cNvGraphicFramePr>
+          <p:nvPr>
+            <p:ph idx="1"/>
+            <p:extLst>
+              <p:ext uri="{D42A27DB-BD31-4B8C-83A1-F6EECF244321}">
+                <p14:modId xmlns:p14="http://schemas.microsoft.com/office/powerpoint/2010/main" val="3669451928"/>
+              </p:ext>
+            </p:extLst>
+          </p:nvPr>
+        </p:nvGraphicFramePr>
+        <p:xfrm>
+          <a:off x="538193" y="2102466"/>
+          <a:ext cx="8272463" cy="2758679"/>
+        </p:xfrm>
+        <a:graphic>
+          <a:graphicData uri="http://schemas.openxmlformats.org/drawingml/2006/diagram">
+            <dgm:relIds xmlns:dgm="http://schemas.openxmlformats.org/drawingml/2006/diagram" xmlns:r="http://schemas.openxmlformats.org/officeDocument/2006/relationships" r:dm="rId2" r:lo="rId3" r:qs="rId4" r:cs="rId5"/>
+          </a:graphicData>
+        </a:graphic>
+      </p:graphicFrame>
+      <p:sp>
+        <p:nvSpPr>
+          <p:cNvPr id="3" name="Espace réservé du numéro de diapositive 2"/>
+          <p:cNvSpPr>
+            <a:spLocks noGrp="1"/>
+          </p:cNvSpPr>
+          <p:nvPr>
+            <p:ph type="sldNum" sz="quarter" idx="12"/>
+          </p:nvPr>
+        </p:nvSpPr>
+        <p:spPr/>
+        <p:txBody>
+          <a:bodyPr/>
+          <a:lstStyle/>
+          <a:p>
+            <a:pPr rtl="0"/>
+            <a:fld id="{D57F1E4F-1CFF-5643-939E-217C01CDF565}" type="slidenum">
+              <a:rPr lang="fr-FR" noProof="0" smtClean="0"/>
+              <a:pPr rtl="0"/>
+              <a:t>7</a:t>
+            </a:fld>
+            <a:endParaRPr lang="fr-FR" noProof="0" dirty="0"/>
+          </a:p>
+        </p:txBody>
+      </p:sp>
+    </p:spTree>
+    <p:extLst>
+      <p:ext uri="{BB962C8B-B14F-4D97-AF65-F5344CB8AC3E}">
+        <p14:creationId xmlns:p14="http://schemas.microsoft.com/office/powerpoint/2010/main" val="3781493403"/>
+      </p:ext>
+    </p:extLst>
+  </p:cSld>
+  <p:clrMapOvr>
+    <a:masterClrMapping/>
+  </p:clrMapOvr>
+  <p:timing>
+    <p:tnLst>
+      <p:par>
+        <p:cTn id="1" dur="indefinite" restart="never" nodeType="tmRoot"/>
+      </p:par>
+    </p:tnLst>
+  </p:timing>
+</p:sld>
+</file>
+
+<file path=ppt/slides/slide8.xml><?xml version="1.0" encoding="utf-8"?>
 <p:sld xmlns:a="http://schemas.openxmlformats.org/drawingml/2006/main" xmlns:r="http://schemas.openxmlformats.org/officeDocument/2006/relationships" xmlns:p="http://schemas.openxmlformats.org/presentationml/2006/main">
   <p:cSld>
     <p:spTree>
@@ -10469,7 +13763,7 @@
           <p:nvPr/>
         </p:nvPicPr>
         <p:blipFill>
-          <a:blip r:embed="rId2">
+          <a:blip r:embed="rId3">
             <a:extLst>
               <a:ext uri="{28A0092B-C50C-407E-A947-70E740481C1C}">
                 <a14:useLocalDpi xmlns:a14="http://schemas.microsoft.com/office/drawing/2010/main" val="0"/>
@@ -10482,7 +13776,7 @@
         </p:blipFill>
         <p:spPr>
           <a:xfrm>
-            <a:off x="5224734" y="2728860"/>
+            <a:off x="5241825" y="1681133"/>
             <a:ext cx="3140473" cy="1519033"/>
           </a:xfrm>
           <a:prstGeom prst="rect">
@@ -10509,9 +13803,373 @@
             <a:fld id="{D57F1E4F-1CFF-5643-939E-217C01CDF565}" type="slidenum">
               <a:rPr lang="fr-FR" noProof="0" smtClean="0"/>
               <a:pPr rtl="0"/>
-              <a:t>7</a:t>
+              <a:t>8</a:t>
             </a:fld>
             <a:endParaRPr lang="fr-FR" noProof="0" dirty="0"/>
+          </a:p>
+        </p:txBody>
+      </p:sp>
+      <p:sp>
+        <p:nvSpPr>
+          <p:cNvPr id="6" name="Espace réservé du texte 4"/>
+          <p:cNvSpPr txBox="1">
+            <a:spLocks/>
+          </p:cNvSpPr>
+          <p:nvPr/>
+        </p:nvSpPr>
+        <p:spPr>
+          <a:xfrm>
+            <a:off x="5977631" y="4033603"/>
+            <a:ext cx="1423028" cy="1222029"/>
+          </a:xfrm>
+          <a:prstGeom prst="rect">
+            <a:avLst/>
+          </a:prstGeom>
+        </p:spPr>
+        <p:txBody>
+          <a:bodyPr>
+            <a:normAutofit/>
+          </a:bodyPr>
+          <a:lstStyle>
+            <a:lvl1pPr marL="229500" indent="-229500" algn="l" defTabSz="342900" rtl="0" eaLnBrk="1" latinLnBrk="0" hangingPunct="1">
+              <a:spcBef>
+                <a:spcPct val="20000"/>
+              </a:spcBef>
+              <a:spcAft>
+                <a:spcPts val="450"/>
+              </a:spcAft>
+              <a:buClr>
+                <a:schemeClr val="accent2"/>
+              </a:buClr>
+              <a:buSzPct val="92000"/>
+              <a:buFont typeface="Wingdings 2" panose="05020102010507070707" pitchFamily="18" charset="2"/>
+              <a:buChar char=""/>
+              <a:defRPr sz="1350" kern="1200">
+                <a:solidFill>
+                  <a:schemeClr val="tx2"/>
+                </a:solidFill>
+                <a:latin typeface="+mn-lt"/>
+                <a:ea typeface="+mn-ea"/>
+                <a:cs typeface="+mn-cs"/>
+              </a:defRPr>
+            </a:lvl1pPr>
+            <a:lvl2pPr marL="472500" indent="-229500" algn="l" defTabSz="342900" rtl="0" eaLnBrk="1" latinLnBrk="0" hangingPunct="1">
+              <a:spcBef>
+                <a:spcPct val="20000"/>
+              </a:spcBef>
+              <a:spcAft>
+                <a:spcPts val="450"/>
+              </a:spcAft>
+              <a:buClr>
+                <a:schemeClr val="accent2"/>
+              </a:buClr>
+              <a:buSzPct val="92000"/>
+              <a:buFont typeface="Wingdings 2" panose="05020102010507070707" pitchFamily="18" charset="2"/>
+              <a:buChar char=""/>
+              <a:defRPr sz="1200" kern="1200">
+                <a:solidFill>
+                  <a:schemeClr val="tx2"/>
+                </a:solidFill>
+                <a:latin typeface="+mn-lt"/>
+                <a:ea typeface="+mn-ea"/>
+                <a:cs typeface="+mn-cs"/>
+              </a:defRPr>
+            </a:lvl2pPr>
+            <a:lvl3pPr marL="675000" indent="-202500" algn="l" defTabSz="342900" rtl="0" eaLnBrk="1" latinLnBrk="0" hangingPunct="1">
+              <a:spcBef>
+                <a:spcPct val="20000"/>
+              </a:spcBef>
+              <a:spcAft>
+                <a:spcPts val="450"/>
+              </a:spcAft>
+              <a:buClr>
+                <a:schemeClr val="accent2"/>
+              </a:buClr>
+              <a:buSzPct val="92000"/>
+              <a:buFont typeface="Wingdings 2" panose="05020102010507070707" pitchFamily="18" charset="2"/>
+              <a:buChar char=""/>
+              <a:defRPr sz="1050" kern="1200">
+                <a:solidFill>
+                  <a:schemeClr val="tx2"/>
+                </a:solidFill>
+                <a:latin typeface="+mn-lt"/>
+                <a:ea typeface="+mn-ea"/>
+                <a:cs typeface="+mn-cs"/>
+              </a:defRPr>
+            </a:lvl3pPr>
+            <a:lvl4pPr marL="931500" indent="-175500" algn="l" defTabSz="342900" rtl="0" eaLnBrk="1" latinLnBrk="0" hangingPunct="1">
+              <a:spcBef>
+                <a:spcPct val="20000"/>
+              </a:spcBef>
+              <a:spcAft>
+                <a:spcPts val="450"/>
+              </a:spcAft>
+              <a:buClr>
+                <a:schemeClr val="accent2"/>
+              </a:buClr>
+              <a:buSzPct val="92000"/>
+              <a:buFont typeface="Wingdings 2" panose="05020102010507070707" pitchFamily="18" charset="2"/>
+              <a:buChar char=""/>
+              <a:defRPr sz="900" kern="1200">
+                <a:solidFill>
+                  <a:schemeClr val="tx2"/>
+                </a:solidFill>
+                <a:latin typeface="+mn-lt"/>
+                <a:ea typeface="+mn-ea"/>
+                <a:cs typeface="+mn-cs"/>
+              </a:defRPr>
+            </a:lvl4pPr>
+            <a:lvl5pPr marL="1201500" indent="-175500" algn="l" defTabSz="342900" rtl="0" eaLnBrk="1" latinLnBrk="0" hangingPunct="1">
+              <a:spcBef>
+                <a:spcPct val="20000"/>
+              </a:spcBef>
+              <a:spcAft>
+                <a:spcPts val="450"/>
+              </a:spcAft>
+              <a:buClr>
+                <a:schemeClr val="accent2"/>
+              </a:buClr>
+              <a:buSzPct val="92000"/>
+              <a:buFont typeface="Wingdings 2" panose="05020102010507070707" pitchFamily="18" charset="2"/>
+              <a:buChar char=""/>
+              <a:defRPr sz="900" kern="1200">
+                <a:solidFill>
+                  <a:schemeClr val="tx2"/>
+                </a:solidFill>
+                <a:latin typeface="+mn-lt"/>
+                <a:ea typeface="+mn-ea"/>
+                <a:cs typeface="+mn-cs"/>
+              </a:defRPr>
+            </a:lvl5pPr>
+            <a:lvl6pPr marL="1425000" indent="-171450" algn="l" defTabSz="342900" rtl="0" eaLnBrk="1" latinLnBrk="0" hangingPunct="1">
+              <a:spcBef>
+                <a:spcPct val="20000"/>
+              </a:spcBef>
+              <a:spcAft>
+                <a:spcPts val="450"/>
+              </a:spcAft>
+              <a:buClr>
+                <a:schemeClr val="accent2"/>
+              </a:buClr>
+              <a:buSzPct val="92000"/>
+              <a:buFont typeface="Wingdings 2" panose="05020102010507070707" pitchFamily="18" charset="2"/>
+              <a:buChar char=""/>
+              <a:defRPr sz="900" kern="1200">
+                <a:solidFill>
+                  <a:schemeClr val="tx2"/>
+                </a:solidFill>
+                <a:latin typeface="+mn-lt"/>
+                <a:ea typeface="+mn-ea"/>
+                <a:cs typeface="+mn-cs"/>
+              </a:defRPr>
+            </a:lvl6pPr>
+            <a:lvl7pPr marL="1650000" indent="-171450" algn="l" defTabSz="342900" rtl="0" eaLnBrk="1" latinLnBrk="0" hangingPunct="1">
+              <a:spcBef>
+                <a:spcPct val="20000"/>
+              </a:spcBef>
+              <a:spcAft>
+                <a:spcPts val="450"/>
+              </a:spcAft>
+              <a:buClr>
+                <a:schemeClr val="accent2"/>
+              </a:buClr>
+              <a:buSzPct val="92000"/>
+              <a:buFont typeface="Wingdings 2" panose="05020102010507070707" pitchFamily="18" charset="2"/>
+              <a:buChar char=""/>
+              <a:defRPr sz="900" kern="1200">
+                <a:solidFill>
+                  <a:schemeClr val="tx2"/>
+                </a:solidFill>
+                <a:latin typeface="+mn-lt"/>
+                <a:ea typeface="+mn-ea"/>
+                <a:cs typeface="+mn-cs"/>
+              </a:defRPr>
+            </a:lvl7pPr>
+            <a:lvl8pPr marL="1875000" indent="-171450" algn="l" defTabSz="342900" rtl="0" eaLnBrk="1" latinLnBrk="0" hangingPunct="1">
+              <a:spcBef>
+                <a:spcPct val="20000"/>
+              </a:spcBef>
+              <a:spcAft>
+                <a:spcPts val="450"/>
+              </a:spcAft>
+              <a:buClr>
+                <a:schemeClr val="accent2"/>
+              </a:buClr>
+              <a:buSzPct val="92000"/>
+              <a:buFont typeface="Wingdings 2" panose="05020102010507070707" pitchFamily="18" charset="2"/>
+              <a:buChar char=""/>
+              <a:defRPr sz="900" kern="1200">
+                <a:solidFill>
+                  <a:schemeClr val="tx2"/>
+                </a:solidFill>
+                <a:latin typeface="+mn-lt"/>
+                <a:ea typeface="+mn-ea"/>
+                <a:cs typeface="+mn-cs"/>
+              </a:defRPr>
+            </a:lvl8pPr>
+            <a:lvl9pPr marL="2100000" indent="-171450" algn="l" defTabSz="342900" rtl="0" eaLnBrk="1" latinLnBrk="0" hangingPunct="1">
+              <a:spcBef>
+                <a:spcPct val="20000"/>
+              </a:spcBef>
+              <a:spcAft>
+                <a:spcPts val="450"/>
+              </a:spcAft>
+              <a:buClr>
+                <a:schemeClr val="accent2"/>
+              </a:buClr>
+              <a:buSzPct val="92000"/>
+              <a:buFont typeface="Wingdings 2" panose="05020102010507070707" pitchFamily="18" charset="2"/>
+              <a:buChar char=""/>
+              <a:defRPr sz="900" kern="1200">
+                <a:solidFill>
+                  <a:schemeClr val="tx2"/>
+                </a:solidFill>
+                <a:latin typeface="+mn-lt"/>
+                <a:ea typeface="+mn-ea"/>
+                <a:cs typeface="+mn-cs"/>
+              </a:defRPr>
+            </a:lvl9pPr>
+          </a:lstStyle>
+          <a:p>
+            <a:pPr marL="0" lvl="1" indent="0">
+              <a:lnSpc>
+                <a:spcPct val="150000"/>
+              </a:lnSpc>
+              <a:spcAft>
+                <a:spcPts val="600"/>
+              </a:spcAft>
+              <a:buClr>
+                <a:schemeClr val="accent1">
+                  <a:lumMod val="75000"/>
+                </a:schemeClr>
+              </a:buClr>
+              <a:buSzPct val="100000"/>
+              <a:buNone/>
+              <a:defRPr/>
+            </a:pPr>
+            <a:r>
+              <a:rPr lang="fr-FR" sz="2000" dirty="0" smtClean="0"/>
+              <a:t>9H </a:t>
+            </a:r>
+            <a:r>
+              <a:rPr lang="fr-FR" sz="2000" dirty="0" smtClean="0">
+                <a:sym typeface="Wingdings" panose="05000000000000000000" pitchFamily="2" charset="2"/>
+              </a:rPr>
+              <a:t> 12H</a:t>
+            </a:r>
+            <a:endParaRPr lang="fr-FR" sz="2000" dirty="0" smtClean="0"/>
+          </a:p>
+          <a:p>
+            <a:pPr marL="0" lvl="1" indent="0">
+              <a:lnSpc>
+                <a:spcPct val="150000"/>
+              </a:lnSpc>
+              <a:spcAft>
+                <a:spcPts val="600"/>
+              </a:spcAft>
+              <a:buClr>
+                <a:schemeClr val="accent1">
+                  <a:lumMod val="75000"/>
+                </a:schemeClr>
+              </a:buClr>
+              <a:buSzPct val="100000"/>
+              <a:buNone/>
+              <a:defRPr/>
+            </a:pPr>
+            <a:r>
+              <a:rPr lang="fr-FR" sz="2000" dirty="0" smtClean="0"/>
+              <a:t>14H </a:t>
+            </a:r>
+            <a:r>
+              <a:rPr lang="fr-FR" sz="2000" dirty="0" smtClean="0">
+                <a:sym typeface="Wingdings" panose="05000000000000000000" pitchFamily="2" charset="2"/>
+              </a:rPr>
+              <a:t>17H</a:t>
+            </a:r>
+            <a:endParaRPr lang="fr-FR" sz="2000" dirty="0" smtClean="0"/>
+          </a:p>
+          <a:p>
+            <a:pPr marL="342900" lvl="1" indent="-342900">
+              <a:lnSpc>
+                <a:spcPct val="150000"/>
+              </a:lnSpc>
+              <a:spcAft>
+                <a:spcPts val="600"/>
+              </a:spcAft>
+              <a:buClr>
+                <a:schemeClr val="accent1">
+                  <a:lumMod val="75000"/>
+                </a:schemeClr>
+              </a:buClr>
+              <a:buSzPct val="100000"/>
+              <a:buFont typeface="Wingdings" panose="05000000000000000000" pitchFamily="2" charset="2"/>
+              <a:buChar char="§"/>
+              <a:defRPr/>
+            </a:pPr>
+            <a:endParaRPr lang="fr-FR" sz="2000" dirty="0" smtClean="0"/>
+          </a:p>
+          <a:p>
+            <a:pPr marL="342900" lvl="1" indent="-342900">
+              <a:lnSpc>
+                <a:spcPct val="150000"/>
+              </a:lnSpc>
+              <a:spcAft>
+                <a:spcPts val="600"/>
+              </a:spcAft>
+              <a:buClr>
+                <a:schemeClr val="accent1">
+                  <a:lumMod val="75000"/>
+                </a:schemeClr>
+              </a:buClr>
+              <a:buSzPct val="100000"/>
+              <a:buFont typeface="Wingdings" panose="05000000000000000000" pitchFamily="2" charset="2"/>
+              <a:buChar char="§"/>
+              <a:defRPr/>
+            </a:pPr>
+            <a:endParaRPr lang="fr-FR" sz="2000" dirty="0"/>
+          </a:p>
+        </p:txBody>
+      </p:sp>
+      <p:sp>
+        <p:nvSpPr>
+          <p:cNvPr id="7" name="ZoneTexte 6"/>
+          <p:cNvSpPr txBox="1"/>
+          <p:nvPr/>
+        </p:nvSpPr>
+        <p:spPr>
+          <a:xfrm>
+            <a:off x="6065921" y="3334560"/>
+            <a:ext cx="1098058" cy="400110"/>
+          </a:xfrm>
+          <a:prstGeom prst="rect">
+            <a:avLst/>
+          </a:prstGeom>
+        </p:spPr>
+        <p:style>
+          <a:lnRef idx="3">
+            <a:schemeClr val="lt1"/>
+          </a:lnRef>
+          <a:fillRef idx="1">
+            <a:schemeClr val="accent2"/>
+          </a:fillRef>
+          <a:effectRef idx="1">
+            <a:schemeClr val="accent2"/>
+          </a:effectRef>
+          <a:fontRef idx="minor">
+            <a:schemeClr val="lt1"/>
+          </a:fontRef>
+        </p:style>
+        <p:txBody>
+          <a:bodyPr wrap="none" rtlCol="0">
+            <a:spAutoFit/>
+          </a:bodyPr>
+          <a:lstStyle/>
+          <a:p>
+            <a:r>
+              <a:rPr lang="fr-FR" sz="2000" dirty="0" smtClean="0"/>
+              <a:t>Horaires</a:t>
+            </a:r>
+            <a:endParaRPr lang="fr-FR" sz="2000" dirty="0"/>
           </a:p>
         </p:txBody>
       </p:sp>
@@ -10535,7 +14193,7 @@
 </p:sld>
 </file>
 
-<file path=ppt/slides/slide8.xml><?xml version="1.0" encoding="utf-8"?>
+<file path=ppt/slides/slide9.xml><?xml version="1.0" encoding="utf-8"?>
 <p:sld xmlns:a="http://schemas.openxmlformats.org/drawingml/2006/main" xmlns:r="http://schemas.openxmlformats.org/officeDocument/2006/relationships" xmlns:p="http://schemas.openxmlformats.org/presentationml/2006/main">
   <p:cSld>
     <p:spTree>
@@ -10592,7 +14250,7 @@
             <a:fld id="{D57F1E4F-1CFF-5643-939E-217C01CDF565}" type="slidenum">
               <a:rPr lang="fr-FR" smtClean="0"/>
               <a:pPr/>
-              <a:t>8</a:t>
+              <a:t>9</a:t>
             </a:fld>
             <a:endParaRPr lang="fr-FR" dirty="0"/>
           </a:p>
@@ -10906,39 +14564,37 @@
               <a:rPr lang="fr-FR" sz="1400" dirty="0"/>
             </a:br>
             <a:r>
-              <a:rPr lang="fr-FR" sz="1400" dirty="0"/>
-              <a:t>git clone </a:t>
-            </a:r>
-            <a:r>
-              <a:rPr lang="fr-FR" sz="1400" dirty="0" smtClean="0"/>
-              <a:t/>
-            </a:r>
-            <a:br>
-              <a:rPr lang="fr-FR" sz="1400" dirty="0" smtClean="0"/>
-            </a:br>
-            <a:r>
-              <a:rPr lang="fr-FR" sz="1600" dirty="0" smtClean="0"/>
+              <a:rPr lang="fr-FR" sz="1400" dirty="0">
+                <a:latin typeface="Cascadia Code" panose="020B0609020000020004" pitchFamily="49" charset="0"/>
+                <a:cs typeface="Cascadia Code" panose="020B0609020000020004" pitchFamily="49" charset="0"/>
+              </a:rPr>
+              <a:t>git </a:t>
+            </a:r>
+            <a:r>
+              <a:rPr lang="fr-FR" sz="1400" dirty="0" smtClean="0">
+                <a:latin typeface="Cascadia Code" panose="020B0609020000020004" pitchFamily="49" charset="0"/>
+                <a:cs typeface="Cascadia Code" panose="020B0609020000020004" pitchFamily="49" charset="0"/>
+              </a:rPr>
+              <a:t>clone </a:t>
+            </a:r>
+            <a:r>
+              <a:rPr lang="fr-FR" sz="1600" dirty="0" smtClean="0">
+                <a:latin typeface="Cascadia Code" panose="020B0609020000020004" pitchFamily="49" charset="0"/>
+                <a:cs typeface="Cascadia Code" panose="020B0609020000020004" pitchFamily="49" charset="0"/>
+              </a:rPr>
               <a:t>https</a:t>
             </a:r>
             <a:r>
-              <a:rPr lang="fr-FR" sz="1600" dirty="0"/>
-              <a:t>://github.com/franckginguene</a:t>
-            </a:r>
-            <a:r>
-              <a:rPr lang="fr-FR" sz="1600" dirty="0" smtClean="0"/>
-              <a:t>/</a:t>
-            </a:r>
-            <a:br>
-              <a:rPr lang="fr-FR" sz="1600" dirty="0" smtClean="0"/>
-            </a:br>
-            <a:r>
-              <a:rPr lang="fr-FR" sz="1600" dirty="0" err="1" smtClean="0"/>
-              <a:t>hpc_formation_scalian.git</a:t>
-            </a:r>
-            <a:endParaRPr lang="fr-FR" sz="1600" dirty="0"/>
-          </a:p>
-          <a:p>
-            <a:endParaRPr lang="fr-FR" sz="1400" dirty="0"/>
+              <a:rPr lang="fr-FR" sz="1600" dirty="0">
+                <a:latin typeface="Cascadia Code" panose="020B0609020000020004" pitchFamily="49" charset="0"/>
+                <a:cs typeface="Cascadia Code" panose="020B0609020000020004" pitchFamily="49" charset="0"/>
+              </a:rPr>
+              <a:t>://github.com/franckginguene/cpp_scalian.git</a:t>
+            </a:r>
+            <a:endParaRPr lang="fr-FR" sz="1400" dirty="0">
+              <a:latin typeface="Cascadia Code" panose="020B0609020000020004" pitchFamily="49" charset="0"/>
+              <a:cs typeface="Cascadia Code" panose="020B0609020000020004" pitchFamily="49" charset="0"/>
+            </a:endParaRPr>
           </a:p>
         </p:txBody>
       </p:sp>
@@ -11239,34 +14895,6 @@
           <a:p>
             <a:r>
               <a:rPr lang="fr-FR" dirty="0" smtClean="0"/>
-              <a:t>Le chemin vers CUDA doit être un « short path »</a:t>
-            </a:r>
-            <a:endParaRPr lang="fr-FR" dirty="0"/>
-          </a:p>
-          <a:p>
-            <a:pPr lvl="1"/>
-            <a:r>
-              <a:rPr lang="fr-FR" dirty="0" smtClean="0"/>
-              <a:t>Ouvrir une fenêtre powershell à la racine du dépôt et taper la commande suivante :</a:t>
-            </a:r>
-            <a:br>
-              <a:rPr lang="fr-FR" dirty="0" smtClean="0"/>
-            </a:br>
-            <a:r>
-              <a:rPr lang="fr-FR" dirty="0" smtClean="0"/>
-              <a:t>.\getShortPath.cmd « &lt;Path complet  vers CUDA&gt; »</a:t>
-            </a:r>
-          </a:p>
-          <a:p>
-            <a:pPr lvl="1"/>
-            <a:r>
-              <a:rPr lang="fr-FR" dirty="0" smtClean="0"/>
-              <a:t>La commande vous renvoie le chemin court</a:t>
-            </a:r>
-          </a:p>
-          <a:p>
-            <a:r>
-              <a:rPr lang="fr-FR" dirty="0" smtClean="0"/>
               <a:t>Le champ WIN_SDK se trouve en faisant un clic droit propriété sur un projet Visual </a:t>
             </a:r>
             <a:endParaRPr lang="fr-FR" dirty="0"/>
@@ -11295,7 +14923,7 @@
         </p:blipFill>
         <p:spPr>
           <a:xfrm>
-            <a:off x="1409626" y="3840433"/>
+            <a:off x="1409626" y="4313382"/>
             <a:ext cx="2274751" cy="1112194"/>
           </a:xfrm>
           <a:prstGeom prst="rect">
@@ -11331,236 +14959,6 @@
     <p:extLst>
       <p:ext uri="{BB962C8B-B14F-4D97-AF65-F5344CB8AC3E}">
         <p14:creationId xmlns:p14="http://schemas.microsoft.com/office/powerpoint/2010/main" val="3064497747"/>
-      </p:ext>
-    </p:extLst>
-  </p:cSld>
-  <p:clrMapOvr>
-    <a:masterClrMapping/>
-  </p:clrMapOvr>
-  <p:timing>
-    <p:tnLst>
-      <p:par>
-        <p:cTn id="1" dur="indefinite" restart="never" nodeType="tmRoot"/>
-      </p:par>
-    </p:tnLst>
-  </p:timing>
-</p:sld>
-</file>
-
-<file path=ppt/slides/slide9.xml><?xml version="1.0" encoding="utf-8"?>
-<p:sld xmlns:a="http://schemas.openxmlformats.org/drawingml/2006/main" xmlns:r="http://schemas.openxmlformats.org/officeDocument/2006/relationships" xmlns:p="http://schemas.openxmlformats.org/presentationml/2006/main">
-  <p:cSld>
-    <p:spTree>
-      <p:nvGrpSpPr>
-        <p:cNvPr id="1" name=""/>
-        <p:cNvGrpSpPr/>
-        <p:nvPr/>
-      </p:nvGrpSpPr>
-      <p:grpSpPr>
-        <a:xfrm>
-          <a:off x="0" y="0"/>
-          <a:ext cx="0" cy="0"/>
-          <a:chOff x="0" y="0"/>
-          <a:chExt cx="0" cy="0"/>
-        </a:xfrm>
-      </p:grpSpPr>
-      <p:pic>
-        <p:nvPicPr>
-          <p:cNvPr id="6" name="Image 5"/>
-          <p:cNvPicPr>
-            <a:picLocks noChangeAspect="1"/>
-          </p:cNvPicPr>
-          <p:nvPr/>
-        </p:nvPicPr>
-        <p:blipFill>
-          <a:blip r:embed="rId3">
-            <a:extLst>
-              <a:ext uri="{28A0092B-C50C-407E-A947-70E740481C1C}">
-                <a14:useLocalDpi xmlns:a14="http://schemas.microsoft.com/office/drawing/2010/main" val="0"/>
-              </a:ext>
-            </a:extLst>
-          </a:blip>
-          <a:stretch>
-            <a:fillRect/>
-          </a:stretch>
-        </p:blipFill>
-        <p:spPr>
-          <a:xfrm>
-            <a:off x="0" y="0"/>
-            <a:ext cx="9144000" cy="5715000"/>
-          </a:xfrm>
-          <a:prstGeom prst="rect">
-            <a:avLst/>
-          </a:prstGeom>
-        </p:spPr>
-      </p:pic>
-      <p:sp>
-        <p:nvSpPr>
-          <p:cNvPr id="4" name="Rectangle 3"/>
-          <p:cNvSpPr/>
-          <p:nvPr/>
-        </p:nvSpPr>
-        <p:spPr>
-          <a:xfrm>
-            <a:off x="435893" y="3689975"/>
-            <a:ext cx="8392798" cy="1166649"/>
-          </a:xfrm>
-          <a:prstGeom prst="rect">
-            <a:avLst/>
-          </a:prstGeom>
-        </p:spPr>
-        <p:style>
-          <a:lnRef idx="2">
-            <a:schemeClr val="accent1">
-              <a:shade val="50000"/>
-            </a:schemeClr>
-          </a:lnRef>
-          <a:fillRef idx="1">
-            <a:schemeClr val="accent1"/>
-          </a:fillRef>
-          <a:effectRef idx="0">
-            <a:schemeClr val="accent1"/>
-          </a:effectRef>
-          <a:fontRef idx="minor">
-            <a:schemeClr val="lt1"/>
-          </a:fontRef>
-        </p:style>
-        <p:txBody>
-          <a:bodyPr rtlCol="0" anchor="ctr"/>
-          <a:lstStyle/>
-          <a:p>
-            <a:pPr algn="ctr"/>
-            <a:endParaRPr lang="fr-FR" dirty="0"/>
-          </a:p>
-        </p:txBody>
-      </p:sp>
-      <p:sp>
-        <p:nvSpPr>
-          <p:cNvPr id="2" name="Titre 1">
-            <a:extLst>
-              <a:ext uri="{FF2B5EF4-FFF2-40B4-BE49-F238E27FC236}">
-                <a16:creationId xmlns:a16="http://schemas.microsoft.com/office/drawing/2014/main" id="{C02C5318-1A1E-49D0-B2E2-A4B0FA9E8A40}"/>
-              </a:ext>
-            </a:extLst>
-          </p:cNvPr>
-          <p:cNvSpPr>
-            <a:spLocks noGrp="1"/>
-          </p:cNvSpPr>
-          <p:nvPr>
-            <p:ph type="ctrTitle"/>
-          </p:nvPr>
-        </p:nvSpPr>
-        <p:spPr>
-          <a:xfrm>
-            <a:off x="435894" y="3714750"/>
-            <a:ext cx="8245162" cy="671433"/>
-          </a:xfrm>
-        </p:spPr>
-        <p:txBody>
-          <a:bodyPr rtlCol="0">
-            <a:noAutofit/>
-          </a:bodyPr>
-          <a:lstStyle/>
-          <a:p>
-            <a:pPr algn="r" rtl="0"/>
-            <a:r>
-              <a:rPr lang="fr-FR" sz="3150" dirty="0" smtClean="0">
-                <a:solidFill>
-                  <a:schemeClr val="bg1"/>
-                </a:solidFill>
-              </a:rPr>
-              <a:t>Prêts ?</a:t>
-            </a:r>
-            <a:endParaRPr lang="fr-FR" sz="3150" dirty="0">
-              <a:solidFill>
-                <a:schemeClr val="bg1"/>
-              </a:solidFill>
-            </a:endParaRPr>
-          </a:p>
-        </p:txBody>
-      </p:sp>
-      <p:sp>
-        <p:nvSpPr>
-          <p:cNvPr id="3" name="Sous-titre 2">
-            <a:extLst>
-              <a:ext uri="{FF2B5EF4-FFF2-40B4-BE49-F238E27FC236}">
-                <a16:creationId xmlns:a16="http://schemas.microsoft.com/office/drawing/2014/main" id="{48B6CF59-4E5B-494D-A2F7-97ADD01E6497}"/>
-              </a:ext>
-            </a:extLst>
-          </p:cNvPr>
-          <p:cNvSpPr>
-            <a:spLocks noGrp="1"/>
-          </p:cNvSpPr>
-          <p:nvPr>
-            <p:ph type="subTitle" idx="1"/>
-          </p:nvPr>
-        </p:nvSpPr>
-        <p:spPr>
-          <a:xfrm>
-            <a:off x="435895" y="4386184"/>
-            <a:ext cx="8245160" cy="363617"/>
-          </a:xfrm>
-        </p:spPr>
-        <p:txBody>
-          <a:bodyPr rtlCol="0">
-            <a:normAutofit/>
-          </a:bodyPr>
-          <a:lstStyle/>
-          <a:p>
-            <a:pPr algn="r" rtl="0"/>
-            <a:r>
-              <a:rPr lang="fr-FR" dirty="0" smtClean="0">
-                <a:solidFill>
-                  <a:srgbClr val="7CEBFF"/>
-                </a:solidFill>
-              </a:rPr>
-              <a:t>Formation </a:t>
-            </a:r>
-            <a:r>
-              <a:rPr lang="fr-FR" smtClean="0">
-                <a:solidFill>
-                  <a:srgbClr val="7CEBFF"/>
-                </a:solidFill>
-              </a:rPr>
-              <a:t>interne scalian</a:t>
-            </a:r>
-            <a:endParaRPr lang="fr-FR" dirty="0">
-              <a:solidFill>
-                <a:srgbClr val="7CEBFF"/>
-              </a:solidFill>
-            </a:endParaRPr>
-          </a:p>
-        </p:txBody>
-      </p:sp>
-      <p:sp>
-        <p:nvSpPr>
-          <p:cNvPr id="5" name="Espace réservé du numéro de diapositive 4"/>
-          <p:cNvSpPr>
-            <a:spLocks noGrp="1"/>
-          </p:cNvSpPr>
-          <p:nvPr>
-            <p:ph type="sldNum" sz="quarter" idx="12"/>
-          </p:nvPr>
-        </p:nvSpPr>
-        <p:spPr/>
-        <p:txBody>
-          <a:bodyPr/>
-          <a:lstStyle/>
-          <a:p>
-            <a:pPr rtl="0"/>
-            <a:fld id="{D57F1E4F-1CFF-5643-939E-217C01CDF565}" type="slidenum">
-              <a:rPr lang="fr-FR" noProof="0" smtClean="0"/>
-              <a:pPr rtl="0"/>
-              <a:t>9</a:t>
-            </a:fld>
-            <a:endParaRPr lang="fr-FR" noProof="0" dirty="0"/>
-          </a:p>
-        </p:txBody>
-      </p:sp>
-    </p:spTree>
-    <p:extLst>
-      <p:ext uri="{BB962C8B-B14F-4D97-AF65-F5344CB8AC3E}">
-        <p14:creationId xmlns:p14="http://schemas.microsoft.com/office/powerpoint/2010/main" val="2265540439"/>
       </p:ext>
     </p:extLst>
   </p:cSld>
@@ -12437,12 +15835,11 @@
 </file>
 
 <file path=customXml/item1.xml><?xml version="1.0" encoding="utf-8"?>
-<?mso-contentType ?>
-<FormTemplates xmlns="http://schemas.microsoft.com/sharepoint/v3/contenttype/forms">
-  <Display>DocumentLibraryForm</Display>
-  <Edit>DocumentLibraryForm</Edit>
-  <New>DocumentLibraryForm</New>
-</FormTemplates>
+<p:properties xmlns:p="http://schemas.microsoft.com/office/2006/metadata/properties" xmlns:xsi="http://www.w3.org/2001/XMLSchema-instance" xmlns:pc="http://schemas.microsoft.com/office/infopath/2007/PartnerControls">
+  <documentManagement>
+    <MediaServiceKeyPoints xmlns="71af3243-3dd4-4a8d-8c0d-dd76da1f02a5" xsi:nil="true"/>
+  </documentManagement>
+</p:properties>
 </file>
 
 <file path=customXml/item2.xml><?xml version="1.0" encoding="utf-8"?>
@@ -12657,17 +16054,27 @@
 </file>
 
 <file path=customXml/item3.xml><?xml version="1.0" encoding="utf-8"?>
-<p:properties xmlns:p="http://schemas.microsoft.com/office/2006/metadata/properties" xmlns:xsi="http://www.w3.org/2001/XMLSchema-instance" xmlns:pc="http://schemas.microsoft.com/office/infopath/2007/PartnerControls">
-  <documentManagement>
-    <MediaServiceKeyPoints xmlns="71af3243-3dd4-4a8d-8c0d-dd76da1f02a5" xsi:nil="true"/>
-  </documentManagement>
-</p:properties>
+<?mso-contentType ?>
+<FormTemplates xmlns="http://schemas.microsoft.com/sharepoint/v3/contenttype/forms">
+  <Display>DocumentLibraryForm</Display>
+  <Edit>DocumentLibraryForm</Edit>
+  <New>DocumentLibraryForm</New>
+</FormTemplates>
 </file>
 
 <file path=customXml/itemProps1.xml><?xml version="1.0" encoding="utf-8"?>
-<ds:datastoreItem xmlns:ds="http://schemas.openxmlformats.org/officeDocument/2006/customXml" ds:itemID="{2B21BF1A-59D3-4E19-9B95-2FD4309AC3AF}">
+<ds:datastoreItem xmlns:ds="http://schemas.openxmlformats.org/officeDocument/2006/customXml" ds:itemID="{F651EF32-6551-47EB-8BA9-22EF81F3DDAC}">
   <ds:schemaRefs>
-    <ds:schemaRef ds:uri="http://schemas.microsoft.com/sharepoint/v3/contenttype/forms"/>
+    <ds:schemaRef ds:uri="16c05727-aa75-4e4a-9b5f-8a80a1165891"/>
+    <ds:schemaRef ds:uri="http://www.w3.org/XML/1998/namespace"/>
+    <ds:schemaRef ds:uri="http://schemas.openxmlformats.org/package/2006/metadata/core-properties"/>
+    <ds:schemaRef ds:uri="http://schemas.microsoft.com/office/2006/metadata/properties"/>
+    <ds:schemaRef ds:uri="http://schemas.microsoft.com/office/2006/documentManagement/types"/>
+    <ds:schemaRef ds:uri="71af3243-3dd4-4a8d-8c0d-dd76da1f02a5"/>
+    <ds:schemaRef ds:uri="http://schemas.microsoft.com/office/infopath/2007/PartnerControls"/>
+    <ds:schemaRef ds:uri="http://purl.org/dc/dcmitype/"/>
+    <ds:schemaRef ds:uri="http://purl.org/dc/elements/1.1/"/>
+    <ds:schemaRef ds:uri="http://purl.org/dc/terms/"/>
   </ds:schemaRefs>
 </ds:datastoreItem>
 </file>
@@ -12692,18 +16099,9 @@
 </file>
 
 <file path=customXml/itemProps3.xml><?xml version="1.0" encoding="utf-8"?>
-<ds:datastoreItem xmlns:ds="http://schemas.openxmlformats.org/officeDocument/2006/customXml" ds:itemID="{F651EF32-6551-47EB-8BA9-22EF81F3DDAC}">
+<ds:datastoreItem xmlns:ds="http://schemas.openxmlformats.org/officeDocument/2006/customXml" ds:itemID="{2B21BF1A-59D3-4E19-9B95-2FD4309AC3AF}">
   <ds:schemaRefs>
-    <ds:schemaRef ds:uri="16c05727-aa75-4e4a-9b5f-8a80a1165891"/>
-    <ds:schemaRef ds:uri="http://www.w3.org/XML/1998/namespace"/>
-    <ds:schemaRef ds:uri="http://schemas.openxmlformats.org/package/2006/metadata/core-properties"/>
-    <ds:schemaRef ds:uri="http://schemas.microsoft.com/office/2006/metadata/properties"/>
-    <ds:schemaRef ds:uri="http://schemas.microsoft.com/office/2006/documentManagement/types"/>
-    <ds:schemaRef ds:uri="71af3243-3dd4-4a8d-8c0d-dd76da1f02a5"/>
-    <ds:schemaRef ds:uri="http://schemas.microsoft.com/office/infopath/2007/PartnerControls"/>
-    <ds:schemaRef ds:uri="http://purl.org/dc/dcmitype/"/>
-    <ds:schemaRef ds:uri="http://purl.org/dc/elements/1.1/"/>
-    <ds:schemaRef ds:uri="http://purl.org/dc/terms/"/>
+    <ds:schemaRef ds:uri="http://schemas.microsoft.com/sharepoint/v3/contenttype/forms"/>
   </ds:schemaRefs>
 </ds:datastoreItem>
 </file>
--- a/diapos/CPP_Intro.pptx
+++ b/diapos/CPP_Intro.pptx
@@ -4060,7 +4060,7 @@
   </dgm:layoutNode>
   <dgm:extLst>
     <a:ext uri="{68A01E43-0DF5-4B5B-8FA6-DAF915123BFB}">
-      <dgm1612:lstStyle xmlns:dgm1612="http://schemas.microsoft.com/office/drawing/2016/12/diagram" xmlns="">
+      <dgm1612:lstStyle xmlns="" xmlns:dgm1612="http://schemas.microsoft.com/office/drawing/2016/12/diagram">
         <a:lvl1pPr>
           <a:lnSpc>
             <a:spcPct val="100000"/>
@@ -4250,7 +4250,7 @@
   </dgm:layoutNode>
   <dgm:extLst>
     <a:ext uri="{68A01E43-0DF5-4B5B-8FA6-DAF915123BFB}">
-      <dgm1612:lstStyle xmlns:dgm1612="http://schemas.microsoft.com/office/drawing/2016/12/diagram" xmlns="">
+      <dgm1612:lstStyle xmlns="" xmlns:dgm1612="http://schemas.microsoft.com/office/drawing/2016/12/diagram">
         <a:lvl1pPr>
           <a:lnSpc>
             <a:spcPct val="100000"/>
@@ -6426,7 +6426,7 @@
             <a:pPr rtl="0"/>
             <a:fld id="{44067F72-4B43-4EB2-81AF-1356A084F97D}" type="datetime1">
               <a:rPr lang="fr-FR" smtClean="0"/>
-              <a:t>15/06/2021</a:t>
+              <a:t>16/06/2021</a:t>
             </a:fld>
             <a:endParaRPr lang="fr-FR" dirty="0"/>
           </a:p>
@@ -6608,7 +6608,7 @@
             <a:pPr rtl="0"/>
             <a:fld id="{18E2C9A5-1936-47C6-ADD2-56E91A3B7AD6}" type="datetime1">
               <a:rPr lang="fr-FR" noProof="0" smtClean="0"/>
-              <a:t>15/06/2021</a:t>
+              <a:t>16/06/2021</a:t>
             </a:fld>
             <a:endParaRPr lang="fr-FR" noProof="0" dirty="0"/>
           </a:p>
@@ -7171,7 +7171,7 @@
             </a:r>
           </a:p>
           <a:p>
-            <a:pPr marL="0" marR="0" lvl="0" indent="0" algn="l" defTabSz="713232" rtl="0" eaLnBrk="1" fontAlgn="auto" latinLnBrk="0" hangingPunct="1">
+            <a:pPr marL="171450" marR="0" lvl="0" indent="-171450" algn="l" defTabSz="713232" rtl="0" eaLnBrk="1" fontAlgn="auto" latinLnBrk="0" hangingPunct="1">
               <a:lnSpc>
                 <a:spcPct val="100000"/>
               </a:lnSpc>
@@ -7184,21 +7184,21 @@
               <a:buClrTx/>
               <a:buSzTx/>
               <a:buFontTx/>
-              <a:buNone/>
+              <a:buChar char="-"/>
               <a:tabLst/>
               <a:defRPr/>
             </a:pPr>
             <a:r>
-              <a:rPr lang="fr-FR" baseline="0" dirty="0" smtClean="0"/>
-              <a:t>- </a:t>
-            </a:r>
-            <a:r>
               <a:rPr lang="fr-FR" baseline="0" dirty="0" err="1" smtClean="0"/>
               <a:t>Opesim</a:t>
             </a:r>
             <a:r>
               <a:rPr lang="fr-FR" baseline="0" dirty="0" smtClean="0"/>
-              <a:t> : Duel AD navire, </a:t>
+              <a:t> </a:t>
+            </a:r>
+            <a:r>
+              <a:rPr lang="fr-FR" baseline="0" dirty="0" smtClean="0"/>
+              <a:t>: Duel AD navire, </a:t>
             </a:r>
             <a:r>
               <a:rPr lang="fr-FR" baseline="0" dirty="0" err="1" smtClean="0"/>
@@ -7219,6 +7219,77 @@
             <a:r>
               <a:rPr lang="fr-FR" baseline="0" dirty="0" err="1" smtClean="0"/>
               <a:t>imotep</a:t>
+            </a:r>
+            <a:endParaRPr lang="fr-FR" baseline="0" dirty="0" smtClean="0"/>
+          </a:p>
+          <a:p>
+            <a:pPr marL="171450" marR="0" lvl="0" indent="-171450" algn="l" defTabSz="713232" rtl="0" eaLnBrk="1" fontAlgn="auto" latinLnBrk="0" hangingPunct="1">
+              <a:lnSpc>
+                <a:spcPct val="100000"/>
+              </a:lnSpc>
+              <a:spcBef>
+                <a:spcPts val="0"/>
+              </a:spcBef>
+              <a:spcAft>
+                <a:spcPts val="0"/>
+              </a:spcAft>
+              <a:buClrTx/>
+              <a:buSzTx/>
+              <a:buFontTx/>
+              <a:buChar char="-"/>
+              <a:tabLst/>
+              <a:defRPr/>
+            </a:pPr>
+            <a:endParaRPr lang="fr-FR" baseline="0" dirty="0" smtClean="0"/>
+          </a:p>
+          <a:p>
+            <a:pPr marL="171450" marR="0" lvl="0" indent="-171450" algn="l" defTabSz="713232" rtl="0" eaLnBrk="1" fontAlgn="auto" latinLnBrk="0" hangingPunct="1">
+              <a:lnSpc>
+                <a:spcPct val="100000"/>
+              </a:lnSpc>
+              <a:spcBef>
+                <a:spcPts val="0"/>
+              </a:spcBef>
+              <a:spcAft>
+                <a:spcPts val="0"/>
+              </a:spcAft>
+              <a:buClrTx/>
+              <a:buSzTx/>
+              <a:buFontTx/>
+              <a:buChar char="-"/>
+              <a:tabLst/>
+              <a:defRPr/>
+            </a:pPr>
+            <a:r>
+              <a:rPr lang="fr-FR" baseline="0" dirty="0" smtClean="0"/>
+              <a:t>Partage de connaissance</a:t>
+            </a:r>
+          </a:p>
+          <a:p>
+            <a:pPr marL="171450" marR="0" lvl="0" indent="-171450" algn="l" defTabSz="713232" rtl="0" eaLnBrk="1" fontAlgn="auto" latinLnBrk="0" hangingPunct="1">
+              <a:lnSpc>
+                <a:spcPct val="100000"/>
+              </a:lnSpc>
+              <a:spcBef>
+                <a:spcPts val="0"/>
+              </a:spcBef>
+              <a:spcAft>
+                <a:spcPts val="0"/>
+              </a:spcAft>
+              <a:buClrTx/>
+              <a:buSzTx/>
+              <a:buFontTx/>
+              <a:buChar char="-"/>
+              <a:tabLst/>
+              <a:defRPr/>
+            </a:pPr>
+            <a:r>
+              <a:rPr lang="fr-FR" baseline="0" smtClean="0"/>
+              <a:t>Remettre </a:t>
+            </a:r>
+            <a:r>
+              <a:rPr lang="fr-FR" baseline="0" dirty="0" smtClean="0"/>
+              <a:t>les bases après avoir appris sur le tas</a:t>
             </a:r>
             <a:endParaRPr lang="fr-FR" baseline="0" dirty="0" smtClean="0"/>
           </a:p>
@@ -7724,7 +7795,7 @@
             <a:pPr rtl="0"/>
             <a:fld id="{95F14979-C768-4E40-879A-113D767D7598}" type="datetime1">
               <a:rPr lang="fr-FR" noProof="0" smtClean="0"/>
-              <a:t>15/06/2021</a:t>
+              <a:t>16/06/2021</a:t>
             </a:fld>
             <a:endParaRPr lang="fr-FR" noProof="0" dirty="0"/>
           </a:p>
@@ -7990,7 +8061,7 @@
             <a:pPr rtl="0"/>
             <a:fld id="{46AEB7E8-48A7-4B84-88AE-D5102810498A}" type="datetime1">
               <a:rPr lang="fr-FR" noProof="0" smtClean="0"/>
-              <a:t>15/06/2021</a:t>
+              <a:t>16/06/2021</a:t>
             </a:fld>
             <a:endParaRPr lang="fr-FR" noProof="0" dirty="0"/>
           </a:p>
@@ -8229,7 +8300,7 @@
             <a:pPr rtl="0"/>
             <a:fld id="{2FE4E01A-DB78-4E32-A009-59CFADEF770C}" type="datetime1">
               <a:rPr lang="fr-FR" noProof="0" smtClean="0"/>
-              <a:t>15/06/2021</a:t>
+              <a:t>16/06/2021</a:t>
             </a:fld>
             <a:endParaRPr lang="fr-FR" noProof="0" dirty="0"/>
           </a:p>
@@ -8478,7 +8549,7 @@
             <a:pPr rtl="0"/>
             <a:fld id="{3921C42B-897E-4F7D-9F30-7A616D683282}" type="datetime1">
               <a:rPr lang="fr-FR" noProof="0" smtClean="0"/>
-              <a:t>15/06/2021</a:t>
+              <a:t>16/06/2021</a:t>
             </a:fld>
             <a:endParaRPr lang="fr-FR" noProof="0" dirty="0"/>
           </a:p>
@@ -8797,7 +8868,7 @@
             <a:pPr rtl="0"/>
             <a:fld id="{666FD31E-62FB-4209-A7A6-BACD423FD1B9}" type="datetime1">
               <a:rPr lang="fr-FR" noProof="0" smtClean="0"/>
-              <a:t>15/06/2021</a:t>
+              <a:t>16/06/2021</a:t>
             </a:fld>
             <a:endParaRPr lang="fr-FR" noProof="0" dirty="0"/>
           </a:p>
@@ -9103,7 +9174,7 @@
             <a:pPr rtl="0"/>
             <a:fld id="{1F492094-CEAF-41CC-AA41-3DEA4E8B9F9C}" type="datetime1">
               <a:rPr lang="fr-FR" noProof="0" smtClean="0"/>
-              <a:t>15/06/2021</a:t>
+              <a:t>16/06/2021</a:t>
             </a:fld>
             <a:endParaRPr lang="fr-FR" noProof="0" dirty="0"/>
           </a:p>
@@ -9529,7 +9600,7 @@
             <a:pPr rtl="0"/>
             <a:fld id="{D1282008-B726-4AFB-BF47-1F66C441C4D1}" type="datetime1">
               <a:rPr lang="fr-FR" noProof="0" smtClean="0"/>
-              <a:t>15/06/2021</a:t>
+              <a:t>16/06/2021</a:t>
             </a:fld>
             <a:endParaRPr lang="fr-FR" noProof="0" dirty="0"/>
           </a:p>
@@ -9628,7 +9699,7 @@
             <a:pPr rtl="0"/>
             <a:fld id="{60565547-EAE3-42AF-9F0E-6706655F4F8F}" type="datetime1">
               <a:rPr lang="fr-FR" noProof="0" smtClean="0"/>
-              <a:t>15/06/2021</a:t>
+              <a:t>16/06/2021</a:t>
             </a:fld>
             <a:endParaRPr lang="fr-FR" noProof="0" dirty="0"/>
           </a:p>
@@ -9794,7 +9865,7 @@
             <a:pPr rtl="0"/>
             <a:fld id="{9D7570F7-C3C9-44B3-A009-658E4E9B6AED}" type="datetime1">
               <a:rPr lang="fr-FR" noProof="0" smtClean="0"/>
-              <a:t>15/06/2021</a:t>
+              <a:t>16/06/2021</a:t>
             </a:fld>
             <a:endParaRPr lang="fr-FR" noProof="0" dirty="0"/>
           </a:p>
@@ -10176,7 +10247,7 @@
             <a:pPr rtl="0"/>
             <a:fld id="{F981DFD8-7CC7-492D-8F3E-634F16593128}" type="datetime1">
               <a:rPr lang="fr-FR" noProof="0" smtClean="0"/>
-              <a:t>15/06/2021</a:t>
+              <a:t>16/06/2021</a:t>
             </a:fld>
             <a:endParaRPr lang="fr-FR" noProof="0" dirty="0"/>
           </a:p>
@@ -10469,7 +10540,7 @@
             <a:pPr rtl="0"/>
             <a:fld id="{097575A0-E176-45FF-AB41-901BA96C2E0F}" type="datetime1">
               <a:rPr lang="fr-FR" noProof="0" smtClean="0"/>
-              <a:t>15/06/2021</a:t>
+              <a:t>16/06/2021</a:t>
             </a:fld>
             <a:endParaRPr lang="fr-FR" noProof="0" dirty="0"/>
           </a:p>
@@ -10684,7 +10755,7 @@
             <a:pPr rtl="0"/>
             <a:fld id="{10358767-58E0-4259-BE08-C44246876B43}" type="datetime1">
               <a:rPr lang="fr-FR" noProof="0" smtClean="0"/>
-              <a:t>15/06/2021</a:t>
+              <a:t>16/06/2021</a:t>
             </a:fld>
             <a:endParaRPr lang="fr-FR" noProof="0" dirty="0"/>
           </a:p>
@@ -15843,6 +15914,15 @@
 </file>
 
 <file path=customXml/item2.xml><?xml version="1.0" encoding="utf-8"?>
+<?mso-contentType ?>
+<FormTemplates xmlns="http://schemas.microsoft.com/sharepoint/v3/contenttype/forms">
+  <Display>DocumentLibraryForm</Display>
+  <Edit>DocumentLibraryForm</Edit>
+  <New>DocumentLibraryForm</New>
+</FormTemplates>
+</file>
+
+<file path=customXml/item3.xml><?xml version="1.0" encoding="utf-8"?>
 <ct:contentTypeSchema xmlns:ct="http://schemas.microsoft.com/office/2006/metadata/contentType" xmlns:ma="http://schemas.microsoft.com/office/2006/metadata/properties/metaAttributes" ct:_="" ma:_="" ma:contentTypeName="Document" ma:contentTypeID="0x01010079F111ED35F8CC479449609E8A0923A6" ma:contentTypeVersion="11" ma:contentTypeDescription="Create a new document." ma:contentTypeScope="" ma:versionID="9677210f24a1be23c92c90fd886aa0aa">
   <xsd:schema xmlns:xsd="http://www.w3.org/2001/XMLSchema" xmlns:xs="http://www.w3.org/2001/XMLSchema" xmlns:p="http://schemas.microsoft.com/office/2006/metadata/properties" xmlns:ns2="71af3243-3dd4-4a8d-8c0d-dd76da1f02a5" xmlns:ns3="16c05727-aa75-4e4a-9b5f-8a80a1165891" targetNamespace="http://schemas.microsoft.com/office/2006/metadata/properties" ma:root="true" ma:fieldsID="60e05723c5c1908df1a1a4ebf11d344e" ns2:_="" ns3:_="">
     <xsd:import namespace="71af3243-3dd4-4a8d-8c0d-dd76da1f02a5"/>
@@ -16053,15 +16133,6 @@
 </ct:contentTypeSchema>
 </file>
 
-<file path=customXml/item3.xml><?xml version="1.0" encoding="utf-8"?>
-<?mso-contentType ?>
-<FormTemplates xmlns="http://schemas.microsoft.com/sharepoint/v3/contenttype/forms">
-  <Display>DocumentLibraryForm</Display>
-  <Edit>DocumentLibraryForm</Edit>
-  <New>DocumentLibraryForm</New>
-</FormTemplates>
-</file>
-
 <file path=customXml/itemProps1.xml><?xml version="1.0" encoding="utf-8"?>
 <ds:datastoreItem xmlns:ds="http://schemas.openxmlformats.org/officeDocument/2006/customXml" ds:itemID="{F651EF32-6551-47EB-8BA9-22EF81F3DDAC}">
   <ds:schemaRefs>
@@ -16080,6 +16151,14 @@
 </file>
 
 <file path=customXml/itemProps2.xml><?xml version="1.0" encoding="utf-8"?>
+<ds:datastoreItem xmlns:ds="http://schemas.openxmlformats.org/officeDocument/2006/customXml" ds:itemID="{2B21BF1A-59D3-4E19-9B95-2FD4309AC3AF}">
+  <ds:schemaRefs>
+    <ds:schemaRef ds:uri="http://schemas.microsoft.com/sharepoint/v3/contenttype/forms"/>
+  </ds:schemaRefs>
+</ds:datastoreItem>
+</file>
+
+<file path=customXml/itemProps3.xml><?xml version="1.0" encoding="utf-8"?>
 <ds:datastoreItem xmlns:ds="http://schemas.openxmlformats.org/officeDocument/2006/customXml" ds:itemID="{1EED214C-B51A-4B75-8B08-0E0DBD2305BE}">
   <ds:schemaRefs>
     <ds:schemaRef ds:uri="http://schemas.microsoft.com/office/2006/metadata/contentType"/>
@@ -16096,12 +16175,4 @@
     <ds:schemaRef ds:uri="http://schemas.microsoft.com/internal/obd"/>
   </ds:schemaRefs>
 </ds:datastoreItem>
-</file>
-
-<file path=customXml/itemProps3.xml><?xml version="1.0" encoding="utf-8"?>
-<ds:datastoreItem xmlns:ds="http://schemas.openxmlformats.org/officeDocument/2006/customXml" ds:itemID="{2B21BF1A-59D3-4E19-9B95-2FD4309AC3AF}">
-  <ds:schemaRefs>
-    <ds:schemaRef ds:uri="http://schemas.microsoft.com/sharepoint/v3/contenttype/forms"/>
-  </ds:schemaRefs>
-</ds:datastoreItem>
 </file>